--- a/Presentatie/Presentation2.pptx
+++ b/Presentatie/Presentation2.pptx
@@ -6,7 +6,7 @@
     <p:sldMasterId id="2147483672" r:id="rId2"/>
   </p:sldMasterIdLst>
   <p:notesMasterIdLst>
-    <p:notesMasterId r:id="rId24"/>
+    <p:notesMasterId r:id="rId25"/>
   </p:notesMasterIdLst>
   <p:sldIdLst>
     <p:sldId id="256" r:id="rId3"/>
@@ -17,19 +17,20 @@
     <p:sldId id="262" r:id="rId8"/>
     <p:sldId id="263" r:id="rId9"/>
     <p:sldId id="264" r:id="rId10"/>
-    <p:sldId id="265" r:id="rId11"/>
-    <p:sldId id="266" r:id="rId12"/>
-    <p:sldId id="267" r:id="rId13"/>
-    <p:sldId id="268" r:id="rId14"/>
-    <p:sldId id="269" r:id="rId15"/>
-    <p:sldId id="270" r:id="rId16"/>
-    <p:sldId id="272" r:id="rId17"/>
-    <p:sldId id="274" r:id="rId18"/>
-    <p:sldId id="276" r:id="rId19"/>
-    <p:sldId id="277" r:id="rId20"/>
-    <p:sldId id="278" r:id="rId21"/>
-    <p:sldId id="279" r:id="rId22"/>
-    <p:sldId id="273" r:id="rId23"/>
+    <p:sldId id="280" r:id="rId11"/>
+    <p:sldId id="265" r:id="rId12"/>
+    <p:sldId id="266" r:id="rId13"/>
+    <p:sldId id="267" r:id="rId14"/>
+    <p:sldId id="268" r:id="rId15"/>
+    <p:sldId id="269" r:id="rId16"/>
+    <p:sldId id="270" r:id="rId17"/>
+    <p:sldId id="272" r:id="rId18"/>
+    <p:sldId id="274" r:id="rId19"/>
+    <p:sldId id="276" r:id="rId20"/>
+    <p:sldId id="277" r:id="rId21"/>
+    <p:sldId id="278" r:id="rId22"/>
+    <p:sldId id="279" r:id="rId23"/>
+    <p:sldId id="273" r:id="rId24"/>
   </p:sldIdLst>
   <p:sldSz cx="9144000" cy="6858000" type="screen4x3"/>
   <p:notesSz cx="6858000" cy="9144000"/>
@@ -128,6 +129,11 @@
       </a:defRPr>
     </a:lvl9pPr>
   </p:defaultTextStyle>
+  <p:extLst>
+    <p:ext uri="{EFAFB233-063F-42B5-8137-9DF3F51BA10A}">
+      <p15:sldGuideLst xmlns:p15="http://schemas.microsoft.com/office/powerpoint/2012/main"/>
+    </p:ext>
+  </p:extLst>
 </p:presentation>
 </file>
 
@@ -277,38 +283,37 @@
           <a:p>
             <a:pPr lvl="0"/>
             <a:r>
-              <a:rPr lang="en-US" smtClean="0"/>
+              <a:rPr lang="en-US"/>
               <a:t>Edit Master text styles</a:t>
             </a:r>
           </a:p>
           <a:p>
             <a:pPr lvl="1"/>
             <a:r>
-              <a:rPr lang="en-US" smtClean="0"/>
+              <a:rPr lang="en-US"/>
               <a:t>Second level</a:t>
             </a:r>
           </a:p>
           <a:p>
             <a:pPr lvl="2"/>
             <a:r>
-              <a:rPr lang="en-US" smtClean="0"/>
+              <a:rPr lang="en-US"/>
               <a:t>Third level</a:t>
             </a:r>
           </a:p>
           <a:p>
             <a:pPr lvl="3"/>
             <a:r>
-              <a:rPr lang="en-US" smtClean="0"/>
+              <a:rPr lang="en-US"/>
               <a:t>Fourth level</a:t>
             </a:r>
           </a:p>
           <a:p>
             <a:pPr lvl="4"/>
             <a:r>
-              <a:rPr lang="en-US" smtClean="0"/>
+              <a:rPr lang="en-US"/>
               <a:t>Fifth level</a:t>
             </a:r>
-            <a:endParaRPr lang="en-US"/>
           </a:p>
         </p:txBody>
       </p:sp>
@@ -610,49 +615,9 @@
           <a:lstStyle/>
           <a:p>
             <a:r>
-              <a:rPr lang="nl-BE" dirty="0" smtClean="0"/>
-              <a:t>TERUG OP TOTAAL</a:t>
-            </a:r>
-          </a:p>
-          <a:p>
-            <a:r>
-              <a:rPr lang="nl-BE" dirty="0" err="1" smtClean="0"/>
-              <a:t>Trg</a:t>
-            </a:r>
-            <a:r>
-              <a:rPr lang="nl-BE" dirty="0" smtClean="0"/>
-              <a:t> vermelden:</a:t>
-            </a:r>
-            <a:r>
-              <a:rPr lang="nl-BE" baseline="0" dirty="0" smtClean="0"/>
-              <a:t> more compiler </a:t>
-            </a:r>
-            <a:r>
-              <a:rPr lang="nl-BE" baseline="0" dirty="0" err="1" smtClean="0"/>
-              <a:t>freedom</a:t>
-            </a:r>
-            <a:r>
-              <a:rPr lang="nl-BE" baseline="0" dirty="0" smtClean="0"/>
-              <a:t> (</a:t>
-            </a:r>
-            <a:r>
-              <a:rPr lang="nl-BE" baseline="0" dirty="0" err="1" smtClean="0"/>
-              <a:t>and</a:t>
-            </a:r>
-            <a:r>
-              <a:rPr lang="nl-BE" baseline="0" dirty="0" smtClean="0"/>
-              <a:t> </a:t>
-            </a:r>
-            <a:r>
-              <a:rPr lang="nl-BE" baseline="0" dirty="0" err="1" smtClean="0"/>
-              <a:t>reduced</a:t>
-            </a:r>
-            <a:r>
-              <a:rPr lang="nl-BE" baseline="0" dirty="0" smtClean="0"/>
-              <a:t> overhead)</a:t>
-            </a:r>
-          </a:p>
-          <a:p>
+              <a:rPr lang="nl-BE" dirty="0"/>
+              <a:t>NU WEL PER FUNCTIE</a:t>
+            </a:r>
             <a:endParaRPr lang="en-US" dirty="0"/>
           </a:p>
         </p:txBody>
@@ -683,7 +648,271 @@
     </p:spTree>
     <p:extLst>
       <p:ext uri="{BB962C8B-B14F-4D97-AF65-F5344CB8AC3E}">
+        <p14:creationId xmlns:p14="http://schemas.microsoft.com/office/powerpoint/2010/main" val="2958474266"/>
+      </p:ext>
+    </p:extLst>
+  </p:cSld>
+  <p:clrMapOvr>
+    <a:masterClrMapping/>
+  </p:clrMapOvr>
+</p:notes>
+</file>
+
+<file path=ppt/notesSlides/notesSlide11.xml><?xml version="1.0" encoding="utf-8"?>
+<p:notes xmlns:a="http://schemas.openxmlformats.org/drawingml/2006/main" xmlns:r="http://schemas.openxmlformats.org/officeDocument/2006/relationships" xmlns:p="http://schemas.openxmlformats.org/presentationml/2006/main">
+  <p:cSld>
+    <p:spTree>
+      <p:nvGrpSpPr>
+        <p:cNvPr id="1" name=""/>
+        <p:cNvGrpSpPr/>
+        <p:nvPr/>
+      </p:nvGrpSpPr>
+      <p:grpSpPr>
+        <a:xfrm>
+          <a:off x="0" y="0"/>
+          <a:ext cx="0" cy="0"/>
+          <a:chOff x="0" y="0"/>
+          <a:chExt cx="0" cy="0"/>
+        </a:xfrm>
+      </p:grpSpPr>
+      <p:sp>
+        <p:nvSpPr>
+          <p:cNvPr id="2" name="Slide Image Placeholder 1"/>
+          <p:cNvSpPr>
+            <a:spLocks noGrp="1" noRot="1" noChangeAspect="1"/>
+          </p:cNvSpPr>
+          <p:nvPr>
+            <p:ph type="sldImg"/>
+          </p:nvPr>
+        </p:nvSpPr>
+        <p:spPr/>
+      </p:sp>
+      <p:sp>
+        <p:nvSpPr>
+          <p:cNvPr id="3" name="Notes Placeholder 2"/>
+          <p:cNvSpPr>
+            <a:spLocks noGrp="1"/>
+          </p:cNvSpPr>
+          <p:nvPr>
+            <p:ph type="body" idx="1"/>
+          </p:nvPr>
+        </p:nvSpPr>
+        <p:spPr/>
+        <p:txBody>
+          <a:bodyPr/>
+          <a:lstStyle/>
+          <a:p>
+            <a:r>
+              <a:rPr lang="nl-BE" dirty="0"/>
+              <a:t>TERUG OP TOTAAL</a:t>
+            </a:r>
+          </a:p>
+          <a:p>
+            <a:r>
+              <a:rPr lang="nl-BE" dirty="0" err="1"/>
+              <a:t>Trg</a:t>
+            </a:r>
+            <a:r>
+              <a:rPr lang="nl-BE" dirty="0"/>
+              <a:t> vermelden:</a:t>
+            </a:r>
+            <a:r>
+              <a:rPr lang="nl-BE" baseline="0" dirty="0"/>
+              <a:t> more compiler </a:t>
+            </a:r>
+            <a:r>
+              <a:rPr lang="nl-BE" baseline="0" dirty="0" err="1"/>
+              <a:t>freedom</a:t>
+            </a:r>
+            <a:r>
+              <a:rPr lang="nl-BE" baseline="0" dirty="0"/>
+              <a:t> (</a:t>
+            </a:r>
+            <a:r>
+              <a:rPr lang="nl-BE" baseline="0" dirty="0" err="1"/>
+              <a:t>and</a:t>
+            </a:r>
+            <a:r>
+              <a:rPr lang="nl-BE" baseline="0" dirty="0"/>
+              <a:t> </a:t>
+            </a:r>
+            <a:r>
+              <a:rPr lang="nl-BE" baseline="0" dirty="0" err="1"/>
+              <a:t>reduced</a:t>
+            </a:r>
+            <a:r>
+              <a:rPr lang="nl-BE" baseline="0" dirty="0"/>
+              <a:t> overhead)</a:t>
+            </a:r>
+          </a:p>
+          <a:p>
+            <a:endParaRPr lang="en-US" dirty="0"/>
+          </a:p>
+        </p:txBody>
+      </p:sp>
+      <p:sp>
+        <p:nvSpPr>
+          <p:cNvPr id="4" name="Slide Number Placeholder 3"/>
+          <p:cNvSpPr>
+            <a:spLocks noGrp="1"/>
+          </p:cNvSpPr>
+          <p:nvPr>
+            <p:ph type="sldNum" sz="quarter" idx="10"/>
+          </p:nvPr>
+        </p:nvSpPr>
+        <p:spPr/>
+        <p:txBody>
+          <a:bodyPr/>
+          <a:lstStyle/>
+          <a:p>
+            <a:fld id="{A24EF1B0-8D48-4F34-B819-7245FD8B9663}" type="slidenum">
+              <a:rPr lang="en-US" smtClean="0"/>
+              <a:t>19</a:t>
+            </a:fld>
+            <a:endParaRPr lang="en-US"/>
+          </a:p>
+        </p:txBody>
+      </p:sp>
+    </p:spTree>
+    <p:extLst>
+      <p:ext uri="{BB962C8B-B14F-4D97-AF65-F5344CB8AC3E}">
         <p14:creationId xmlns:p14="http://schemas.microsoft.com/office/powerpoint/2010/main" val="3172776424"/>
+      </p:ext>
+    </p:extLst>
+  </p:cSld>
+  <p:clrMapOvr>
+    <a:masterClrMapping/>
+  </p:clrMapOvr>
+</p:notes>
+</file>
+
+<file path=ppt/notesSlides/notesSlide12.xml><?xml version="1.0" encoding="utf-8"?>
+<p:notes xmlns:a="http://schemas.openxmlformats.org/drawingml/2006/main" xmlns:r="http://schemas.openxmlformats.org/officeDocument/2006/relationships" xmlns:p="http://schemas.openxmlformats.org/presentationml/2006/main">
+  <p:cSld>
+    <p:spTree>
+      <p:nvGrpSpPr>
+        <p:cNvPr id="1" name=""/>
+        <p:cNvGrpSpPr/>
+        <p:nvPr/>
+      </p:nvGrpSpPr>
+      <p:grpSpPr>
+        <a:xfrm>
+          <a:off x="0" y="0"/>
+          <a:ext cx="0" cy="0"/>
+          <a:chOff x="0" y="0"/>
+          <a:chExt cx="0" cy="0"/>
+        </a:xfrm>
+      </p:grpSpPr>
+      <p:sp>
+        <p:nvSpPr>
+          <p:cNvPr id="2" name="Slide Image Placeholder 1"/>
+          <p:cNvSpPr>
+            <a:spLocks noGrp="1" noRot="1" noChangeAspect="1"/>
+          </p:cNvSpPr>
+          <p:nvPr>
+            <p:ph type="sldImg"/>
+          </p:nvPr>
+        </p:nvSpPr>
+        <p:spPr/>
+      </p:sp>
+      <p:sp>
+        <p:nvSpPr>
+          <p:cNvPr id="3" name="Notes Placeholder 2"/>
+          <p:cNvSpPr>
+            <a:spLocks noGrp="1"/>
+          </p:cNvSpPr>
+          <p:nvPr>
+            <p:ph type="body" idx="1"/>
+          </p:nvPr>
+        </p:nvSpPr>
+        <p:spPr/>
+        <p:txBody>
+          <a:bodyPr/>
+          <a:lstStyle/>
+          <a:p>
+            <a:r>
+              <a:rPr lang="en-GB" dirty="0"/>
+              <a:t>Removed: (Did not find it necessary to put this here since overall we implemented this and it did</a:t>
+            </a:r>
+            <a:r>
+              <a:rPr lang="en-GB" baseline="0" dirty="0"/>
+              <a:t> gain</a:t>
+            </a:r>
+            <a:endParaRPr lang="en-GB" dirty="0"/>
+          </a:p>
+          <a:p>
+            <a:r>
+              <a:rPr lang="nl-BE" dirty="0"/>
+              <a:t>UNROLL: </a:t>
+            </a:r>
+          </a:p>
+          <a:p>
+            <a:pPr lvl="1"/>
+            <a:r>
+              <a:rPr lang="nl-BE" dirty="0" err="1"/>
+              <a:t>Only</a:t>
+            </a:r>
+            <a:r>
+              <a:rPr lang="nl-BE" dirty="0"/>
+              <a:t> </a:t>
+            </a:r>
+            <a:r>
+              <a:rPr lang="nl-BE" dirty="0" err="1"/>
+              <a:t>really</a:t>
+            </a:r>
+            <a:r>
+              <a:rPr lang="nl-BE" dirty="0"/>
+              <a:t> </a:t>
+            </a:r>
+            <a:r>
+              <a:rPr lang="nl-BE" dirty="0" err="1"/>
+              <a:t>helped</a:t>
+            </a:r>
+            <a:r>
+              <a:rPr lang="nl-BE" dirty="0"/>
+              <a:t> in </a:t>
+            </a:r>
+            <a:r>
+              <a:rPr lang="nl-BE" dirty="0" err="1"/>
+              <a:t>convolve</a:t>
+            </a:r>
+            <a:r>
+              <a:rPr lang="nl-BE" dirty="0"/>
+              <a:t> (4x best)</a:t>
+            </a:r>
+          </a:p>
+          <a:p>
+            <a:endParaRPr lang="en-GB" dirty="0"/>
+          </a:p>
+        </p:txBody>
+      </p:sp>
+      <p:sp>
+        <p:nvSpPr>
+          <p:cNvPr id="4" name="Slide Number Placeholder 3"/>
+          <p:cNvSpPr>
+            <a:spLocks noGrp="1"/>
+          </p:cNvSpPr>
+          <p:nvPr>
+            <p:ph type="sldNum" sz="quarter" idx="10"/>
+          </p:nvPr>
+        </p:nvSpPr>
+        <p:spPr/>
+        <p:txBody>
+          <a:bodyPr/>
+          <a:lstStyle/>
+          <a:p>
+            <a:fld id="{A24EF1B0-8D48-4F34-B819-7245FD8B9663}" type="slidenum">
+              <a:rPr lang="en-US" smtClean="0"/>
+              <a:t>20</a:t>
+            </a:fld>
+            <a:endParaRPr lang="en-US"/>
+          </a:p>
+        </p:txBody>
+      </p:sp>
+    </p:spTree>
+    <p:extLst>
+      <p:ext uri="{BB962C8B-B14F-4D97-AF65-F5344CB8AC3E}">
+        <p14:creationId xmlns:p14="http://schemas.microsoft.com/office/powerpoint/2010/main" val="3584762593"/>
       </p:ext>
     </p:extLst>
   </p:cSld>
@@ -839,26 +1068,26 @@
               <a:defRPr/>
             </a:pPr>
             <a:r>
-              <a:rPr lang="nl-BE" dirty="0" smtClean="0"/>
+              <a:rPr lang="nl-BE" dirty="0"/>
               <a:t>Vermeld: uiteindelijk ook integer </a:t>
             </a:r>
             <a:r>
-              <a:rPr lang="nl-BE" dirty="0" err="1" smtClean="0"/>
+              <a:rPr lang="nl-BE" dirty="0" err="1"/>
               <a:t>ipv</a:t>
             </a:r>
             <a:r>
-              <a:rPr lang="nl-BE" baseline="0" dirty="0" smtClean="0"/>
+              <a:rPr lang="nl-BE" baseline="0" dirty="0"/>
               <a:t> long </a:t>
             </a:r>
             <a:r>
-              <a:rPr lang="nl-BE" baseline="0" dirty="0" err="1" smtClean="0"/>
+              <a:rPr lang="nl-BE" baseline="0" dirty="0" err="1"/>
               <a:t>long</a:t>
             </a:r>
             <a:r>
-              <a:rPr lang="nl-BE" baseline="0" dirty="0" smtClean="0"/>
+              <a:rPr lang="nl-BE" baseline="0" dirty="0"/>
               <a:t> gedrag maar maakt geen verschil</a:t>
             </a:r>
-            <a:endParaRPr lang="en-US" dirty="0" smtClean="0"/>
+            <a:endParaRPr lang="en-US" dirty="0"/>
           </a:p>
           <a:p>
             <a:endParaRPr lang="en-US" dirty="0"/>
@@ -945,6 +1174,46 @@
           <a:bodyPr/>
           <a:lstStyle/>
           <a:p>
+            <a:pPr marL="0" marR="0" indent="0" algn="l" defTabSz="914400" rtl="0" eaLnBrk="1" fontAlgn="auto" latinLnBrk="0" hangingPunct="1">
+              <a:lnSpc>
+                <a:spcPct val="100000"/>
+              </a:lnSpc>
+              <a:spcBef>
+                <a:spcPts val="0"/>
+              </a:spcBef>
+              <a:spcAft>
+                <a:spcPts val="0"/>
+              </a:spcAft>
+              <a:buClrTx/>
+              <a:buSzTx/>
+              <a:buFontTx/>
+              <a:buNone/>
+              <a:tabLst/>
+              <a:defRPr/>
+            </a:pPr>
+            <a:r>
+              <a:rPr lang="nl-BE" dirty="0"/>
+              <a:t>Vermeld: uiteindelijk ook integer </a:t>
+            </a:r>
+            <a:r>
+              <a:rPr lang="nl-BE" dirty="0" err="1"/>
+              <a:t>ipv</a:t>
+            </a:r>
+            <a:r>
+              <a:rPr lang="nl-BE" baseline="0" dirty="0"/>
+              <a:t> long </a:t>
+            </a:r>
+            <a:r>
+              <a:rPr lang="nl-BE" baseline="0" dirty="0" err="1"/>
+              <a:t>long</a:t>
+            </a:r>
+            <a:r>
+              <a:rPr lang="nl-BE" baseline="0" dirty="0"/>
+              <a:t> gedrag maar maakt geen verschil</a:t>
+            </a:r>
+            <a:endParaRPr lang="en-US" dirty="0"/>
+          </a:p>
+          <a:p>
             <a:endParaRPr lang="en-US" dirty="0"/>
           </a:p>
         </p:txBody>
@@ -975,7 +1244,7 @@
     </p:spTree>
     <p:extLst>
       <p:ext uri="{BB962C8B-B14F-4D97-AF65-F5344CB8AC3E}">
-        <p14:creationId xmlns:p14="http://schemas.microsoft.com/office/powerpoint/2010/main" val="3560766985"/>
+        <p14:creationId xmlns:p14="http://schemas.microsoft.com/office/powerpoint/2010/main" val="3040199353"/>
       </p:ext>
     </p:extLst>
   </p:cSld>
@@ -1029,10 +1298,6 @@
           <a:bodyPr/>
           <a:lstStyle/>
           <a:p>
-            <a:r>
-              <a:rPr lang="nl-BE" dirty="0" smtClean="0"/>
-              <a:t>Percentages op totaal en niet op de aangepaste functie</a:t>
-            </a:r>
             <a:endParaRPr lang="en-US" dirty="0"/>
           </a:p>
         </p:txBody>
@@ -1054,7 +1319,7 @@
           <a:p>
             <a:fld id="{A24EF1B0-8D48-4F34-B819-7245FD8B9663}" type="slidenum">
               <a:rPr lang="en-US" smtClean="0"/>
-              <a:t>13</a:t>
+              <a:t>10</a:t>
             </a:fld>
             <a:endParaRPr lang="en-US"/>
           </a:p>
@@ -1063,7 +1328,7 @@
     </p:spTree>
     <p:extLst>
       <p:ext uri="{BB962C8B-B14F-4D97-AF65-F5344CB8AC3E}">
-        <p14:creationId xmlns:p14="http://schemas.microsoft.com/office/powerpoint/2010/main" val="925083519"/>
+        <p14:creationId xmlns:p14="http://schemas.microsoft.com/office/powerpoint/2010/main" val="3560766985"/>
       </p:ext>
     </p:extLst>
   </p:cSld>
@@ -1118,7 +1383,7 @@
           <a:lstStyle/>
           <a:p>
             <a:r>
-              <a:rPr lang="nl-BE" dirty="0" smtClean="0"/>
+              <a:rPr lang="nl-BE" dirty="0"/>
               <a:t>Percentages op totaal en niet op de aangepaste functie</a:t>
             </a:r>
             <a:endParaRPr lang="en-US" dirty="0"/>
@@ -1151,7 +1416,7 @@
     </p:spTree>
     <p:extLst>
       <p:ext uri="{BB962C8B-B14F-4D97-AF65-F5344CB8AC3E}">
-        <p14:creationId xmlns:p14="http://schemas.microsoft.com/office/powerpoint/2010/main" val="2518672654"/>
+        <p14:creationId xmlns:p14="http://schemas.microsoft.com/office/powerpoint/2010/main" val="925083519"/>
       </p:ext>
     </p:extLst>
   </p:cSld>
@@ -1206,9 +1471,104 @@
           <a:lstStyle/>
           <a:p>
             <a:r>
-              <a:rPr lang="nl-BE" dirty="0" smtClean="0"/>
-              <a:t>NU WEL PER FUNCTIE</a:t>
-            </a:r>
+              <a:rPr lang="nl-BE" dirty="0"/>
+              <a:t>Percentages op totaal en niet op de aangepaste functie</a:t>
+            </a:r>
+            <a:br>
+              <a:rPr lang="nl-BE" dirty="0"/>
+            </a:br>
+            <a:br>
+              <a:rPr lang="nl-BE" dirty="0"/>
+            </a:br>
+            <a:r>
+              <a:rPr lang="nl-BE" dirty="0" err="1"/>
+              <a:t>Removed</a:t>
+            </a:r>
+            <a:r>
+              <a:rPr lang="nl-BE" baseline="0" dirty="0"/>
+              <a:t> </a:t>
+            </a:r>
+            <a:r>
+              <a:rPr lang="nl-BE" baseline="0" dirty="0" err="1"/>
+              <a:t>because</a:t>
+            </a:r>
+            <a:r>
+              <a:rPr lang="nl-BE" baseline="0" dirty="0"/>
+              <a:t> </a:t>
+            </a:r>
+            <a:r>
+              <a:rPr lang="nl-BE" baseline="0" dirty="0" err="1"/>
+              <a:t>mentioned</a:t>
+            </a:r>
+            <a:r>
+              <a:rPr lang="nl-BE" baseline="0" dirty="0"/>
+              <a:t> later:</a:t>
+            </a:r>
+            <a:endParaRPr lang="nl-BE" dirty="0"/>
+          </a:p>
+          <a:p>
+            <a:r>
+              <a:rPr lang="en-US" dirty="0">
+                <a:sym typeface="Wingdings" panose="05000000000000000000" pitchFamily="2" charset="2"/>
+              </a:rPr>
+              <a:t>Test inline:</a:t>
+            </a:r>
+          </a:p>
+          <a:p>
+            <a:pPr lvl="1"/>
+            <a:r>
+              <a:rPr lang="en-US" dirty="0" err="1">
+                <a:sym typeface="Wingdings" panose="05000000000000000000" pitchFamily="2" charset="2"/>
+              </a:rPr>
+              <a:t>Synthesis+analysis</a:t>
+            </a:r>
+            <a:r>
+              <a:rPr lang="en-US" dirty="0">
+                <a:sym typeface="Wingdings" panose="05000000000000000000" pitchFamily="2" charset="2"/>
+              </a:rPr>
+              <a:t> fully </a:t>
+            </a:r>
+            <a:r>
+              <a:rPr lang="en-US" dirty="0" err="1">
+                <a:sym typeface="Wingdings" panose="05000000000000000000" pitchFamily="2" charset="2"/>
+              </a:rPr>
+              <a:t>inlined</a:t>
+            </a:r>
+            <a:r>
+              <a:rPr lang="en-US" dirty="0">
+                <a:sym typeface="Wingdings" panose="05000000000000000000" pitchFamily="2" charset="2"/>
+              </a:rPr>
+              <a:t>:</a:t>
+            </a:r>
+          </a:p>
+          <a:p>
+            <a:pPr lvl="2"/>
+            <a:r>
+              <a:rPr lang="en-US" dirty="0">
+                <a:sym typeface="Wingdings" panose="05000000000000000000" pitchFamily="2" charset="2"/>
+              </a:rPr>
+              <a:t>300k better (~5%)</a:t>
+            </a:r>
+          </a:p>
+          <a:p>
+            <a:pPr lvl="2"/>
+            <a:r>
+              <a:rPr lang="en-US" dirty="0">
+                <a:sym typeface="Wingdings" panose="05000000000000000000" pitchFamily="2" charset="2"/>
+              </a:rPr>
+              <a:t>At this point not worth it</a:t>
+            </a:r>
+          </a:p>
+          <a:p>
+            <a:pPr lvl="3"/>
+            <a:r>
+              <a:rPr lang="en-US" sz="2000" dirty="0">
+                <a:sym typeface="Wingdings" panose="05000000000000000000" pitchFamily="2" charset="2"/>
+              </a:rPr>
+              <a:t>Reverted for space and readability/manageability</a:t>
+            </a:r>
+          </a:p>
+          <a:p>
             <a:endParaRPr lang="en-US" dirty="0"/>
           </a:p>
         </p:txBody>
@@ -1239,7 +1599,7 @@
     </p:spTree>
     <p:extLst>
       <p:ext uri="{BB962C8B-B14F-4D97-AF65-F5344CB8AC3E}">
-        <p14:creationId xmlns:p14="http://schemas.microsoft.com/office/powerpoint/2010/main" val="3319125162"/>
+        <p14:creationId xmlns:p14="http://schemas.microsoft.com/office/powerpoint/2010/main" val="2518672654"/>
       </p:ext>
     </p:extLst>
   </p:cSld>
@@ -1294,7 +1654,7 @@
           <a:lstStyle/>
           <a:p>
             <a:r>
-              <a:rPr lang="nl-BE" dirty="0" smtClean="0"/>
+              <a:rPr lang="nl-BE" dirty="0"/>
               <a:t>NU WEL PER FUNCTIE</a:t>
             </a:r>
             <a:endParaRPr lang="en-US" dirty="0"/>
@@ -1327,7 +1687,7 @@
     </p:spTree>
     <p:extLst>
       <p:ext uri="{BB962C8B-B14F-4D97-AF65-F5344CB8AC3E}">
-        <p14:creationId xmlns:p14="http://schemas.microsoft.com/office/powerpoint/2010/main" val="1399273480"/>
+        <p14:creationId xmlns:p14="http://schemas.microsoft.com/office/powerpoint/2010/main" val="3319125162"/>
       </p:ext>
     </p:extLst>
   </p:cSld>
@@ -1382,7 +1742,7 @@
           <a:lstStyle/>
           <a:p>
             <a:r>
-              <a:rPr lang="nl-BE" dirty="0" smtClean="0"/>
+              <a:rPr lang="nl-BE" dirty="0"/>
               <a:t>NU WEL PER FUNCTIE</a:t>
             </a:r>
             <a:endParaRPr lang="en-US" dirty="0"/>
@@ -1415,7 +1775,7 @@
     </p:spTree>
     <p:extLst>
       <p:ext uri="{BB962C8B-B14F-4D97-AF65-F5344CB8AC3E}">
-        <p14:creationId xmlns:p14="http://schemas.microsoft.com/office/powerpoint/2010/main" val="2958474266"/>
+        <p14:creationId xmlns:p14="http://schemas.microsoft.com/office/powerpoint/2010/main" val="1399273480"/>
       </p:ext>
     </p:extLst>
   </p:cSld>
@@ -1519,7 +1879,7 @@
           </a:lstStyle>
           <a:p>
             <a:r>
-              <a:rPr lang="nl-NL" dirty="0" smtClean="0"/>
+              <a:rPr lang="nl-NL" dirty="0"/>
               <a:t>Klik en typ de titel van de presentatie</a:t>
             </a:r>
             <a:endParaRPr lang="nl-BE" dirty="0"/>
@@ -1639,7 +1999,7 @@
           </a:lstStyle>
           <a:p>
             <a:r>
-              <a:rPr lang="nl-NL" dirty="0" smtClean="0"/>
+              <a:rPr lang="nl-NL" dirty="0"/>
               <a:t>Klik en typ de subtitel van de presentatie</a:t>
             </a:r>
             <a:endParaRPr lang="nl-BE" dirty="0"/>
@@ -1740,13 +2100,6 @@
   <p:clrMapOvr>
     <a:masterClrMapping/>
   </p:clrMapOvr>
-  <p:timing>
-    <p:tnLst>
-      <p:par>
-        <p:cTn id="1" dur="indefinite" restart="never" nodeType="tmRoot"/>
-      </p:par>
-    </p:tnLst>
-  </p:timing>
 </p:sldLayout>
 </file>
 
@@ -1792,10 +2145,9 @@
           </a:lstStyle>
           <a:p>
             <a:r>
-              <a:rPr lang="en-US" smtClean="0"/>
+              <a:rPr lang="en-US"/>
               <a:t>Click to edit Master title style</a:t>
             </a:r>
-            <a:endParaRPr lang="en-US"/>
           </a:p>
         </p:txBody>
       </p:sp>
@@ -1857,10 +2209,9 @@
           </a:lstStyle>
           <a:p>
             <a:r>
-              <a:rPr lang="en-US" smtClean="0"/>
+              <a:rPr lang="en-US"/>
               <a:t>Click to edit Master subtitle style</a:t>
             </a:r>
-            <a:endParaRPr lang="en-US"/>
           </a:p>
         </p:txBody>
       </p:sp>
@@ -1975,10 +2326,9 @@
           <a:lstStyle/>
           <a:p>
             <a:r>
-              <a:rPr lang="en-US" smtClean="0"/>
+              <a:rPr lang="en-US"/>
               <a:t>Click to edit Master title style</a:t>
             </a:r>
-            <a:endParaRPr lang="en-US"/>
           </a:p>
         </p:txBody>
       </p:sp>
@@ -1999,38 +2349,37 @@
           <a:p>
             <a:pPr lvl="0"/>
             <a:r>
-              <a:rPr lang="en-US" smtClean="0"/>
+              <a:rPr lang="en-US"/>
               <a:t>Edit Master text styles</a:t>
             </a:r>
           </a:p>
           <a:p>
             <a:pPr lvl="1"/>
             <a:r>
-              <a:rPr lang="en-US" smtClean="0"/>
+              <a:rPr lang="en-US"/>
               <a:t>Second level</a:t>
             </a:r>
           </a:p>
           <a:p>
             <a:pPr lvl="2"/>
             <a:r>
-              <a:rPr lang="en-US" smtClean="0"/>
+              <a:rPr lang="en-US"/>
               <a:t>Third level</a:t>
             </a:r>
           </a:p>
           <a:p>
             <a:pPr lvl="3"/>
             <a:r>
-              <a:rPr lang="en-US" smtClean="0"/>
+              <a:rPr lang="en-US"/>
               <a:t>Fourth level</a:t>
             </a:r>
           </a:p>
           <a:p>
             <a:pPr lvl="4"/>
             <a:r>
-              <a:rPr lang="en-US" smtClean="0"/>
+              <a:rPr lang="en-US"/>
               <a:t>Fifth level</a:t>
             </a:r>
-            <a:endParaRPr lang="en-US"/>
           </a:p>
         </p:txBody>
       </p:sp>
@@ -2206,7 +2555,7 @@
           </a:lstStyle>
           <a:p>
             <a:r>
-              <a:rPr lang="nl-NL" dirty="0" smtClean="0"/>
+              <a:rPr lang="nl-NL" dirty="0"/>
               <a:t>Klik en typ de titel van de presentatie</a:t>
             </a:r>
             <a:endParaRPr lang="nl-BE" dirty="0"/>
@@ -2326,7 +2675,7 @@
           </a:lstStyle>
           <a:p>
             <a:r>
-              <a:rPr lang="nl-NL" dirty="0" smtClean="0"/>
+              <a:rPr lang="nl-NL" dirty="0"/>
               <a:t>Klik en typ de subtitel van de presentatie</a:t>
             </a:r>
             <a:endParaRPr lang="nl-BE" dirty="0"/>
@@ -2427,13 +2776,6 @@
   <p:clrMapOvr>
     <a:masterClrMapping/>
   </p:clrMapOvr>
-  <p:timing>
-    <p:tnLst>
-      <p:par>
-        <p:cTn id="1" dur="indefinite" restart="never" nodeType="tmRoot"/>
-      </p:par>
-    </p:tnLst>
-  </p:timing>
 </p:sldLayout>
 </file>
 
@@ -2474,7 +2816,7 @@
           </a:lstStyle>
           <a:p>
             <a:r>
-              <a:rPr lang="nl-NL" dirty="0" smtClean="0"/>
+              <a:rPr lang="nl-NL" dirty="0"/>
               <a:t>Klik en typ de titel</a:t>
             </a:r>
             <a:endParaRPr lang="nl-BE" dirty="0"/>
@@ -2591,35 +2933,35 @@
           <a:p>
             <a:pPr lvl="0"/>
             <a:r>
-              <a:rPr lang="nl-NL" dirty="0" smtClean="0"/>
+              <a:rPr lang="nl-NL" dirty="0"/>
               <a:t>Klik en typ de tekst</a:t>
             </a:r>
           </a:p>
           <a:p>
             <a:pPr lvl="1"/>
             <a:r>
-              <a:rPr lang="nl-NL" dirty="0" smtClean="0"/>
+              <a:rPr lang="nl-NL" dirty="0"/>
               <a:t>Tweede niveau</a:t>
             </a:r>
           </a:p>
           <a:p>
             <a:pPr lvl="2"/>
             <a:r>
-              <a:rPr lang="nl-NL" dirty="0" smtClean="0"/>
+              <a:rPr lang="nl-NL" dirty="0"/>
               <a:t>Derde niveau</a:t>
             </a:r>
           </a:p>
           <a:p>
             <a:pPr lvl="3"/>
             <a:r>
-              <a:rPr lang="nl-NL" dirty="0" smtClean="0"/>
+              <a:rPr lang="nl-NL" dirty="0"/>
               <a:t>Vierde niveau</a:t>
             </a:r>
           </a:p>
           <a:p>
             <a:pPr lvl="4"/>
             <a:r>
-              <a:rPr lang="nl-NL" dirty="0" smtClean="0"/>
+              <a:rPr lang="nl-NL" dirty="0"/>
               <a:t>Vijfde niveau</a:t>
             </a:r>
             <a:endParaRPr lang="nl-BE" dirty="0"/>
@@ -2636,13 +2978,6 @@
   <p:clrMapOvr>
     <a:masterClrMapping/>
   </p:clrMapOvr>
-  <p:timing>
-    <p:tnLst>
-      <p:par>
-        <p:cTn id="1" dur="indefinite" restart="never" nodeType="tmRoot"/>
-      </p:par>
-    </p:tnLst>
-  </p:timing>
 </p:sldLayout>
 </file>
 
@@ -2745,7 +3080,7 @@
           </a:lstStyle>
           <a:p>
             <a:r>
-              <a:rPr lang="nl-NL" dirty="0" smtClean="0"/>
+              <a:rPr lang="nl-NL" dirty="0"/>
               <a:t>Klik en typ de titel van de sectie</a:t>
             </a:r>
             <a:endParaRPr lang="nl-BE" dirty="0"/>
@@ -2865,7 +3200,7 @@
           </a:lstStyle>
           <a:p>
             <a:r>
-              <a:rPr lang="nl-NL" dirty="0" smtClean="0"/>
+              <a:rPr lang="nl-NL" dirty="0"/>
               <a:t>Klik en typ de subtitel van de sectie</a:t>
             </a:r>
             <a:endParaRPr lang="nl-BE" dirty="0"/>
@@ -2942,13 +3277,6 @@
   <p:clrMapOvr>
     <a:overrideClrMapping bg1="lt1" tx1="dk1" bg2="lt2" tx2="dk2" accent1="accent1" accent2="accent2" accent3="accent3" accent4="accent4" accent5="accent5" accent6="accent6" hlink="hlink" folHlink="folHlink"/>
   </p:clrMapOvr>
-  <p:timing>
-    <p:tnLst>
-      <p:par>
-        <p:cTn id="1" dur="indefinite" restart="never" nodeType="tmRoot"/>
-      </p:par>
-    </p:tnLst>
-  </p:timing>
 </p:sldLayout>
 </file>
 
@@ -2989,7 +3317,7 @@
           </a:lstStyle>
           <a:p>
             <a:r>
-              <a:rPr lang="nl-NL" dirty="0" smtClean="0"/>
+              <a:rPr lang="nl-NL" dirty="0"/>
               <a:t>Klik en typ de titel</a:t>
             </a:r>
             <a:endParaRPr lang="nl-BE" dirty="0"/>
@@ -3048,35 +3376,35 @@
           <a:p>
             <a:pPr lvl="0"/>
             <a:r>
-              <a:rPr lang="nl-NL" dirty="0" smtClean="0"/>
+              <a:rPr lang="nl-NL" dirty="0"/>
               <a:t>Klik en typ de tekst</a:t>
             </a:r>
           </a:p>
           <a:p>
             <a:pPr lvl="1"/>
             <a:r>
-              <a:rPr lang="nl-NL" dirty="0" smtClean="0"/>
+              <a:rPr lang="nl-NL" dirty="0"/>
               <a:t>Tweede niveau</a:t>
             </a:r>
           </a:p>
           <a:p>
             <a:pPr lvl="2"/>
             <a:r>
-              <a:rPr lang="nl-NL" dirty="0" smtClean="0"/>
+              <a:rPr lang="nl-NL" dirty="0"/>
               <a:t>Derde niveau</a:t>
             </a:r>
           </a:p>
           <a:p>
             <a:pPr lvl="3"/>
             <a:r>
-              <a:rPr lang="nl-NL" dirty="0" smtClean="0"/>
+              <a:rPr lang="nl-NL" dirty="0"/>
               <a:t>Vierde niveau</a:t>
             </a:r>
           </a:p>
           <a:p>
             <a:pPr lvl="4"/>
             <a:r>
-              <a:rPr lang="nl-NL" dirty="0" smtClean="0"/>
+              <a:rPr lang="nl-NL" dirty="0"/>
               <a:t>Vijfde niveau</a:t>
             </a:r>
             <a:endParaRPr lang="nl-BE" dirty="0"/>
@@ -3135,35 +3463,35 @@
           <a:p>
             <a:pPr lvl="0"/>
             <a:r>
-              <a:rPr lang="nl-NL" dirty="0" smtClean="0"/>
+              <a:rPr lang="nl-NL" dirty="0"/>
               <a:t>Klik en typ de tekst</a:t>
             </a:r>
           </a:p>
           <a:p>
             <a:pPr lvl="1"/>
             <a:r>
-              <a:rPr lang="nl-NL" dirty="0" smtClean="0"/>
+              <a:rPr lang="nl-NL" dirty="0"/>
               <a:t>Tweede niveau</a:t>
             </a:r>
           </a:p>
           <a:p>
             <a:pPr lvl="2"/>
             <a:r>
-              <a:rPr lang="nl-NL" dirty="0" smtClean="0"/>
+              <a:rPr lang="nl-NL" dirty="0"/>
               <a:t>Derde niveau</a:t>
             </a:r>
           </a:p>
           <a:p>
             <a:pPr lvl="3"/>
             <a:r>
-              <a:rPr lang="nl-NL" dirty="0" smtClean="0"/>
+              <a:rPr lang="nl-NL" dirty="0"/>
               <a:t>Vierde niveau</a:t>
             </a:r>
           </a:p>
           <a:p>
             <a:pPr lvl="4"/>
             <a:r>
-              <a:rPr lang="nl-NL" dirty="0" smtClean="0"/>
+              <a:rPr lang="nl-NL" dirty="0"/>
               <a:t>Vijfde niveau</a:t>
             </a:r>
             <a:endParaRPr lang="nl-BE" dirty="0"/>
@@ -3247,13 +3575,6 @@
   <p:clrMapOvr>
     <a:masterClrMapping/>
   </p:clrMapOvr>
-  <p:timing>
-    <p:tnLst>
-      <p:par>
-        <p:cTn id="1" dur="indefinite" restart="never" nodeType="tmRoot"/>
-      </p:par>
-    </p:tnLst>
-  </p:timing>
 </p:sldLayout>
 </file>
 
@@ -3294,7 +3615,7 @@
           </a:lstStyle>
           <a:p>
             <a:r>
-              <a:rPr lang="nl-NL" dirty="0" smtClean="0"/>
+              <a:rPr lang="nl-NL" dirty="0"/>
               <a:t>Klik en typ de titel</a:t>
             </a:r>
             <a:endParaRPr lang="nl-BE" dirty="0"/>
@@ -3364,7 +3685,7 @@
           <a:p>
             <a:pPr lvl="0"/>
             <a:r>
-              <a:rPr lang="nl-NL" dirty="0" smtClean="0"/>
+              <a:rPr lang="nl-NL" dirty="0"/>
               <a:t>Klik en typ de tekst</a:t>
             </a:r>
           </a:p>
@@ -3422,35 +3743,35 @@
           <a:p>
             <a:pPr lvl="0"/>
             <a:r>
-              <a:rPr lang="nl-NL" dirty="0" smtClean="0"/>
+              <a:rPr lang="nl-NL" dirty="0"/>
               <a:t>Klik en typ de tekst</a:t>
             </a:r>
           </a:p>
           <a:p>
             <a:pPr lvl="1"/>
             <a:r>
-              <a:rPr lang="nl-NL" dirty="0" smtClean="0"/>
+              <a:rPr lang="nl-NL" dirty="0"/>
               <a:t>Tweede niveau</a:t>
             </a:r>
           </a:p>
           <a:p>
             <a:pPr lvl="2"/>
             <a:r>
-              <a:rPr lang="nl-NL" dirty="0" smtClean="0"/>
+              <a:rPr lang="nl-NL" dirty="0"/>
               <a:t>Derde niveau</a:t>
             </a:r>
           </a:p>
           <a:p>
             <a:pPr lvl="3"/>
             <a:r>
-              <a:rPr lang="nl-NL" dirty="0" smtClean="0"/>
+              <a:rPr lang="nl-NL" dirty="0"/>
               <a:t>Vierde niveau</a:t>
             </a:r>
           </a:p>
           <a:p>
             <a:pPr lvl="4"/>
             <a:r>
-              <a:rPr lang="nl-NL" dirty="0" smtClean="0"/>
+              <a:rPr lang="nl-NL" dirty="0"/>
               <a:t>Vijfde niveau</a:t>
             </a:r>
             <a:endParaRPr lang="nl-BE" dirty="0"/>
@@ -3516,7 +3837,7 @@
           <a:p>
             <a:pPr lvl="0"/>
             <a:r>
-              <a:rPr lang="nl-NL" dirty="0" smtClean="0"/>
+              <a:rPr lang="nl-NL" dirty="0"/>
               <a:t>Klik en typ de tekst</a:t>
             </a:r>
           </a:p>
@@ -3574,35 +3895,35 @@
           <a:p>
             <a:pPr lvl="0"/>
             <a:r>
-              <a:rPr lang="nl-NL" dirty="0" smtClean="0"/>
+              <a:rPr lang="nl-NL" dirty="0"/>
               <a:t>Klik en typ de tekst</a:t>
             </a:r>
           </a:p>
           <a:p>
             <a:pPr lvl="1"/>
             <a:r>
-              <a:rPr lang="nl-NL" dirty="0" smtClean="0"/>
+              <a:rPr lang="nl-NL" dirty="0"/>
               <a:t>Tweede niveau</a:t>
             </a:r>
           </a:p>
           <a:p>
             <a:pPr lvl="2"/>
             <a:r>
-              <a:rPr lang="nl-NL" dirty="0" smtClean="0"/>
+              <a:rPr lang="nl-NL" dirty="0"/>
               <a:t>Derde niveau</a:t>
             </a:r>
           </a:p>
           <a:p>
             <a:pPr lvl="3"/>
             <a:r>
-              <a:rPr lang="nl-NL" dirty="0" smtClean="0"/>
+              <a:rPr lang="nl-NL" dirty="0"/>
               <a:t>Vierde niveau</a:t>
             </a:r>
           </a:p>
           <a:p>
             <a:pPr lvl="4"/>
             <a:r>
-              <a:rPr lang="nl-NL" dirty="0" smtClean="0"/>
+              <a:rPr lang="nl-NL" dirty="0"/>
               <a:t>Vijfde niveau</a:t>
             </a:r>
             <a:endParaRPr lang="nl-BE" dirty="0"/>
@@ -3686,13 +4007,6 @@
   <p:clrMapOvr>
     <a:masterClrMapping/>
   </p:clrMapOvr>
-  <p:timing>
-    <p:tnLst>
-      <p:par>
-        <p:cTn id="1" dur="indefinite" restart="never" nodeType="tmRoot"/>
-      </p:par>
-    </p:tnLst>
-  </p:timing>
 </p:sldLayout>
 </file>
 
@@ -3733,7 +4047,7 @@
           </a:lstStyle>
           <a:p>
             <a:r>
-              <a:rPr lang="nl-NL" dirty="0" smtClean="0"/>
+              <a:rPr lang="nl-NL" dirty="0"/>
               <a:t>Klik en typ de titel</a:t>
             </a:r>
             <a:endParaRPr lang="nl-BE" dirty="0"/>
@@ -3817,13 +4131,6 @@
   <p:clrMapOvr>
     <a:masterClrMapping/>
   </p:clrMapOvr>
-  <p:timing>
-    <p:tnLst>
-      <p:par>
-        <p:cTn id="1" dur="indefinite" restart="never" nodeType="tmRoot"/>
-      </p:par>
-    </p:tnLst>
-  </p:timing>
 </p:sldLayout>
 </file>
 
@@ -3921,13 +4228,6 @@
   <p:clrMapOvr>
     <a:masterClrMapping/>
   </p:clrMapOvr>
-  <p:timing>
-    <p:tnLst>
-      <p:par>
-        <p:cTn id="1" dur="indefinite" restart="never" nodeType="tmRoot"/>
-      </p:par>
-    </p:tnLst>
-  </p:timing>
 </p:sldLayout>
 </file>
 
@@ -3973,7 +4273,7 @@
           </a:lstStyle>
           <a:p>
             <a:r>
-              <a:rPr lang="nl-NL" dirty="0" smtClean="0"/>
+              <a:rPr lang="nl-NL" dirty="0"/>
               <a:t>Klik en typ de titel</a:t>
             </a:r>
             <a:endParaRPr lang="nl-BE" dirty="0"/>
@@ -4037,35 +4337,35 @@
           <a:p>
             <a:pPr lvl="0"/>
             <a:r>
-              <a:rPr lang="nl-NL" dirty="0" smtClean="0"/>
+              <a:rPr lang="nl-NL" dirty="0"/>
               <a:t>Klik en typ de tekst</a:t>
             </a:r>
           </a:p>
           <a:p>
             <a:pPr lvl="1"/>
             <a:r>
-              <a:rPr lang="nl-NL" dirty="0" smtClean="0"/>
+              <a:rPr lang="nl-NL" dirty="0"/>
               <a:t>Tweede niveau</a:t>
             </a:r>
           </a:p>
           <a:p>
             <a:pPr lvl="2"/>
             <a:r>
-              <a:rPr lang="nl-NL" dirty="0" smtClean="0"/>
+              <a:rPr lang="nl-NL" dirty="0"/>
               <a:t>Derde niveau</a:t>
             </a:r>
           </a:p>
           <a:p>
             <a:pPr lvl="3"/>
             <a:r>
-              <a:rPr lang="nl-NL" dirty="0" smtClean="0"/>
+              <a:rPr lang="nl-NL" dirty="0"/>
               <a:t>Vierde niveau</a:t>
             </a:r>
           </a:p>
           <a:p>
             <a:pPr lvl="4"/>
             <a:r>
-              <a:rPr lang="nl-NL" dirty="0" smtClean="0"/>
+              <a:rPr lang="nl-NL" dirty="0"/>
               <a:t>Vijfde niveau</a:t>
             </a:r>
             <a:endParaRPr lang="nl-BE" dirty="0"/>
@@ -4131,7 +4431,7 @@
           <a:p>
             <a:pPr lvl="0"/>
             <a:r>
-              <a:rPr lang="nl-NL" dirty="0" smtClean="0"/>
+              <a:rPr lang="nl-NL" dirty="0"/>
               <a:t>Klik en typ de tekst</a:t>
             </a:r>
           </a:p>
@@ -4214,13 +4514,6 @@
   <p:clrMapOvr>
     <a:masterClrMapping/>
   </p:clrMapOvr>
-  <p:timing>
-    <p:tnLst>
-      <p:par>
-        <p:cTn id="1" dur="indefinite" restart="never" nodeType="tmRoot"/>
-      </p:par>
-    </p:tnLst>
-  </p:timing>
 </p:sldLayout>
 </file>
 
@@ -4261,7 +4554,7 @@
           </a:lstStyle>
           <a:p>
             <a:r>
-              <a:rPr lang="nl-NL" dirty="0" smtClean="0"/>
+              <a:rPr lang="nl-NL" dirty="0"/>
               <a:t>Klik en typ de titel</a:t>
             </a:r>
             <a:endParaRPr lang="nl-BE" dirty="0"/>
@@ -4376,35 +4669,35 @@
           <a:p>
             <a:pPr lvl="0"/>
             <a:r>
-              <a:rPr lang="nl-NL" dirty="0" smtClean="0"/>
+              <a:rPr lang="nl-NL" dirty="0"/>
               <a:t>Klik en typ de tekst</a:t>
             </a:r>
           </a:p>
           <a:p>
             <a:pPr lvl="1"/>
             <a:r>
-              <a:rPr lang="nl-NL" dirty="0" smtClean="0"/>
+              <a:rPr lang="nl-NL" dirty="0"/>
               <a:t>Tweede niveau</a:t>
             </a:r>
           </a:p>
           <a:p>
             <a:pPr lvl="2"/>
             <a:r>
-              <a:rPr lang="nl-NL" dirty="0" smtClean="0"/>
+              <a:rPr lang="nl-NL" dirty="0"/>
               <a:t>Derde niveau</a:t>
             </a:r>
           </a:p>
           <a:p>
             <a:pPr lvl="3"/>
             <a:r>
-              <a:rPr lang="nl-NL" dirty="0" smtClean="0"/>
+              <a:rPr lang="nl-NL" dirty="0"/>
               <a:t>Vierde niveau</a:t>
             </a:r>
           </a:p>
           <a:p>
             <a:pPr lvl="4"/>
             <a:r>
-              <a:rPr lang="nl-NL" dirty="0" smtClean="0"/>
+              <a:rPr lang="nl-NL" dirty="0"/>
               <a:t>Vijfde niveau</a:t>
             </a:r>
             <a:endParaRPr lang="nl-BE" dirty="0"/>
@@ -4421,13 +4714,6 @@
   <p:clrMapOvr>
     <a:masterClrMapping/>
   </p:clrMapOvr>
-  <p:timing>
-    <p:tnLst>
-      <p:par>
-        <p:cTn id="1" dur="indefinite" restart="never" nodeType="tmRoot"/>
-      </p:par>
-    </p:tnLst>
-  </p:timing>
 </p:sldLayout>
 </file>
 
@@ -4475,7 +4761,7 @@
           </a:lstStyle>
           <a:p>
             <a:r>
-              <a:rPr lang="nl-NL" dirty="0" smtClean="0"/>
+              <a:rPr lang="nl-NL" dirty="0"/>
               <a:t>Klik en typ de tekst</a:t>
             </a:r>
             <a:endParaRPr lang="nl-BE" dirty="0"/>
@@ -4540,7 +4826,7 @@
           </a:lstStyle>
           <a:p>
             <a:r>
-              <a:rPr lang="en-US" smtClean="0"/>
+              <a:rPr lang="en-US"/>
               <a:t>Click icon to add picture</a:t>
             </a:r>
             <a:endParaRPr lang="nl-BE" dirty="0"/>
@@ -4606,7 +4892,7 @@
           <a:p>
             <a:pPr lvl="0"/>
             <a:r>
-              <a:rPr lang="nl-NL" dirty="0" smtClean="0"/>
+              <a:rPr lang="nl-NL" dirty="0"/>
               <a:t>Klik en typ de tekst</a:t>
             </a:r>
           </a:p>
@@ -4699,13 +4985,6 @@
   <p:clrMapOvr>
     <a:masterClrMapping/>
   </p:clrMapOvr>
-  <p:timing>
-    <p:tnLst>
-      <p:par>
-        <p:cTn id="1" dur="indefinite" restart="never" nodeType="tmRoot"/>
-      </p:par>
-    </p:tnLst>
-  </p:timing>
 </p:sldLayout>
 </file>
 
@@ -4803,7 +5082,7 @@
           </a:lstStyle>
           <a:p>
             <a:r>
-              <a:rPr lang="nl-NL" dirty="0" smtClean="0"/>
+              <a:rPr lang="nl-NL" dirty="0"/>
               <a:t>Klik en typ de titel van de sectie</a:t>
             </a:r>
             <a:endParaRPr lang="nl-BE" dirty="0"/>
@@ -4923,7 +5202,7 @@
           </a:lstStyle>
           <a:p>
             <a:r>
-              <a:rPr lang="nl-NL" dirty="0" smtClean="0"/>
+              <a:rPr lang="nl-NL" dirty="0"/>
               <a:t>Klik en typ de subtitel van de sectie</a:t>
             </a:r>
             <a:endParaRPr lang="nl-BE" dirty="0"/>
@@ -5000,13 +5279,6 @@
   <p:clrMapOvr>
     <a:masterClrMapping/>
   </p:clrMapOvr>
-  <p:timing>
-    <p:tnLst>
-      <p:par>
-        <p:cTn id="1" dur="indefinite" restart="never" nodeType="tmRoot"/>
-      </p:par>
-    </p:tnLst>
-  </p:timing>
 </p:sldLayout>
 </file>
 
@@ -5047,7 +5319,7 @@
           </a:lstStyle>
           <a:p>
             <a:r>
-              <a:rPr lang="nl-NL" dirty="0" smtClean="0"/>
+              <a:rPr lang="nl-NL" dirty="0"/>
               <a:t>Klik en typ de titel</a:t>
             </a:r>
             <a:endParaRPr lang="nl-BE" dirty="0"/>
@@ -5106,35 +5378,35 @@
           <a:p>
             <a:pPr lvl="0"/>
             <a:r>
-              <a:rPr lang="nl-NL" dirty="0" smtClean="0"/>
+              <a:rPr lang="nl-NL" dirty="0"/>
               <a:t>Klik en typ de tekst</a:t>
             </a:r>
           </a:p>
           <a:p>
             <a:pPr lvl="1"/>
             <a:r>
-              <a:rPr lang="nl-NL" dirty="0" smtClean="0"/>
+              <a:rPr lang="nl-NL" dirty="0"/>
               <a:t>Tweede niveau</a:t>
             </a:r>
           </a:p>
           <a:p>
             <a:pPr lvl="2"/>
             <a:r>
-              <a:rPr lang="nl-NL" dirty="0" smtClean="0"/>
+              <a:rPr lang="nl-NL" dirty="0"/>
               <a:t>Derde niveau</a:t>
             </a:r>
           </a:p>
           <a:p>
             <a:pPr lvl="3"/>
             <a:r>
-              <a:rPr lang="nl-NL" dirty="0" smtClean="0"/>
+              <a:rPr lang="nl-NL" dirty="0"/>
               <a:t>Vierde niveau</a:t>
             </a:r>
           </a:p>
           <a:p>
             <a:pPr lvl="4"/>
             <a:r>
-              <a:rPr lang="nl-NL" dirty="0" smtClean="0"/>
+              <a:rPr lang="nl-NL" dirty="0"/>
               <a:t>Vijfde niveau</a:t>
             </a:r>
             <a:endParaRPr lang="nl-BE" dirty="0"/>
@@ -5193,35 +5465,35 @@
           <a:p>
             <a:pPr lvl="0"/>
             <a:r>
-              <a:rPr lang="nl-NL" dirty="0" smtClean="0"/>
+              <a:rPr lang="nl-NL" dirty="0"/>
               <a:t>Klik en typ de tekst</a:t>
             </a:r>
           </a:p>
           <a:p>
             <a:pPr lvl="1"/>
             <a:r>
-              <a:rPr lang="nl-NL" dirty="0" smtClean="0"/>
+              <a:rPr lang="nl-NL" dirty="0"/>
               <a:t>Tweede niveau</a:t>
             </a:r>
           </a:p>
           <a:p>
             <a:pPr lvl="2"/>
             <a:r>
-              <a:rPr lang="nl-NL" dirty="0" smtClean="0"/>
+              <a:rPr lang="nl-NL" dirty="0"/>
               <a:t>Derde niveau</a:t>
             </a:r>
           </a:p>
           <a:p>
             <a:pPr lvl="3"/>
             <a:r>
-              <a:rPr lang="nl-NL" dirty="0" smtClean="0"/>
+              <a:rPr lang="nl-NL" dirty="0"/>
               <a:t>Vierde niveau</a:t>
             </a:r>
           </a:p>
           <a:p>
             <a:pPr lvl="4"/>
             <a:r>
-              <a:rPr lang="nl-NL" dirty="0" smtClean="0"/>
+              <a:rPr lang="nl-NL" dirty="0"/>
               <a:t>Vijfde niveau</a:t>
             </a:r>
             <a:endParaRPr lang="nl-BE" dirty="0"/>
@@ -5303,13 +5575,6 @@
   <p:clrMapOvr>
     <a:masterClrMapping/>
   </p:clrMapOvr>
-  <p:timing>
-    <p:tnLst>
-      <p:par>
-        <p:cTn id="1" dur="indefinite" restart="never" nodeType="tmRoot"/>
-      </p:par>
-    </p:tnLst>
-  </p:timing>
 </p:sldLayout>
 </file>
 
@@ -5350,7 +5615,7 @@
           </a:lstStyle>
           <a:p>
             <a:r>
-              <a:rPr lang="nl-NL" dirty="0" smtClean="0"/>
+              <a:rPr lang="nl-NL" dirty="0"/>
               <a:t>Klik en typ de titel</a:t>
             </a:r>
             <a:endParaRPr lang="nl-BE" dirty="0"/>
@@ -5420,7 +5685,7 @@
           <a:p>
             <a:pPr lvl="0"/>
             <a:r>
-              <a:rPr lang="nl-NL" dirty="0" smtClean="0"/>
+              <a:rPr lang="nl-NL" dirty="0"/>
               <a:t>Klik en typ de tekst</a:t>
             </a:r>
           </a:p>
@@ -5478,35 +5743,35 @@
           <a:p>
             <a:pPr lvl="0"/>
             <a:r>
-              <a:rPr lang="nl-NL" dirty="0" smtClean="0"/>
+              <a:rPr lang="nl-NL" dirty="0"/>
               <a:t>Klik en typ de tekst</a:t>
             </a:r>
           </a:p>
           <a:p>
             <a:pPr lvl="1"/>
             <a:r>
-              <a:rPr lang="nl-NL" dirty="0" smtClean="0"/>
+              <a:rPr lang="nl-NL" dirty="0"/>
               <a:t>Tweede niveau</a:t>
             </a:r>
           </a:p>
           <a:p>
             <a:pPr lvl="2"/>
             <a:r>
-              <a:rPr lang="nl-NL" dirty="0" smtClean="0"/>
+              <a:rPr lang="nl-NL" dirty="0"/>
               <a:t>Derde niveau</a:t>
             </a:r>
           </a:p>
           <a:p>
             <a:pPr lvl="3"/>
             <a:r>
-              <a:rPr lang="nl-NL" dirty="0" smtClean="0"/>
+              <a:rPr lang="nl-NL" dirty="0"/>
               <a:t>Vierde niveau</a:t>
             </a:r>
           </a:p>
           <a:p>
             <a:pPr lvl="4"/>
             <a:r>
-              <a:rPr lang="nl-NL" dirty="0" smtClean="0"/>
+              <a:rPr lang="nl-NL" dirty="0"/>
               <a:t>Vijfde niveau</a:t>
             </a:r>
             <a:endParaRPr lang="nl-BE" dirty="0"/>
@@ -5572,7 +5837,7 @@
           <a:p>
             <a:pPr lvl="0"/>
             <a:r>
-              <a:rPr lang="nl-NL" dirty="0" smtClean="0"/>
+              <a:rPr lang="nl-NL" dirty="0"/>
               <a:t>Klik en typ de tekst</a:t>
             </a:r>
           </a:p>
@@ -5630,35 +5895,35 @@
           <a:p>
             <a:pPr lvl="0"/>
             <a:r>
-              <a:rPr lang="nl-NL" dirty="0" smtClean="0"/>
+              <a:rPr lang="nl-NL" dirty="0"/>
               <a:t>Klik en typ de tekst</a:t>
             </a:r>
           </a:p>
           <a:p>
             <a:pPr lvl="1"/>
             <a:r>
-              <a:rPr lang="nl-NL" dirty="0" smtClean="0"/>
+              <a:rPr lang="nl-NL" dirty="0"/>
               <a:t>Tweede niveau</a:t>
             </a:r>
           </a:p>
           <a:p>
             <a:pPr lvl="2"/>
             <a:r>
-              <a:rPr lang="nl-NL" dirty="0" smtClean="0"/>
+              <a:rPr lang="nl-NL" dirty="0"/>
               <a:t>Derde niveau</a:t>
             </a:r>
           </a:p>
           <a:p>
             <a:pPr lvl="3"/>
             <a:r>
-              <a:rPr lang="nl-NL" dirty="0" smtClean="0"/>
+              <a:rPr lang="nl-NL" dirty="0"/>
               <a:t>Vierde niveau</a:t>
             </a:r>
           </a:p>
           <a:p>
             <a:pPr lvl="4"/>
             <a:r>
-              <a:rPr lang="nl-NL" dirty="0" smtClean="0"/>
+              <a:rPr lang="nl-NL" dirty="0"/>
               <a:t>Vijfde niveau</a:t>
             </a:r>
             <a:endParaRPr lang="nl-BE" dirty="0"/>
@@ -5740,13 +6005,6 @@
   <p:clrMapOvr>
     <a:masterClrMapping/>
   </p:clrMapOvr>
-  <p:timing>
-    <p:tnLst>
-      <p:par>
-        <p:cTn id="1" dur="indefinite" restart="never" nodeType="tmRoot"/>
-      </p:par>
-    </p:tnLst>
-  </p:timing>
 </p:sldLayout>
 </file>
 
@@ -5787,7 +6045,7 @@
           </a:lstStyle>
           <a:p>
             <a:r>
-              <a:rPr lang="nl-NL" dirty="0" smtClean="0"/>
+              <a:rPr lang="nl-NL" dirty="0"/>
               <a:t>Klik en typ de titel</a:t>
             </a:r>
             <a:endParaRPr lang="nl-BE" dirty="0"/>
@@ -5869,13 +6127,6 @@
   <p:clrMapOvr>
     <a:masterClrMapping/>
   </p:clrMapOvr>
-  <p:timing>
-    <p:tnLst>
-      <p:par>
-        <p:cTn id="1" dur="indefinite" restart="never" nodeType="tmRoot"/>
-      </p:par>
-    </p:tnLst>
-  </p:timing>
 </p:sldLayout>
 </file>
 
@@ -5971,13 +6222,6 @@
   <p:clrMapOvr>
     <a:masterClrMapping/>
   </p:clrMapOvr>
-  <p:timing>
-    <p:tnLst>
-      <p:par>
-        <p:cTn id="1" dur="indefinite" restart="never" nodeType="tmRoot"/>
-      </p:par>
-    </p:tnLst>
-  </p:timing>
 </p:sldLayout>
 </file>
 
@@ -6023,7 +6267,7 @@
           </a:lstStyle>
           <a:p>
             <a:r>
-              <a:rPr lang="nl-NL" dirty="0" smtClean="0"/>
+              <a:rPr lang="nl-NL" dirty="0"/>
               <a:t>Klik en typ de titel</a:t>
             </a:r>
             <a:endParaRPr lang="nl-BE" dirty="0"/>
@@ -6083,35 +6327,35 @@
           <a:p>
             <a:pPr lvl="0"/>
             <a:r>
-              <a:rPr lang="nl-NL" dirty="0" smtClean="0"/>
+              <a:rPr lang="nl-NL" dirty="0"/>
               <a:t>Klik en typ de tekst</a:t>
             </a:r>
           </a:p>
           <a:p>
             <a:pPr lvl="1"/>
             <a:r>
-              <a:rPr lang="nl-NL" dirty="0" smtClean="0"/>
+              <a:rPr lang="nl-NL" dirty="0"/>
               <a:t>Tweede niveau</a:t>
             </a:r>
           </a:p>
           <a:p>
             <a:pPr lvl="2"/>
             <a:r>
-              <a:rPr lang="nl-NL" dirty="0" smtClean="0"/>
+              <a:rPr lang="nl-NL" dirty="0"/>
               <a:t>Derde niveau</a:t>
             </a:r>
           </a:p>
           <a:p>
             <a:pPr lvl="3"/>
             <a:r>
-              <a:rPr lang="nl-NL" dirty="0" smtClean="0"/>
+              <a:rPr lang="nl-NL" dirty="0"/>
               <a:t>Vierde niveau</a:t>
             </a:r>
           </a:p>
           <a:p>
             <a:pPr lvl="4"/>
             <a:r>
-              <a:rPr lang="nl-NL" dirty="0" smtClean="0"/>
+              <a:rPr lang="nl-NL" dirty="0"/>
               <a:t>Vijfde niveau</a:t>
             </a:r>
             <a:endParaRPr lang="nl-BE" dirty="0"/>
@@ -6177,7 +6421,7 @@
           <a:p>
             <a:pPr lvl="0"/>
             <a:r>
-              <a:rPr lang="nl-NL" dirty="0" smtClean="0"/>
+              <a:rPr lang="nl-NL" dirty="0"/>
               <a:t>Klik en typ de tekst</a:t>
             </a:r>
           </a:p>
@@ -6258,13 +6502,6 @@
   <p:clrMapOvr>
     <a:masterClrMapping/>
   </p:clrMapOvr>
-  <p:timing>
-    <p:tnLst>
-      <p:par>
-        <p:cTn id="1" dur="indefinite" restart="never" nodeType="tmRoot"/>
-      </p:par>
-    </p:tnLst>
-  </p:timing>
 </p:sldLayout>
 </file>
 
@@ -6312,7 +6549,7 @@
           </a:lstStyle>
           <a:p>
             <a:r>
-              <a:rPr lang="nl-NL" dirty="0" smtClean="0"/>
+              <a:rPr lang="nl-NL" dirty="0"/>
               <a:t>Klik en typ de tekst</a:t>
             </a:r>
             <a:endParaRPr lang="nl-BE" dirty="0"/>
@@ -6377,7 +6614,7 @@
           </a:lstStyle>
           <a:p>
             <a:r>
-              <a:rPr lang="en-US" smtClean="0"/>
+              <a:rPr lang="en-US"/>
               <a:t>Click icon to add picture</a:t>
             </a:r>
             <a:endParaRPr lang="nl-BE" dirty="0"/>
@@ -6443,7 +6680,7 @@
           <a:p>
             <a:pPr lvl="0"/>
             <a:r>
-              <a:rPr lang="nl-NL" dirty="0" smtClean="0"/>
+              <a:rPr lang="nl-NL" dirty="0"/>
               <a:t>Klik en typ de tekst</a:t>
             </a:r>
           </a:p>
@@ -6534,13 +6771,6 @@
   <p:clrMapOvr>
     <a:masterClrMapping/>
   </p:clrMapOvr>
-  <p:timing>
-    <p:tnLst>
-      <p:par>
-        <p:cTn id="1" dur="indefinite" restart="never" nodeType="tmRoot"/>
-      </p:par>
-    </p:tnLst>
-  </p:timing>
 </p:sldLayout>
 </file>
 
@@ -6592,7 +6822,7 @@
           <a:lstStyle/>
           <a:p>
             <a:r>
-              <a:rPr lang="nl-NL" dirty="0" smtClean="0"/>
+              <a:rPr lang="nl-NL" dirty="0"/>
               <a:t>Klik en typ de titel</a:t>
             </a:r>
             <a:endParaRPr lang="nl-BE" dirty="0"/>
@@ -6626,35 +6856,35 @@
           <a:p>
             <a:pPr lvl="0"/>
             <a:r>
-              <a:rPr lang="nl-NL" dirty="0" smtClean="0"/>
+              <a:rPr lang="nl-NL" dirty="0"/>
               <a:t>Klik en typ de tekst</a:t>
             </a:r>
           </a:p>
           <a:p>
             <a:pPr lvl="1"/>
             <a:r>
-              <a:rPr lang="nl-NL" dirty="0" smtClean="0"/>
+              <a:rPr lang="nl-NL" dirty="0"/>
               <a:t>Tweede niveau</a:t>
             </a:r>
           </a:p>
           <a:p>
             <a:pPr lvl="2"/>
             <a:r>
-              <a:rPr lang="nl-NL" dirty="0" smtClean="0"/>
+              <a:rPr lang="nl-NL" dirty="0"/>
               <a:t>Derde niveau</a:t>
             </a:r>
           </a:p>
           <a:p>
             <a:pPr lvl="3"/>
             <a:r>
-              <a:rPr lang="nl-NL" dirty="0" smtClean="0"/>
+              <a:rPr lang="nl-NL" dirty="0"/>
               <a:t>Vierde niveau</a:t>
             </a:r>
           </a:p>
           <a:p>
             <a:pPr lvl="4"/>
             <a:r>
-              <a:rPr lang="nl-NL" dirty="0" smtClean="0"/>
+              <a:rPr lang="nl-NL" dirty="0"/>
               <a:t>Vijfde niveau</a:t>
             </a:r>
             <a:endParaRPr lang="nl-BE" dirty="0"/>
@@ -6877,13 +7107,6 @@
     <p:sldLayoutId id="2147483670" r:id="rId10"/>
     <p:sldLayoutId id="2147483671" r:id="rId11"/>
   </p:sldLayoutIdLst>
-  <p:timing>
-    <p:tnLst>
-      <p:par>
-        <p:cTn id="1" dur="indefinite" restart="never" nodeType="tmRoot"/>
-      </p:par>
-    </p:tnLst>
-  </p:timing>
   <p:txStyles>
     <p:titleStyle>
       <a:lvl1pPr algn="l" defTabSz="914400" rtl="0" eaLnBrk="1" latinLnBrk="0" hangingPunct="1">
@@ -7218,7 +7441,7 @@
           <a:lstStyle/>
           <a:p>
             <a:r>
-              <a:rPr lang="nl-NL" dirty="0" smtClean="0"/>
+              <a:rPr lang="nl-NL" dirty="0"/>
               <a:t>Klik en typ de titel</a:t>
             </a:r>
             <a:endParaRPr lang="nl-BE" dirty="0"/>
@@ -7252,35 +7475,35 @@
           <a:p>
             <a:pPr lvl="0"/>
             <a:r>
-              <a:rPr lang="nl-NL" dirty="0" smtClean="0"/>
+              <a:rPr lang="nl-NL" dirty="0"/>
               <a:t>Klik en typ de tekst</a:t>
             </a:r>
           </a:p>
           <a:p>
             <a:pPr lvl="1"/>
             <a:r>
-              <a:rPr lang="nl-NL" dirty="0" smtClean="0"/>
+              <a:rPr lang="nl-NL" dirty="0"/>
               <a:t>Tweede niveau</a:t>
             </a:r>
           </a:p>
           <a:p>
             <a:pPr lvl="2"/>
             <a:r>
-              <a:rPr lang="nl-NL" dirty="0" smtClean="0"/>
+              <a:rPr lang="nl-NL" dirty="0"/>
               <a:t>Derde niveau</a:t>
             </a:r>
           </a:p>
           <a:p>
             <a:pPr lvl="3"/>
             <a:r>
-              <a:rPr lang="nl-NL" dirty="0" smtClean="0"/>
+              <a:rPr lang="nl-NL" dirty="0"/>
               <a:t>Vierde niveau</a:t>
             </a:r>
           </a:p>
           <a:p>
             <a:pPr lvl="4"/>
             <a:r>
-              <a:rPr lang="nl-NL" dirty="0" smtClean="0"/>
+              <a:rPr lang="nl-NL" dirty="0"/>
               <a:t>Vijfde niveau</a:t>
             </a:r>
             <a:endParaRPr lang="nl-BE" dirty="0"/>
@@ -7503,13 +7726,6 @@
     <p:sldLayoutId id="2147483680" r:id="rId8"/>
     <p:sldLayoutId id="2147483681" r:id="rId9"/>
   </p:sldLayoutIdLst>
-  <p:timing>
-    <p:tnLst>
-      <p:par>
-        <p:cTn id="1" dur="indefinite" restart="never" nodeType="tmRoot"/>
-      </p:par>
-    </p:tnLst>
-  </p:timing>
   <p:txStyles>
     <p:titleStyle>
       <a:lvl1pPr algn="l" defTabSz="914400" rtl="0" eaLnBrk="1" latinLnBrk="0" hangingPunct="1">
@@ -7798,7 +8014,17 @@
           <a:bodyPr/>
           <a:lstStyle/>
           <a:p>
-            <a:endParaRPr lang="en-US" dirty="0"/>
+            <a:r>
+              <a:rPr lang="en-US" dirty="0"/>
+              <a:t>P&amp;D:</a:t>
+            </a:r>
+            <a:br>
+              <a:rPr lang="en-US" dirty="0"/>
+            </a:br>
+            <a:r>
+              <a:rPr lang="en-US" dirty="0"/>
+              <a:t>Speech5</a:t>
+            </a:r>
           </a:p>
         </p:txBody>
       </p:sp>
@@ -7851,6 +8077,30 @@
           <a:chExt cx="0" cy="0"/>
         </a:xfrm>
       </p:grpSpPr>
+      <p:pic>
+        <p:nvPicPr>
+          <p:cNvPr id="4" name="Picture 3"/>
+          <p:cNvPicPr>
+            <a:picLocks noChangeAspect="1"/>
+          </p:cNvPicPr>
+          <p:nvPr/>
+        </p:nvPicPr>
+        <p:blipFill>
+          <a:blip r:embed="rId3"/>
+          <a:stretch>
+            <a:fillRect/>
+          </a:stretch>
+        </p:blipFill>
+        <p:spPr>
+          <a:xfrm>
+            <a:off x="346357" y="3461924"/>
+            <a:ext cx="8721285" cy="3396076"/>
+          </a:xfrm>
+          <a:prstGeom prst="rect">
+            <a:avLst/>
+          </a:prstGeom>
+        </p:spPr>
+      </p:pic>
       <p:sp>
         <p:nvSpPr>
           <p:cNvPr id="2" name="Title 1"/>
@@ -7867,7 +8117,217 @@
           <a:lstStyle/>
           <a:p>
             <a:r>
-              <a:rPr lang="nl-BE" dirty="0" smtClean="0"/>
+              <a:rPr lang="nl-BE" dirty="0"/>
+              <a:t>C</a:t>
+            </a:r>
+            <a:endParaRPr lang="en-US" dirty="0"/>
+          </a:p>
+        </p:txBody>
+      </p:sp>
+      <p:sp>
+        <p:nvSpPr>
+          <p:cNvPr id="3" name="Content Placeholder 2"/>
+          <p:cNvSpPr>
+            <a:spLocks noGrp="1"/>
+          </p:cNvSpPr>
+          <p:nvPr>
+            <p:ph idx="1"/>
+          </p:nvPr>
+        </p:nvSpPr>
+        <p:spPr/>
+        <p:txBody>
+          <a:bodyPr/>
+          <a:lstStyle/>
+          <a:p>
+            <a:r>
+              <a:rPr lang="nl-BE" dirty="0"/>
+              <a:t>Performance </a:t>
+            </a:r>
+            <a:r>
+              <a:rPr lang="nl-BE" dirty="0" err="1"/>
+              <a:t>measures</a:t>
+            </a:r>
+            <a:endParaRPr lang="nl-BE" dirty="0"/>
+          </a:p>
+          <a:p>
+            <a:pPr lvl="1"/>
+            <a:r>
+              <a:rPr lang="nl-BE" dirty="0"/>
+              <a:t>In-</a:t>
+            </a:r>
+            <a:r>
+              <a:rPr lang="nl-BE" dirty="0" err="1"/>
+              <a:t>place</a:t>
+            </a:r>
+            <a:r>
+              <a:rPr lang="nl-BE" dirty="0"/>
+              <a:t> </a:t>
+            </a:r>
+            <a:r>
+              <a:rPr lang="nl-BE" dirty="0" err="1"/>
+              <a:t>functions</a:t>
+            </a:r>
+            <a:endParaRPr lang="nl-BE" dirty="0"/>
+          </a:p>
+          <a:p>
+            <a:pPr lvl="1"/>
+            <a:r>
+              <a:rPr lang="nl-BE" dirty="0" err="1"/>
+              <a:t>Profiling</a:t>
+            </a:r>
+            <a:r>
+              <a:rPr lang="nl-BE" dirty="0"/>
+              <a:t> </a:t>
+            </a:r>
+            <a:r>
+              <a:rPr lang="nl-BE" dirty="0" err="1"/>
+              <a:t>and</a:t>
+            </a:r>
+            <a:r>
+              <a:rPr lang="nl-BE" dirty="0"/>
+              <a:t> </a:t>
+            </a:r>
+            <a:r>
+              <a:rPr lang="nl-BE" dirty="0" err="1"/>
+              <a:t>optimization</a:t>
+            </a:r>
+            <a:r>
+              <a:rPr lang="nl-BE" dirty="0"/>
+              <a:t> </a:t>
+            </a:r>
+            <a:r>
+              <a:rPr lang="nl-BE" dirty="0" err="1"/>
+              <a:t>before</a:t>
+            </a:r>
+            <a:r>
+              <a:rPr lang="nl-BE" dirty="0"/>
+              <a:t> DSP </a:t>
+            </a:r>
+            <a:r>
+              <a:rPr lang="nl-BE" dirty="0" err="1"/>
+              <a:t>sessions</a:t>
+            </a:r>
+            <a:r>
+              <a:rPr lang="nl-BE" dirty="0"/>
+              <a:t>!</a:t>
+            </a:r>
+          </a:p>
+          <a:p>
+            <a:pPr lvl="2"/>
+            <a:r>
+              <a:rPr lang="nl-BE" dirty="0"/>
+              <a:t>Speed-up x2 </a:t>
+            </a:r>
+          </a:p>
+          <a:p>
+            <a:pPr lvl="2"/>
+            <a:r>
+              <a:rPr lang="nl-BE" dirty="0"/>
+              <a:t>Visual studio </a:t>
+            </a:r>
+            <a:r>
+              <a:rPr lang="nl-BE" dirty="0" err="1"/>
+              <a:t>profiler</a:t>
+            </a:r>
+            <a:endParaRPr lang="nl-BE" dirty="0"/>
+          </a:p>
+          <a:p>
+            <a:pPr lvl="3"/>
+            <a:r>
+              <a:rPr lang="nl-BE" dirty="0"/>
+              <a:t>Bottleneck: </a:t>
+            </a:r>
+            <a:r>
+              <a:rPr lang="nl-BE" dirty="0" err="1"/>
+              <a:t>convolve</a:t>
+            </a:r>
+            <a:r>
+              <a:rPr lang="nl-BE" dirty="0"/>
+              <a:t>:  </a:t>
+            </a:r>
+            <a:r>
+              <a:rPr lang="nl-BE" dirty="0" err="1"/>
+              <a:t>only</a:t>
+            </a:r>
+            <a:r>
+              <a:rPr lang="nl-BE" dirty="0"/>
+              <a:t> </a:t>
+            </a:r>
+            <a:r>
+              <a:rPr lang="nl-BE" dirty="0" err="1"/>
+              <a:t>nested</a:t>
+            </a:r>
+            <a:r>
+              <a:rPr lang="nl-BE" dirty="0"/>
+              <a:t> loop + most calls + </a:t>
+            </a:r>
+            <a:r>
+              <a:rPr lang="nl-BE" dirty="0" err="1"/>
+              <a:t>largest</a:t>
+            </a:r>
+            <a:r>
+              <a:rPr lang="nl-BE" dirty="0"/>
+              <a:t> </a:t>
+            </a:r>
+            <a:r>
+              <a:rPr lang="nl-BE" dirty="0" err="1"/>
+              <a:t>numbers</a:t>
+            </a:r>
+            <a:endParaRPr lang="nl-BE" dirty="0"/>
+          </a:p>
+          <a:p>
+            <a:pPr lvl="2"/>
+            <a:endParaRPr lang="en-US" dirty="0"/>
+          </a:p>
+        </p:txBody>
+      </p:sp>
+    </p:spTree>
+    <p:extLst>
+      <p:ext uri="{BB962C8B-B14F-4D97-AF65-F5344CB8AC3E}">
+        <p14:creationId xmlns:p14="http://schemas.microsoft.com/office/powerpoint/2010/main" val="3243533115"/>
+      </p:ext>
+    </p:extLst>
+  </p:cSld>
+  <p:clrMapOvr>
+    <a:masterClrMapping/>
+  </p:clrMapOvr>
+</p:sld>
+</file>
+
+<file path=ppt/slides/slide11.xml><?xml version="1.0" encoding="utf-8"?>
+<p:sld xmlns:a="http://schemas.openxmlformats.org/drawingml/2006/main" xmlns:r="http://schemas.openxmlformats.org/officeDocument/2006/relationships" xmlns:p="http://schemas.openxmlformats.org/presentationml/2006/main">
+  <p:cSld>
+    <p:spTree>
+      <p:nvGrpSpPr>
+        <p:cNvPr id="1" name=""/>
+        <p:cNvGrpSpPr/>
+        <p:nvPr/>
+      </p:nvGrpSpPr>
+      <p:grpSpPr>
+        <a:xfrm>
+          <a:off x="0" y="0"/>
+          <a:ext cx="0" cy="0"/>
+          <a:chOff x="0" y="0"/>
+          <a:chExt cx="0" cy="0"/>
+        </a:xfrm>
+      </p:grpSpPr>
+      <p:sp>
+        <p:nvSpPr>
+          <p:cNvPr id="2" name="Title 1"/>
+          <p:cNvSpPr>
+            <a:spLocks noGrp="1"/>
+          </p:cNvSpPr>
+          <p:nvPr>
+            <p:ph type="title"/>
+          </p:nvPr>
+        </p:nvSpPr>
+        <p:spPr/>
+        <p:txBody>
+          <a:bodyPr/>
+          <a:lstStyle/>
+          <a:p>
+            <a:r>
+              <a:rPr lang="nl-BE" dirty="0"/>
               <a:t>C</a:t>
             </a:r>
             <a:endParaRPr lang="en-US" dirty="0"/>
@@ -7927,196 +8387,6 @@
   <p:clrMapOvr>
     <a:masterClrMapping/>
   </p:clrMapOvr>
-  <p:timing>
-    <p:tnLst>
-      <p:par>
-        <p:cTn id="1" dur="indefinite" restart="never" nodeType="tmRoot"/>
-      </p:par>
-    </p:tnLst>
-  </p:timing>
-</p:sld>
-</file>
-
-<file path=ppt/slides/slide11.xml><?xml version="1.0" encoding="utf-8"?>
-<p:sld xmlns:a="http://schemas.openxmlformats.org/drawingml/2006/main" xmlns:r="http://schemas.openxmlformats.org/officeDocument/2006/relationships" xmlns:p="http://schemas.openxmlformats.org/presentationml/2006/main">
-  <p:cSld>
-    <p:spTree>
-      <p:nvGrpSpPr>
-        <p:cNvPr id="1" name=""/>
-        <p:cNvGrpSpPr/>
-        <p:nvPr/>
-      </p:nvGrpSpPr>
-      <p:grpSpPr>
-        <a:xfrm>
-          <a:off x="0" y="0"/>
-          <a:ext cx="0" cy="0"/>
-          <a:chOff x="0" y="0"/>
-          <a:chExt cx="0" cy="0"/>
-        </a:xfrm>
-      </p:grpSpPr>
-      <p:sp>
-        <p:nvSpPr>
-          <p:cNvPr id="2" name="Title 1"/>
-          <p:cNvSpPr>
-            <a:spLocks noGrp="1"/>
-          </p:cNvSpPr>
-          <p:nvPr>
-            <p:ph type="title"/>
-          </p:nvPr>
-        </p:nvSpPr>
-        <p:spPr/>
-        <p:txBody>
-          <a:bodyPr/>
-          <a:lstStyle/>
-          <a:p>
-            <a:r>
-              <a:rPr lang="nl-BE" dirty="0" smtClean="0"/>
-              <a:t>C: </a:t>
-            </a:r>
-            <a:r>
-              <a:rPr lang="nl-BE" dirty="0" err="1" smtClean="0"/>
-              <a:t>problems</a:t>
-            </a:r>
-            <a:endParaRPr lang="en-US" dirty="0"/>
-          </a:p>
-        </p:txBody>
-      </p:sp>
-      <p:sp>
-        <p:nvSpPr>
-          <p:cNvPr id="3" name="Content Placeholder 2"/>
-          <p:cNvSpPr>
-            <a:spLocks noGrp="1"/>
-          </p:cNvSpPr>
-          <p:nvPr>
-            <p:ph idx="1"/>
-          </p:nvPr>
-        </p:nvSpPr>
-        <p:spPr/>
-        <p:txBody>
-          <a:bodyPr/>
-          <a:lstStyle/>
-          <a:p>
-            <a:r>
-              <a:rPr lang="nl-BE" dirty="0" smtClean="0"/>
-              <a:t>Debugging:</a:t>
-            </a:r>
-          </a:p>
-          <a:p>
-            <a:pPr lvl="1"/>
-            <a:r>
-              <a:rPr lang="nl-BE" dirty="0" err="1" smtClean="0"/>
-              <a:t>Gedit</a:t>
-            </a:r>
-            <a:r>
-              <a:rPr lang="nl-BE" dirty="0" smtClean="0"/>
-              <a:t> </a:t>
-            </a:r>
-            <a:r>
-              <a:rPr lang="nl-BE" dirty="0" smtClean="0">
-                <a:sym typeface="Wingdings" panose="05000000000000000000" pitchFamily="2" charset="2"/>
-              </a:rPr>
-              <a:t> Visual Studio / </a:t>
-            </a:r>
-            <a:r>
-              <a:rPr lang="nl-BE" dirty="0" err="1" smtClean="0">
-                <a:sym typeface="Wingdings" panose="05000000000000000000" pitchFamily="2" charset="2"/>
-              </a:rPr>
-              <a:t>CodeBlocks</a:t>
-            </a:r>
-            <a:endParaRPr lang="nl-BE" dirty="0" smtClean="0">
-              <a:sym typeface="Wingdings" panose="05000000000000000000" pitchFamily="2" charset="2"/>
-            </a:endParaRPr>
-          </a:p>
-          <a:p>
-            <a:r>
-              <a:rPr lang="nl-BE" dirty="0" smtClean="0">
-                <a:sym typeface="Wingdings" panose="05000000000000000000" pitchFamily="2" charset="2"/>
-              </a:rPr>
-              <a:t>Output </a:t>
-            </a:r>
-            <a:r>
-              <a:rPr lang="nl-BE" dirty="0" err="1" smtClean="0">
-                <a:sym typeface="Wingdings" panose="05000000000000000000" pitchFamily="2" charset="2"/>
-              </a:rPr>
-              <a:t>checked</a:t>
-            </a:r>
-            <a:r>
-              <a:rPr lang="nl-BE" dirty="0" smtClean="0">
-                <a:sym typeface="Wingdings" panose="05000000000000000000" pitchFamily="2" charset="2"/>
-              </a:rPr>
-              <a:t> </a:t>
-            </a:r>
-            <a:r>
-              <a:rPr lang="nl-BE" dirty="0" err="1" smtClean="0">
-                <a:sym typeface="Wingdings" panose="05000000000000000000" pitchFamily="2" charset="2"/>
-              </a:rPr>
-              <a:t>with</a:t>
-            </a:r>
-            <a:r>
-              <a:rPr lang="nl-BE" dirty="0" smtClean="0">
-                <a:sym typeface="Wingdings" panose="05000000000000000000" pitchFamily="2" charset="2"/>
-              </a:rPr>
-              <a:t> MATLAB</a:t>
-            </a:r>
-          </a:p>
-          <a:p>
-            <a:pPr lvl="1"/>
-            <a:r>
-              <a:rPr lang="nl-BE" dirty="0" err="1" smtClean="0">
-                <a:sym typeface="Wingdings" panose="05000000000000000000" pitchFamily="2" charset="2"/>
-              </a:rPr>
-              <a:t>Compared</a:t>
-            </a:r>
-            <a:r>
-              <a:rPr lang="nl-BE" dirty="0" smtClean="0">
-                <a:sym typeface="Wingdings" panose="05000000000000000000" pitchFamily="2" charset="2"/>
-              </a:rPr>
-              <a:t> bit/bit </a:t>
-            </a:r>
-            <a:r>
-              <a:rPr lang="nl-BE" dirty="0" err="1" smtClean="0">
-                <a:sym typeface="Wingdings" panose="05000000000000000000" pitchFamily="2" charset="2"/>
-              </a:rPr>
-              <a:t>to</a:t>
-            </a:r>
-            <a:r>
-              <a:rPr lang="nl-BE" dirty="0" smtClean="0">
-                <a:sym typeface="Wingdings" panose="05000000000000000000" pitchFamily="2" charset="2"/>
-              </a:rPr>
-              <a:t> MATLAB </a:t>
-            </a:r>
-            <a:r>
-              <a:rPr lang="nl-BE" dirty="0" err="1" smtClean="0">
-                <a:sym typeface="Wingdings" panose="05000000000000000000" pitchFamily="2" charset="2"/>
-              </a:rPr>
-              <a:t>result</a:t>
-            </a:r>
-            <a:r>
-              <a:rPr lang="nl-BE" dirty="0" smtClean="0">
-                <a:sym typeface="Wingdings" panose="05000000000000000000" pitchFamily="2" charset="2"/>
-              </a:rPr>
-              <a:t>	</a:t>
-            </a:r>
-          </a:p>
-        </p:txBody>
-      </p:sp>
-    </p:spTree>
-    <p:extLst>
-      <p:ext uri="{BB962C8B-B14F-4D97-AF65-F5344CB8AC3E}">
-        <p14:creationId xmlns:p14="http://schemas.microsoft.com/office/powerpoint/2010/main" val="557867973"/>
-      </p:ext>
-    </p:extLst>
-  </p:cSld>
-  <p:clrMapOvr>
-    <a:masterClrMapping/>
-  </p:clrMapOvr>
-  <p:timing>
-    <p:tnLst>
-      <p:par>
-        <p:cTn id="1" dur="indefinite" restart="never" nodeType="tmRoot"/>
-      </p:par>
-    </p:tnLst>
-  </p:timing>
 </p:sld>
 </file>
 
@@ -8153,8 +8423,12 @@
           <a:lstStyle/>
           <a:p>
             <a:r>
-              <a:rPr lang="nl-BE" dirty="0" smtClean="0"/>
-              <a:t>DSP-C</a:t>
+              <a:rPr lang="nl-BE" dirty="0"/>
+              <a:t>C: </a:t>
+            </a:r>
+            <a:r>
+              <a:rPr lang="nl-BE" dirty="0" err="1"/>
+              <a:t>problems</a:t>
             </a:r>
             <a:endParaRPr lang="en-US" dirty="0"/>
           </a:p>
@@ -8176,70 +8450,143 @@
           <a:lstStyle/>
           <a:p>
             <a:r>
-              <a:rPr lang="nl-BE" dirty="0" smtClean="0"/>
-              <a:t>Start: 21,8M </a:t>
-            </a:r>
-            <a:r>
-              <a:rPr lang="nl-BE" dirty="0" err="1" smtClean="0"/>
-              <a:t>cycles</a:t>
-            </a:r>
-            <a:r>
-              <a:rPr lang="nl-BE" dirty="0" smtClean="0"/>
+              <a:rPr lang="nl-BE" dirty="0"/>
+              <a:t>Debugging:</a:t>
+            </a:r>
+          </a:p>
+          <a:p>
+            <a:pPr lvl="1"/>
+            <a:r>
+              <a:rPr lang="nl-BE" dirty="0" err="1"/>
+              <a:t>Gedit</a:t>
+            </a:r>
+            <a:r>
+              <a:rPr lang="nl-BE" dirty="0"/>
               <a:t> </a:t>
             </a:r>
             <a:r>
-              <a:rPr lang="nl-BE" dirty="0" err="1" smtClean="0"/>
-              <a:t>for</a:t>
-            </a:r>
-            <a:r>
-              <a:rPr lang="nl-BE" dirty="0" smtClean="0"/>
-              <a:t> 2986 samples</a:t>
+              <a:rPr lang="nl-BE" dirty="0">
+                <a:sym typeface="Wingdings" panose="05000000000000000000" pitchFamily="2" charset="2"/>
+              </a:rPr>
+              <a:t> Visual Studio / </a:t>
+            </a:r>
+            <a:r>
+              <a:rPr lang="nl-BE" dirty="0" err="1">
+                <a:sym typeface="Wingdings" panose="05000000000000000000" pitchFamily="2" charset="2"/>
+              </a:rPr>
+              <a:t>CodeBlocks</a:t>
+            </a:r>
+            <a:endParaRPr lang="nl-BE" dirty="0">
+              <a:sym typeface="Wingdings" panose="05000000000000000000" pitchFamily="2" charset="2"/>
+            </a:endParaRPr>
+          </a:p>
+          <a:p>
+            <a:r>
+              <a:rPr lang="nl-BE" dirty="0">
+                <a:sym typeface="Wingdings" panose="05000000000000000000" pitchFamily="2" charset="2"/>
+              </a:rPr>
+              <a:t>Output </a:t>
+            </a:r>
+            <a:r>
+              <a:rPr lang="nl-BE" dirty="0" err="1">
+                <a:sym typeface="Wingdings" panose="05000000000000000000" pitchFamily="2" charset="2"/>
+              </a:rPr>
+              <a:t>checked</a:t>
+            </a:r>
+            <a:r>
+              <a:rPr lang="nl-BE" dirty="0">
+                <a:sym typeface="Wingdings" panose="05000000000000000000" pitchFamily="2" charset="2"/>
+              </a:rPr>
+              <a:t> </a:t>
+            </a:r>
+            <a:r>
+              <a:rPr lang="nl-BE" dirty="0" err="1">
+                <a:sym typeface="Wingdings" panose="05000000000000000000" pitchFamily="2" charset="2"/>
+              </a:rPr>
+              <a:t>with</a:t>
+            </a:r>
+            <a:r>
+              <a:rPr lang="nl-BE" dirty="0">
+                <a:sym typeface="Wingdings" panose="05000000000000000000" pitchFamily="2" charset="2"/>
+              </a:rPr>
+              <a:t> MATLAB</a:t>
             </a:r>
           </a:p>
           <a:p>
             <a:pPr lvl="1"/>
             <a:r>
-              <a:rPr lang="nl-BE" dirty="0" err="1" smtClean="0"/>
-              <a:t>After</a:t>
-            </a:r>
-            <a:r>
-              <a:rPr lang="nl-BE" dirty="0" smtClean="0"/>
+              <a:rPr lang="nl-BE" dirty="0" err="1">
+                <a:sym typeface="Wingdings" panose="05000000000000000000" pitchFamily="2" charset="2"/>
+              </a:rPr>
+              <a:t>Results</a:t>
+            </a:r>
+            <a:r>
+              <a:rPr lang="nl-BE" dirty="0">
+                <a:sym typeface="Wingdings" panose="05000000000000000000" pitchFamily="2" charset="2"/>
+              </a:rPr>
+              <a:t> are </a:t>
+            </a:r>
+            <a:r>
+              <a:rPr lang="nl-BE" dirty="0" err="1">
+                <a:sym typeface="Wingdings" panose="05000000000000000000" pitchFamily="2" charset="2"/>
+              </a:rPr>
+              <a:t>the</a:t>
+            </a:r>
+            <a:r>
+              <a:rPr lang="nl-BE" dirty="0">
+                <a:sym typeface="Wingdings" panose="05000000000000000000" pitchFamily="2" charset="2"/>
+              </a:rPr>
               <a:t> </a:t>
             </a:r>
             <a:r>
-              <a:rPr lang="nl-BE" dirty="0" err="1" smtClean="0"/>
-              <a:t>original</a:t>
-            </a:r>
-            <a:r>
-              <a:rPr lang="nl-BE" dirty="0" smtClean="0"/>
-              <a:t> x2 speed-up in C</a:t>
-            </a:r>
-          </a:p>
-          <a:p>
-            <a:endParaRPr lang="nl-BE" dirty="0" smtClean="0"/>
-          </a:p>
-          <a:p>
-            <a:endParaRPr lang="en-US" dirty="0"/>
+              <a:rPr lang="nl-BE" dirty="0" err="1">
+                <a:sym typeface="Wingdings" panose="05000000000000000000" pitchFamily="2" charset="2"/>
+              </a:rPr>
+              <a:t>same</a:t>
+            </a:r>
+            <a:r>
+              <a:rPr lang="nl-BE" dirty="0">
+                <a:sym typeface="Wingdings" panose="05000000000000000000" pitchFamily="2" charset="2"/>
+              </a:rPr>
+              <a:t> down </a:t>
+            </a:r>
+            <a:r>
+              <a:rPr lang="nl-BE" dirty="0" err="1">
+                <a:sym typeface="Wingdings" panose="05000000000000000000" pitchFamily="2" charset="2"/>
+              </a:rPr>
+              <a:t>to</a:t>
+            </a:r>
+            <a:r>
+              <a:rPr lang="nl-BE" dirty="0">
+                <a:sym typeface="Wingdings" panose="05000000000000000000" pitchFamily="2" charset="2"/>
+              </a:rPr>
+              <a:t> </a:t>
+            </a:r>
+            <a:r>
+              <a:rPr lang="nl-BE" dirty="0" err="1">
+                <a:sym typeface="Wingdings" panose="05000000000000000000" pitchFamily="2" charset="2"/>
+              </a:rPr>
+              <a:t>the</a:t>
+            </a:r>
+            <a:r>
+              <a:rPr lang="nl-BE" dirty="0">
+                <a:sym typeface="Wingdings" panose="05000000000000000000" pitchFamily="2" charset="2"/>
+              </a:rPr>
+              <a:t> last bit</a:t>
+            </a:r>
           </a:p>
         </p:txBody>
       </p:sp>
     </p:spTree>
     <p:extLst>
       <p:ext uri="{BB962C8B-B14F-4D97-AF65-F5344CB8AC3E}">
-        <p14:creationId xmlns:p14="http://schemas.microsoft.com/office/powerpoint/2010/main" val="55941480"/>
+        <p14:creationId xmlns:p14="http://schemas.microsoft.com/office/powerpoint/2010/main" val="557867973"/>
       </p:ext>
     </p:extLst>
   </p:cSld>
   <p:clrMapOvr>
     <a:masterClrMapping/>
   </p:clrMapOvr>
-  <p:timing>
-    <p:tnLst>
-      <p:par>
-        <p:cTn id="1" dur="indefinite" restart="never" nodeType="tmRoot"/>
-      </p:par>
-    </p:tnLst>
-  </p:timing>
 </p:sld>
 </file>
 
@@ -8276,16 +8623,8 @@
           <a:lstStyle/>
           <a:p>
             <a:r>
-              <a:rPr lang="nl-BE" dirty="0" smtClean="0"/>
-              <a:t>DSP-C: </a:t>
-            </a:r>
-            <a:r>
-              <a:rPr lang="nl-BE" dirty="0" err="1" smtClean="0"/>
-              <a:t>helpfull</a:t>
-            </a:r>
-            <a:r>
-              <a:rPr lang="nl-BE" dirty="0" smtClean="0"/>
-              <a:t> changes</a:t>
+              <a:rPr lang="nl-BE" dirty="0"/>
+              <a:t>DSP-C</a:t>
             </a:r>
             <a:endParaRPr lang="en-US" dirty="0"/>
           </a:p>
@@ -8307,215 +8646,49 @@
           <a:lstStyle/>
           <a:p>
             <a:r>
-              <a:rPr lang="nl-BE" dirty="0" err="1" smtClean="0"/>
-              <a:t>Convolve</a:t>
-            </a:r>
-            <a:r>
-              <a:rPr lang="nl-BE" dirty="0" smtClean="0"/>
-              <a:t>:</a:t>
+              <a:rPr lang="nl-BE" dirty="0"/>
+              <a:t>Start: 21,8M </a:t>
+            </a:r>
+            <a:r>
+              <a:rPr lang="nl-BE" dirty="0" err="1"/>
+              <a:t>cycles</a:t>
+            </a:r>
+            <a:r>
+              <a:rPr lang="nl-BE" dirty="0"/>
+              <a:t> </a:t>
+            </a:r>
+            <a:r>
+              <a:rPr lang="nl-BE" dirty="0" err="1"/>
+              <a:t>for</a:t>
+            </a:r>
+            <a:r>
+              <a:rPr lang="nl-BE" dirty="0"/>
+              <a:t> 2986 samples</a:t>
             </a:r>
           </a:p>
           <a:p>
             <a:pPr lvl="1"/>
             <a:r>
-              <a:rPr lang="nl-BE" dirty="0" err="1" smtClean="0"/>
-              <a:t>Left</a:t>
-            </a:r>
-            <a:r>
-              <a:rPr lang="nl-BE" dirty="0" smtClean="0"/>
+              <a:rPr lang="nl-BE" dirty="0" err="1"/>
+              <a:t>After</a:t>
+            </a:r>
+            <a:r>
+              <a:rPr lang="nl-BE" dirty="0"/>
               <a:t> </a:t>
             </a:r>
             <a:r>
-              <a:rPr lang="nl-BE" dirty="0" err="1" smtClean="0"/>
-              <a:t>and</a:t>
-            </a:r>
-            <a:r>
-              <a:rPr lang="nl-BE" dirty="0" smtClean="0"/>
-              <a:t> right </a:t>
-            </a:r>
-            <a:r>
-              <a:rPr lang="nl-BE" dirty="0" err="1" smtClean="0"/>
-              <a:t>together</a:t>
-            </a:r>
-            <a:r>
-              <a:rPr lang="nl-BE" dirty="0" smtClean="0"/>
-              <a:t>  </a:t>
-            </a:r>
-            <a:r>
-              <a:rPr lang="nl-BE" dirty="0" smtClean="0">
-                <a:sym typeface="Wingdings" panose="05000000000000000000" pitchFamily="2" charset="2"/>
-              </a:rPr>
-              <a:t> 8%</a:t>
-            </a:r>
-          </a:p>
-          <a:p>
-            <a:pPr lvl="2"/>
-            <a:r>
-              <a:rPr lang="nl-BE" dirty="0" smtClean="0">
-                <a:sym typeface="Wingdings" panose="05000000000000000000" pitchFamily="2" charset="2"/>
-              </a:rPr>
-              <a:t>Hypothesis</a:t>
-            </a:r>
-          </a:p>
-          <a:p>
-            <a:pPr lvl="3"/>
-            <a:r>
-              <a:rPr lang="nl-BE" sz="2000" dirty="0" smtClean="0">
-                <a:sym typeface="Wingdings" panose="05000000000000000000" pitchFamily="2" charset="2"/>
-              </a:rPr>
-              <a:t>more </a:t>
-            </a:r>
-            <a:r>
-              <a:rPr lang="nl-BE" sz="2000" dirty="0" err="1" smtClean="0">
-                <a:sym typeface="Wingdings" panose="05000000000000000000" pitchFamily="2" charset="2"/>
-              </a:rPr>
-              <a:t>freedom</a:t>
-            </a:r>
-            <a:r>
-              <a:rPr lang="nl-BE" sz="2000" dirty="0" smtClean="0">
-                <a:sym typeface="Wingdings" panose="05000000000000000000" pitchFamily="2" charset="2"/>
-              </a:rPr>
-              <a:t> </a:t>
-            </a:r>
-            <a:r>
-              <a:rPr lang="nl-BE" sz="2000" dirty="0" err="1" smtClean="0">
-                <a:sym typeface="Wingdings" panose="05000000000000000000" pitchFamily="2" charset="2"/>
-              </a:rPr>
-              <a:t>for</a:t>
-            </a:r>
-            <a:r>
-              <a:rPr lang="nl-BE" sz="2000" dirty="0" smtClean="0">
-                <a:sym typeface="Wingdings" panose="05000000000000000000" pitchFamily="2" charset="2"/>
-              </a:rPr>
-              <a:t> compiler</a:t>
-            </a:r>
-          </a:p>
-          <a:p>
-            <a:pPr lvl="3"/>
-            <a:r>
-              <a:rPr lang="nl-BE" sz="2000" dirty="0" smtClean="0">
-                <a:sym typeface="Wingdings" panose="05000000000000000000" pitchFamily="2" charset="2"/>
-              </a:rPr>
-              <a:t>Overhead </a:t>
-            </a:r>
-            <a:r>
-              <a:rPr lang="nl-BE" sz="2000" dirty="0" err="1" smtClean="0">
-                <a:sym typeface="Wingdings" panose="05000000000000000000" pitchFamily="2" charset="2"/>
-              </a:rPr>
-              <a:t>only</a:t>
-            </a:r>
-            <a:r>
-              <a:rPr lang="nl-BE" sz="2000" dirty="0" smtClean="0">
-                <a:sym typeface="Wingdings" panose="05000000000000000000" pitchFamily="2" charset="2"/>
-              </a:rPr>
-              <a:t> </a:t>
-            </a:r>
-            <a:r>
-              <a:rPr lang="nl-BE" sz="2000" dirty="0" err="1" smtClean="0">
-                <a:sym typeface="Wingdings" panose="05000000000000000000" pitchFamily="2" charset="2"/>
-              </a:rPr>
-              <a:t>once</a:t>
-            </a:r>
-            <a:endParaRPr lang="nl-BE" sz="2000" dirty="0" smtClean="0">
-              <a:sym typeface="Wingdings" panose="05000000000000000000" pitchFamily="2" charset="2"/>
-            </a:endParaRPr>
-          </a:p>
-          <a:p>
-            <a:pPr lvl="1"/>
-            <a:r>
-              <a:rPr lang="nl-BE" dirty="0" smtClean="0">
-                <a:sym typeface="Wingdings" panose="05000000000000000000" pitchFamily="2" charset="2"/>
-              </a:rPr>
-              <a:t>Long </a:t>
-            </a:r>
-            <a:r>
-              <a:rPr lang="nl-BE" dirty="0" err="1" smtClean="0">
-                <a:sym typeface="Wingdings" panose="05000000000000000000" pitchFamily="2" charset="2"/>
-              </a:rPr>
-              <a:t>long</a:t>
-            </a:r>
-            <a:r>
-              <a:rPr lang="nl-BE" dirty="0" smtClean="0">
-                <a:sym typeface="Wingdings" panose="05000000000000000000" pitchFamily="2" charset="2"/>
-              </a:rPr>
-              <a:t>  int: 49%</a:t>
-            </a:r>
-          </a:p>
-          <a:p>
-            <a:pPr lvl="2"/>
-            <a:r>
-              <a:rPr lang="nl-BE" dirty="0" err="1" smtClean="0">
-                <a:sym typeface="Wingdings" panose="05000000000000000000" pitchFamily="2" charset="2"/>
-              </a:rPr>
-              <a:t>Changed</a:t>
-            </a:r>
-            <a:r>
-              <a:rPr lang="nl-BE" dirty="0" smtClean="0">
-                <a:sym typeface="Wingdings" panose="05000000000000000000" pitchFamily="2" charset="2"/>
-              </a:rPr>
-              <a:t> in MATLAB: no </a:t>
-            </a:r>
-            <a:r>
-              <a:rPr lang="nl-BE" dirty="0" err="1" smtClean="0">
-                <a:sym typeface="Wingdings" panose="05000000000000000000" pitchFamily="2" charset="2"/>
-              </a:rPr>
-              <a:t>difference</a:t>
-            </a:r>
-            <a:endParaRPr lang="nl-BE" dirty="0" smtClean="0">
-              <a:sym typeface="Wingdings" panose="05000000000000000000" pitchFamily="2" charset="2"/>
-            </a:endParaRPr>
-          </a:p>
-          <a:p>
-            <a:pPr lvl="1"/>
-            <a:r>
-              <a:rPr lang="nl-BE" dirty="0" smtClean="0">
-                <a:sym typeface="Wingdings" panose="05000000000000000000" pitchFamily="2" charset="2"/>
-              </a:rPr>
-              <a:t> </a:t>
-            </a:r>
-            <a:r>
-              <a:rPr lang="nl-BE" dirty="0" err="1" smtClean="0">
-                <a:sym typeface="Wingdings" panose="05000000000000000000" pitchFamily="2" charset="2"/>
-              </a:rPr>
-              <a:t>convolve</a:t>
-            </a:r>
-            <a:r>
-              <a:rPr lang="nl-BE" dirty="0" smtClean="0">
-                <a:sym typeface="Wingdings" panose="05000000000000000000" pitchFamily="2" charset="2"/>
-              </a:rPr>
-              <a:t> no </a:t>
-            </a:r>
-            <a:r>
-              <a:rPr lang="nl-BE" dirty="0" err="1" smtClean="0">
-                <a:sym typeface="Wingdings" panose="05000000000000000000" pitchFamily="2" charset="2"/>
-              </a:rPr>
-              <a:t>longer</a:t>
-            </a:r>
-            <a:r>
-              <a:rPr lang="nl-BE" dirty="0" smtClean="0">
-                <a:sym typeface="Wingdings" panose="05000000000000000000" pitchFamily="2" charset="2"/>
-              </a:rPr>
-              <a:t> bottleneck</a:t>
-            </a:r>
-          </a:p>
-          <a:p>
-            <a:endParaRPr lang="nl-BE" dirty="0" smtClean="0">
-              <a:sym typeface="Wingdings" panose="05000000000000000000" pitchFamily="2" charset="2"/>
-            </a:endParaRPr>
-          </a:p>
-          <a:p>
-            <a:endParaRPr lang="nl-BE" dirty="0" smtClean="0">
-              <a:sym typeface="Wingdings" panose="05000000000000000000" pitchFamily="2" charset="2"/>
-            </a:endParaRPr>
-          </a:p>
-          <a:p>
-            <a:pPr lvl="2"/>
-            <a:endParaRPr lang="nl-BE" sz="2400" dirty="0" smtClean="0">
-              <a:sym typeface="Wingdings" panose="05000000000000000000" pitchFamily="2" charset="2"/>
-            </a:endParaRPr>
-          </a:p>
-          <a:p>
-            <a:pPr lvl="2"/>
+              <a:rPr lang="nl-BE" dirty="0" err="1"/>
+              <a:t>original</a:t>
+            </a:r>
+            <a:r>
+              <a:rPr lang="nl-BE" dirty="0"/>
+              <a:t> x2 speed-up in C</a:t>
+            </a:r>
+          </a:p>
+          <a:p>
+            <a:endParaRPr lang="nl-BE" dirty="0"/>
+          </a:p>
+          <a:p>
             <a:endParaRPr lang="en-US" dirty="0"/>
           </a:p>
         </p:txBody>
@@ -8523,20 +8696,13 @@
     </p:spTree>
     <p:extLst>
       <p:ext uri="{BB962C8B-B14F-4D97-AF65-F5344CB8AC3E}">
-        <p14:creationId xmlns:p14="http://schemas.microsoft.com/office/powerpoint/2010/main" val="477094179"/>
+        <p14:creationId xmlns:p14="http://schemas.microsoft.com/office/powerpoint/2010/main" val="55941480"/>
       </p:ext>
     </p:extLst>
   </p:cSld>
   <p:clrMapOvr>
     <a:masterClrMapping/>
   </p:clrMapOvr>
-  <p:timing>
-    <p:tnLst>
-      <p:par>
-        <p:cTn id="1" dur="indefinite" restart="never" nodeType="tmRoot"/>
-      </p:par>
-    </p:tnLst>
-  </p:timing>
 </p:sld>
 </file>
 
@@ -8573,15 +8739,15 @@
           <a:lstStyle/>
           <a:p>
             <a:r>
-              <a:rPr lang="nl-BE" dirty="0" smtClean="0"/>
+              <a:rPr lang="nl-BE" dirty="0"/>
               <a:t>DSP-C: </a:t>
             </a:r>
             <a:r>
-              <a:rPr lang="nl-BE" dirty="0" err="1" smtClean="0"/>
+              <a:rPr lang="nl-BE" dirty="0" err="1"/>
               <a:t>helpfull</a:t>
             </a:r>
             <a:r>
-              <a:rPr lang="nl-BE" dirty="0" smtClean="0"/>
+              <a:rPr lang="nl-BE" dirty="0"/>
               <a:t> changes</a:t>
             </a:r>
             <a:endParaRPr lang="en-US" dirty="0"/>
@@ -8604,112 +8770,210 @@
           <a:lstStyle/>
           <a:p>
             <a:r>
-              <a:rPr lang="en-US" dirty="0" smtClean="0"/>
-              <a:t>(de)quantize:</a:t>
+              <a:rPr lang="nl-BE" dirty="0" err="1"/>
+              <a:t>Convolve</a:t>
+            </a:r>
+            <a:r>
+              <a:rPr lang="nl-BE" dirty="0"/>
+              <a:t>:</a:t>
             </a:r>
           </a:p>
           <a:p>
             <a:pPr lvl="1"/>
             <a:r>
-              <a:rPr lang="en-US" dirty="0" smtClean="0">
-                <a:sym typeface="Wingdings" panose="05000000000000000000" pitchFamily="2" charset="2"/>
-              </a:rPr>
-              <a:t>Smaller variable types: 42%</a:t>
-            </a:r>
-          </a:p>
-          <a:p>
-            <a:r>
-              <a:rPr lang="en-US" dirty="0" smtClean="0">
-                <a:sym typeface="Wingdings" panose="05000000000000000000" pitchFamily="2" charset="2"/>
-              </a:rPr>
-              <a:t>Test inline:</a:t>
-            </a:r>
-          </a:p>
-          <a:p>
-            <a:pPr lvl="1"/>
-            <a:r>
-              <a:rPr lang="en-US" dirty="0" err="1" smtClean="0">
-                <a:sym typeface="Wingdings" panose="05000000000000000000" pitchFamily="2" charset="2"/>
-              </a:rPr>
-              <a:t>Synthesis+analysis</a:t>
-            </a:r>
-            <a:r>
-              <a:rPr lang="en-US" dirty="0" smtClean="0">
-                <a:sym typeface="Wingdings" panose="05000000000000000000" pitchFamily="2" charset="2"/>
-              </a:rPr>
-              <a:t> fully </a:t>
-            </a:r>
-            <a:r>
-              <a:rPr lang="en-US" dirty="0" err="1" smtClean="0">
-                <a:sym typeface="Wingdings" panose="05000000000000000000" pitchFamily="2" charset="2"/>
-              </a:rPr>
-              <a:t>inlined</a:t>
-            </a:r>
-            <a:r>
-              <a:rPr lang="en-US" dirty="0" smtClean="0">
-                <a:sym typeface="Wingdings" panose="05000000000000000000" pitchFamily="2" charset="2"/>
-              </a:rPr>
-              <a:t>:</a:t>
+              <a:rPr lang="nl-BE" dirty="0" err="1"/>
+              <a:t>Left</a:t>
+            </a:r>
+            <a:r>
+              <a:rPr lang="nl-BE" dirty="0"/>
+              <a:t> </a:t>
+            </a:r>
+            <a:r>
+              <a:rPr lang="nl-BE" dirty="0" err="1"/>
+              <a:t>and</a:t>
+            </a:r>
+            <a:r>
+              <a:rPr lang="nl-BE" dirty="0"/>
+              <a:t> right </a:t>
+            </a:r>
+            <a:r>
+              <a:rPr lang="nl-BE" dirty="0" err="1"/>
+              <a:t>together</a:t>
+            </a:r>
+            <a:r>
+              <a:rPr lang="nl-BE" dirty="0"/>
+              <a:t>  </a:t>
+            </a:r>
+            <a:r>
+              <a:rPr lang="nl-BE" dirty="0">
+                <a:sym typeface="Wingdings" panose="05000000000000000000" pitchFamily="2" charset="2"/>
+              </a:rPr>
+              <a:t> 8%</a:t>
             </a:r>
           </a:p>
           <a:p>
             <a:pPr lvl="2"/>
             <a:r>
-              <a:rPr lang="en-US" dirty="0" smtClean="0">
-                <a:sym typeface="Wingdings" panose="05000000000000000000" pitchFamily="2" charset="2"/>
-              </a:rPr>
-              <a:t>300k better (~5%)</a:t>
-            </a:r>
-          </a:p>
-          <a:p>
-            <a:pPr lvl="2"/>
-            <a:r>
-              <a:rPr lang="en-US" dirty="0" smtClean="0">
-                <a:sym typeface="Wingdings" panose="05000000000000000000" pitchFamily="2" charset="2"/>
-              </a:rPr>
-              <a:t>At this point not worth it</a:t>
+              <a:rPr lang="nl-BE" dirty="0">
+                <a:sym typeface="Wingdings" panose="05000000000000000000" pitchFamily="2" charset="2"/>
+              </a:rPr>
+              <a:t>Hypothesis</a:t>
             </a:r>
           </a:p>
           <a:p>
             <a:pPr lvl="3"/>
             <a:r>
-              <a:rPr lang="en-US" sz="2000" dirty="0" smtClean="0">
-                <a:sym typeface="Wingdings" panose="05000000000000000000" pitchFamily="2" charset="2"/>
-              </a:rPr>
-              <a:t>Reverted for space and readability/manageability</a:t>
-            </a:r>
-          </a:p>
-          <a:p>
-            <a:pPr marL="359637" lvl="1" indent="0">
-              <a:buNone/>
-            </a:pPr>
-            <a:r>
-              <a:rPr lang="en-US" sz="2800" dirty="0" smtClean="0">
+              <a:rPr lang="nl-BE" sz="2000" dirty="0">
+                <a:sym typeface="Wingdings" panose="05000000000000000000" pitchFamily="2" charset="2"/>
+              </a:rPr>
+              <a:t>more </a:t>
+            </a:r>
+            <a:r>
+              <a:rPr lang="nl-BE" sz="2000" dirty="0" err="1">
+                <a:sym typeface="Wingdings" panose="05000000000000000000" pitchFamily="2" charset="2"/>
+              </a:rPr>
+              <a:t>freedom</a:t>
+            </a:r>
+            <a:r>
+              <a:rPr lang="nl-BE" sz="2000" dirty="0">
                 <a:sym typeface="Wingdings" panose="05000000000000000000" pitchFamily="2" charset="2"/>
               </a:rPr>
               <a:t> </a:t>
             </a:r>
+            <a:r>
+              <a:rPr lang="nl-BE" sz="2000" dirty="0" err="1">
+                <a:sym typeface="Wingdings" panose="05000000000000000000" pitchFamily="2" charset="2"/>
+              </a:rPr>
+              <a:t>for</a:t>
+            </a:r>
+            <a:r>
+              <a:rPr lang="nl-BE" sz="2000" dirty="0">
+                <a:sym typeface="Wingdings" panose="05000000000000000000" pitchFamily="2" charset="2"/>
+              </a:rPr>
+              <a:t> compiler</a:t>
+            </a:r>
           </a:p>
           <a:p>
             <a:pPr lvl="3"/>
-            <a:endParaRPr lang="en-US" dirty="0" smtClean="0">
+            <a:r>
+              <a:rPr lang="nl-BE" sz="2000" dirty="0">
+                <a:sym typeface="Wingdings" panose="05000000000000000000" pitchFamily="2" charset="2"/>
+              </a:rPr>
+              <a:t>Overhead </a:t>
+            </a:r>
+            <a:r>
+              <a:rPr lang="nl-BE" sz="2000" dirty="0" err="1">
+                <a:sym typeface="Wingdings" panose="05000000000000000000" pitchFamily="2" charset="2"/>
+              </a:rPr>
+              <a:t>only</a:t>
+            </a:r>
+            <a:r>
+              <a:rPr lang="nl-BE" sz="2000" dirty="0">
+                <a:sym typeface="Wingdings" panose="05000000000000000000" pitchFamily="2" charset="2"/>
+              </a:rPr>
+              <a:t> </a:t>
+            </a:r>
+            <a:r>
+              <a:rPr lang="nl-BE" sz="2000" dirty="0" err="1">
+                <a:sym typeface="Wingdings" panose="05000000000000000000" pitchFamily="2" charset="2"/>
+              </a:rPr>
+              <a:t>once</a:t>
+            </a:r>
+            <a:endParaRPr lang="nl-BE" sz="2000" dirty="0">
               <a:sym typeface="Wingdings" panose="05000000000000000000" pitchFamily="2" charset="2"/>
             </a:endParaRPr>
           </a:p>
           <a:p>
+            <a:pPr lvl="1"/>
+            <a:r>
+              <a:rPr lang="nl-BE" dirty="0">
+                <a:sym typeface="Wingdings" panose="05000000000000000000" pitchFamily="2" charset="2"/>
+              </a:rPr>
+              <a:t>Long </a:t>
+            </a:r>
+            <a:r>
+              <a:rPr lang="nl-BE" dirty="0" err="1">
+                <a:sym typeface="Wingdings" panose="05000000000000000000" pitchFamily="2" charset="2"/>
+              </a:rPr>
+              <a:t>long</a:t>
+            </a:r>
+            <a:r>
+              <a:rPr lang="nl-BE" dirty="0">
+                <a:sym typeface="Wingdings" panose="05000000000000000000" pitchFamily="2" charset="2"/>
+              </a:rPr>
+              <a:t>  int: 49%</a:t>
+            </a:r>
+          </a:p>
+          <a:p>
             <a:pPr lvl="2"/>
-            <a:endParaRPr lang="en-US" dirty="0" smtClean="0">
+            <a:r>
+              <a:rPr lang="nl-BE" dirty="0" err="1">
+                <a:sym typeface="Wingdings" panose="05000000000000000000" pitchFamily="2" charset="2"/>
+              </a:rPr>
+              <a:t>Changed</a:t>
+            </a:r>
+            <a:r>
+              <a:rPr lang="nl-BE" dirty="0">
+                <a:sym typeface="Wingdings" panose="05000000000000000000" pitchFamily="2" charset="2"/>
+              </a:rPr>
+              <a:t> in MATLAB: no </a:t>
+            </a:r>
+            <a:r>
+              <a:rPr lang="nl-BE" dirty="0" err="1">
+                <a:sym typeface="Wingdings" panose="05000000000000000000" pitchFamily="2" charset="2"/>
+              </a:rPr>
+              <a:t>difference</a:t>
+            </a:r>
+            <a:endParaRPr lang="nl-BE" dirty="0">
               <a:sym typeface="Wingdings" panose="05000000000000000000" pitchFamily="2" charset="2"/>
             </a:endParaRPr>
           </a:p>
           <a:p>
-            <a:endParaRPr lang="en-US" dirty="0" smtClean="0">
+            <a:pPr lvl="1"/>
+            <a:r>
+              <a:rPr lang="nl-BE" dirty="0">
+                <a:sym typeface="Wingdings" panose="05000000000000000000" pitchFamily="2" charset="2"/>
+              </a:rPr>
+              <a:t> </a:t>
+            </a:r>
+            <a:r>
+              <a:rPr lang="nl-BE" dirty="0" err="1">
+                <a:sym typeface="Wingdings" panose="05000000000000000000" pitchFamily="2" charset="2"/>
+              </a:rPr>
+              <a:t>convolve</a:t>
+            </a:r>
+            <a:r>
+              <a:rPr lang="nl-BE" dirty="0">
+                <a:sym typeface="Wingdings" panose="05000000000000000000" pitchFamily="2" charset="2"/>
+              </a:rPr>
+              <a:t> no </a:t>
+            </a:r>
+            <a:r>
+              <a:rPr lang="nl-BE" dirty="0" err="1">
+                <a:sym typeface="Wingdings" panose="05000000000000000000" pitchFamily="2" charset="2"/>
+              </a:rPr>
+              <a:t>longer</a:t>
+            </a:r>
+            <a:r>
+              <a:rPr lang="nl-BE" dirty="0">
+                <a:sym typeface="Wingdings" panose="05000000000000000000" pitchFamily="2" charset="2"/>
+              </a:rPr>
+              <a:t> bottleneck</a:t>
+            </a:r>
+          </a:p>
+          <a:p>
+            <a:endParaRPr lang="nl-BE" dirty="0">
               <a:sym typeface="Wingdings" panose="05000000000000000000" pitchFamily="2" charset="2"/>
             </a:endParaRPr>
           </a:p>
           <a:p>
+            <a:endParaRPr lang="nl-BE" dirty="0">
+              <a:sym typeface="Wingdings" panose="05000000000000000000" pitchFamily="2" charset="2"/>
+            </a:endParaRPr>
+          </a:p>
+          <a:p>
             <a:pPr lvl="2"/>
-            <a:endParaRPr lang="en-US" sz="2400" dirty="0" smtClean="0">
+            <a:endParaRPr lang="nl-BE" sz="2400" dirty="0">
               <a:sym typeface="Wingdings" panose="05000000000000000000" pitchFamily="2" charset="2"/>
             </a:endParaRPr>
           </a:p>
@@ -8722,20 +8986,13 @@
     </p:spTree>
     <p:extLst>
       <p:ext uri="{BB962C8B-B14F-4D97-AF65-F5344CB8AC3E}">
-        <p14:creationId xmlns:p14="http://schemas.microsoft.com/office/powerpoint/2010/main" val="1433948986"/>
+        <p14:creationId xmlns:p14="http://schemas.microsoft.com/office/powerpoint/2010/main" val="477094179"/>
       </p:ext>
     </p:extLst>
   </p:cSld>
   <p:clrMapOvr>
     <a:masterClrMapping/>
   </p:clrMapOvr>
-  <p:timing>
-    <p:tnLst>
-      <p:par>
-        <p:cTn id="1" dur="indefinite" restart="never" nodeType="tmRoot"/>
-      </p:par>
-    </p:tnLst>
-  </p:timing>
 </p:sld>
 </file>
 
@@ -8772,15 +9029,15 @@
           <a:lstStyle/>
           <a:p>
             <a:r>
-              <a:rPr lang="nl-BE" dirty="0" smtClean="0"/>
+              <a:rPr lang="nl-BE" dirty="0"/>
               <a:t>DSP-C: </a:t>
             </a:r>
             <a:r>
-              <a:rPr lang="nl-BE" dirty="0" err="1" smtClean="0"/>
+              <a:rPr lang="nl-BE" dirty="0" err="1"/>
               <a:t>helpfull</a:t>
             </a:r>
             <a:r>
-              <a:rPr lang="nl-BE" dirty="0" smtClean="0"/>
+              <a:rPr lang="nl-BE" dirty="0"/>
               <a:t> changes</a:t>
             </a:r>
             <a:endParaRPr lang="en-US" dirty="0"/>
@@ -8803,98 +9060,107 @@
           <a:lstStyle/>
           <a:p>
             <a:r>
-              <a:rPr lang="en-US" dirty="0" smtClean="0"/>
+              <a:rPr lang="en-US" dirty="0"/>
               <a:t>(de)quantize:</a:t>
             </a:r>
           </a:p>
           <a:p>
             <a:pPr lvl="1"/>
             <a:r>
-              <a:rPr lang="nl-BE" dirty="0" err="1" smtClean="0">
+              <a:rPr lang="en-US" dirty="0">
+                <a:sym typeface="Wingdings" panose="05000000000000000000" pitchFamily="2" charset="2"/>
+              </a:rPr>
+              <a:t>Smaller variable types: 42%</a:t>
+            </a:r>
+          </a:p>
+          <a:p>
+            <a:pPr lvl="1"/>
+            <a:r>
+              <a:rPr lang="nl-BE" dirty="0" err="1">
                 <a:sym typeface="Wingdings" panose="05000000000000000000" pitchFamily="2" charset="2"/>
               </a:rPr>
               <a:t>Rewrote</a:t>
             </a:r>
             <a:r>
-              <a:rPr lang="nl-BE" dirty="0" smtClean="0">
+              <a:rPr lang="nl-BE" dirty="0">
                 <a:sym typeface="Wingdings" panose="05000000000000000000" pitchFamily="2" charset="2"/>
               </a:rPr>
               <a:t> </a:t>
             </a:r>
             <a:r>
-              <a:rPr lang="nl-BE" dirty="0" err="1" smtClean="0">
+              <a:rPr lang="nl-BE" dirty="0" err="1">
                 <a:sym typeface="Wingdings" panose="05000000000000000000" pitchFamily="2" charset="2"/>
               </a:rPr>
               <a:t>divisions</a:t>
             </a:r>
             <a:r>
-              <a:rPr lang="nl-BE" dirty="0" smtClean="0">
+              <a:rPr lang="nl-BE" dirty="0">
                 <a:sym typeface="Wingdings" panose="05000000000000000000" pitchFamily="2" charset="2"/>
               </a:rPr>
               <a:t>:  38,5% on (de)</a:t>
             </a:r>
             <a:r>
-              <a:rPr lang="nl-BE" dirty="0" err="1" smtClean="0">
+              <a:rPr lang="nl-BE" dirty="0" err="1">
                 <a:sym typeface="Wingdings" panose="05000000000000000000" pitchFamily="2" charset="2"/>
               </a:rPr>
               <a:t>quantize</a:t>
             </a:r>
-            <a:endParaRPr lang="nl-BE" dirty="0" smtClean="0">
+            <a:endParaRPr lang="nl-BE" dirty="0">
               <a:sym typeface="Wingdings" panose="05000000000000000000" pitchFamily="2" charset="2"/>
             </a:endParaRPr>
           </a:p>
           <a:p>
             <a:pPr lvl="2"/>
             <a:r>
-              <a:rPr lang="nl-BE" dirty="0" err="1" smtClean="0">
+              <a:rPr lang="nl-BE" dirty="0" err="1">
                 <a:sym typeface="Wingdings" panose="05000000000000000000" pitchFamily="2" charset="2"/>
               </a:rPr>
               <a:t>Binary</a:t>
             </a:r>
             <a:r>
-              <a:rPr lang="nl-BE" dirty="0" smtClean="0">
+              <a:rPr lang="nl-BE" dirty="0">
                 <a:sym typeface="Wingdings" panose="05000000000000000000" pitchFamily="2" charset="2"/>
               </a:rPr>
               <a:t>/</a:t>
             </a:r>
             <a:r>
-              <a:rPr lang="nl-BE" dirty="0" err="1" smtClean="0">
+              <a:rPr lang="nl-BE" dirty="0" err="1">
                 <a:sym typeface="Wingdings" panose="05000000000000000000" pitchFamily="2" charset="2"/>
               </a:rPr>
               <a:t>linear</a:t>
             </a:r>
-            <a:endParaRPr lang="nl-BE" dirty="0" smtClean="0">
+            <a:endParaRPr lang="nl-BE" dirty="0">
               <a:sym typeface="Wingdings" panose="05000000000000000000" pitchFamily="2" charset="2"/>
             </a:endParaRPr>
           </a:p>
           <a:p>
             <a:pPr lvl="1"/>
             <a:r>
-              <a:rPr lang="nl-BE" dirty="0" smtClean="0">
+              <a:rPr lang="nl-BE" dirty="0">
                 <a:sym typeface="Wingdings" panose="05000000000000000000" pitchFamily="2" charset="2"/>
               </a:rPr>
               <a:t> </a:t>
             </a:r>
             <a:r>
-              <a:rPr lang="nl-BE" dirty="0" err="1" smtClean="0">
+              <a:rPr lang="nl-BE" dirty="0" err="1">
                 <a:sym typeface="Wingdings" panose="05000000000000000000" pitchFamily="2" charset="2"/>
               </a:rPr>
               <a:t>eliminates</a:t>
             </a:r>
             <a:r>
-              <a:rPr lang="nl-BE" dirty="0" smtClean="0">
+              <a:rPr lang="nl-BE" dirty="0">
                 <a:sym typeface="Wingdings" panose="05000000000000000000" pitchFamily="2" charset="2"/>
               </a:rPr>
               <a:t> </a:t>
             </a:r>
             <a:r>
-              <a:rPr lang="nl-BE" dirty="0" err="1" smtClean="0">
+              <a:rPr lang="nl-BE" dirty="0" err="1">
                 <a:sym typeface="Wingdings" panose="05000000000000000000" pitchFamily="2" charset="2"/>
               </a:rPr>
               <a:t>function</a:t>
             </a:r>
             <a:r>
-              <a:rPr lang="nl-BE" dirty="0" smtClean="0">
+              <a:rPr lang="nl-BE" dirty="0">
                 <a:sym typeface="Wingdings" panose="05000000000000000000" pitchFamily="2" charset="2"/>
               </a:rPr>
               <a:t> calls</a:t>
@@ -8903,100 +9169,81 @@
           <a:p>
             <a:pPr lvl="1"/>
             <a:r>
-              <a:rPr lang="nl-BE" dirty="0" smtClean="0">
+              <a:rPr lang="nl-BE" dirty="0">
                 <a:sym typeface="Wingdings" panose="05000000000000000000" pitchFamily="2" charset="2"/>
               </a:rPr>
               <a:t>Hypothesis: </a:t>
             </a:r>
             <a:r>
-              <a:rPr lang="nl-BE" dirty="0" err="1" smtClean="0">
+              <a:rPr lang="nl-BE" dirty="0" err="1">
                 <a:sym typeface="Wingdings" panose="05000000000000000000" pitchFamily="2" charset="2"/>
               </a:rPr>
               <a:t>enables</a:t>
             </a:r>
             <a:r>
-              <a:rPr lang="nl-BE" dirty="0" smtClean="0">
+              <a:rPr lang="nl-BE" dirty="0">
                 <a:sym typeface="Wingdings" panose="05000000000000000000" pitchFamily="2" charset="2"/>
               </a:rPr>
               <a:t> software pipelining of </a:t>
             </a:r>
             <a:r>
-              <a:rPr lang="nl-BE" dirty="0" err="1" smtClean="0">
+              <a:rPr lang="nl-BE" dirty="0" err="1">
                 <a:sym typeface="Wingdings" panose="05000000000000000000" pitchFamily="2" charset="2"/>
               </a:rPr>
               <a:t>outer</a:t>
             </a:r>
             <a:r>
-              <a:rPr lang="nl-BE" dirty="0" smtClean="0">
+              <a:rPr lang="nl-BE" dirty="0">
                 <a:sym typeface="Wingdings" panose="05000000000000000000" pitchFamily="2" charset="2"/>
               </a:rPr>
               <a:t> loop</a:t>
             </a:r>
           </a:p>
           <a:p>
-            <a:pPr lvl="2"/>
-            <a:endParaRPr lang="en-US" dirty="0" smtClean="0">
+            <a:pPr lvl="1"/>
+            <a:endParaRPr lang="en-US" sz="2800" dirty="0">
               <a:sym typeface="Wingdings" panose="05000000000000000000" pitchFamily="2" charset="2"/>
             </a:endParaRPr>
           </a:p>
           <a:p>
-            <a:endParaRPr lang="en-US" dirty="0" smtClean="0">
+            <a:pPr lvl="3"/>
+            <a:endParaRPr lang="en-US" dirty="0">
               <a:sym typeface="Wingdings" panose="05000000000000000000" pitchFamily="2" charset="2"/>
             </a:endParaRPr>
           </a:p>
           <a:p>
             <a:pPr lvl="2"/>
-            <a:endParaRPr lang="en-US" sz="2400" dirty="0" smtClean="0">
+            <a:endParaRPr lang="en-US" dirty="0">
               <a:sym typeface="Wingdings" panose="05000000000000000000" pitchFamily="2" charset="2"/>
             </a:endParaRPr>
           </a:p>
           <a:p>
+            <a:endParaRPr lang="en-US" dirty="0">
+              <a:sym typeface="Wingdings" panose="05000000000000000000" pitchFamily="2" charset="2"/>
+            </a:endParaRPr>
+          </a:p>
+          <a:p>
+            <a:pPr lvl="2"/>
+            <a:endParaRPr lang="en-US" sz="2400" dirty="0">
+              <a:sym typeface="Wingdings" panose="05000000000000000000" pitchFamily="2" charset="2"/>
+            </a:endParaRPr>
+          </a:p>
+          <a:p>
             <a:pPr lvl="2"/>
             <a:endParaRPr lang="en-US" dirty="0"/>
           </a:p>
         </p:txBody>
       </p:sp>
-      <p:pic>
-        <p:nvPicPr>
-          <p:cNvPr id="4" name="Picture 3"/>
-          <p:cNvPicPr>
-            <a:picLocks noChangeAspect="1"/>
-          </p:cNvPicPr>
-          <p:nvPr/>
-        </p:nvPicPr>
-        <p:blipFill>
-          <a:blip r:embed="rId3"/>
-          <a:stretch>
-            <a:fillRect/>
-          </a:stretch>
-        </p:blipFill>
-        <p:spPr>
-          <a:xfrm>
-            <a:off x="1196497" y="3563999"/>
-            <a:ext cx="7021006" cy="3198850"/>
-          </a:xfrm>
-          <a:prstGeom prst="rect">
-            <a:avLst/>
-          </a:prstGeom>
-        </p:spPr>
-      </p:pic>
     </p:spTree>
     <p:extLst>
       <p:ext uri="{BB962C8B-B14F-4D97-AF65-F5344CB8AC3E}">
-        <p14:creationId xmlns:p14="http://schemas.microsoft.com/office/powerpoint/2010/main" val="1188308011"/>
+        <p14:creationId xmlns:p14="http://schemas.microsoft.com/office/powerpoint/2010/main" val="1433948986"/>
       </p:ext>
     </p:extLst>
   </p:cSld>
   <p:clrMapOvr>
     <a:masterClrMapping/>
   </p:clrMapOvr>
-  <p:timing>
-    <p:tnLst>
-      <p:par>
-        <p:cTn id="1" dur="indefinite" restart="never" nodeType="tmRoot"/>
-      </p:par>
-    </p:tnLst>
-  </p:timing>
 </p:sld>
 </file>
 
@@ -9033,21 +9280,106 @@
           <a:lstStyle/>
           <a:p>
             <a:r>
-              <a:rPr lang="nl-BE" dirty="0" smtClean="0"/>
+              <a:rPr lang="nl-BE" dirty="0"/>
               <a:t>DSP-C: </a:t>
             </a:r>
             <a:r>
-              <a:rPr lang="nl-BE" dirty="0" err="1" smtClean="0"/>
+              <a:rPr lang="nl-BE" dirty="0" err="1"/>
               <a:t>helpfull</a:t>
             </a:r>
             <a:r>
-              <a:rPr lang="nl-BE" dirty="0" smtClean="0"/>
+              <a:rPr lang="nl-BE" dirty="0"/>
               <a:t> changes</a:t>
             </a:r>
             <a:endParaRPr lang="en-US" dirty="0"/>
           </a:p>
         </p:txBody>
       </p:sp>
+      <p:pic>
+        <p:nvPicPr>
+          <p:cNvPr id="4" name="Picture 3"/>
+          <p:cNvPicPr>
+            <a:picLocks noChangeAspect="1"/>
+          </p:cNvPicPr>
+          <p:nvPr/>
+        </p:nvPicPr>
+        <p:blipFill>
+          <a:blip r:embed="rId3"/>
+          <a:stretch>
+            <a:fillRect/>
+          </a:stretch>
+        </p:blipFill>
+        <p:spPr>
+          <a:xfrm>
+            <a:off x="178260" y="1313169"/>
+            <a:ext cx="8850864" cy="4032554"/>
+          </a:xfrm>
+          <a:prstGeom prst="rect">
+            <a:avLst/>
+          </a:prstGeom>
+        </p:spPr>
+      </p:pic>
+    </p:spTree>
+    <p:extLst>
+      <p:ext uri="{BB962C8B-B14F-4D97-AF65-F5344CB8AC3E}">
+        <p14:creationId xmlns:p14="http://schemas.microsoft.com/office/powerpoint/2010/main" val="1188308011"/>
+      </p:ext>
+    </p:extLst>
+  </p:cSld>
+  <p:clrMapOvr>
+    <a:masterClrMapping/>
+  </p:clrMapOvr>
+</p:sld>
+</file>
+
+<file path=ppt/slides/slide17.xml><?xml version="1.0" encoding="utf-8"?>
+<p:sld xmlns:a="http://schemas.openxmlformats.org/drawingml/2006/main" xmlns:r="http://schemas.openxmlformats.org/officeDocument/2006/relationships" xmlns:p="http://schemas.openxmlformats.org/presentationml/2006/main">
+  <p:cSld>
+    <p:spTree>
+      <p:nvGrpSpPr>
+        <p:cNvPr id="1" name=""/>
+        <p:cNvGrpSpPr/>
+        <p:nvPr/>
+      </p:nvGrpSpPr>
+      <p:grpSpPr>
+        <a:xfrm>
+          <a:off x="0" y="0"/>
+          <a:ext cx="0" cy="0"/>
+          <a:chOff x="0" y="0"/>
+          <a:chExt cx="0" cy="0"/>
+        </a:xfrm>
+      </p:grpSpPr>
+      <p:sp>
+        <p:nvSpPr>
+          <p:cNvPr id="2" name="Title 1"/>
+          <p:cNvSpPr>
+            <a:spLocks noGrp="1"/>
+          </p:cNvSpPr>
+          <p:nvPr>
+            <p:ph type="title"/>
+          </p:nvPr>
+        </p:nvSpPr>
+        <p:spPr/>
+        <p:txBody>
+          <a:bodyPr/>
+          <a:lstStyle/>
+          <a:p>
+            <a:r>
+              <a:rPr lang="nl-BE" dirty="0"/>
+              <a:t>DSP-C: </a:t>
+            </a:r>
+            <a:r>
+              <a:rPr lang="nl-BE" dirty="0" err="1"/>
+              <a:t>helpfull</a:t>
+            </a:r>
+            <a:r>
+              <a:rPr lang="nl-BE" dirty="0"/>
+              <a:t> changes</a:t>
+            </a:r>
+            <a:endParaRPr lang="en-US" dirty="0"/>
+          </a:p>
+        </p:txBody>
+      </p:sp>
       <p:sp>
         <p:nvSpPr>
           <p:cNvPr id="3" name="Content Placeholder 2"/>
@@ -9064,139 +9396,141 @@
           <a:lstStyle/>
           <a:p>
             <a:r>
-              <a:rPr lang="en-US" dirty="0" smtClean="0"/>
+              <a:rPr lang="en-US" dirty="0"/>
               <a:t>Convolve:</a:t>
             </a:r>
           </a:p>
           <a:p>
             <a:pPr lvl="1"/>
             <a:r>
-              <a:rPr lang="nl-BE" dirty="0" err="1" smtClean="0">
+              <a:rPr lang="nl-BE" dirty="0" err="1">
                 <a:sym typeface="Wingdings" panose="05000000000000000000" pitchFamily="2" charset="2"/>
               </a:rPr>
               <a:t>Division</a:t>
             </a:r>
             <a:r>
-              <a:rPr lang="nl-BE" dirty="0" smtClean="0">
+              <a:rPr lang="nl-BE" dirty="0">
                 <a:sym typeface="Wingdings" panose="05000000000000000000" pitchFamily="2" charset="2"/>
               </a:rPr>
               <a:t> as shift:  46% on </a:t>
             </a:r>
             <a:r>
-              <a:rPr lang="nl-BE" dirty="0" err="1" smtClean="0">
+              <a:rPr lang="nl-BE" dirty="0" err="1">
                 <a:sym typeface="Wingdings" panose="05000000000000000000" pitchFamily="2" charset="2"/>
               </a:rPr>
               <a:t>convolve</a:t>
             </a:r>
-            <a:endParaRPr lang="nl-BE" dirty="0" smtClean="0">
+            <a:endParaRPr lang="nl-BE" dirty="0">
               <a:sym typeface="Wingdings" panose="05000000000000000000" pitchFamily="2" charset="2"/>
             </a:endParaRPr>
           </a:p>
           <a:p>
+            <a:pPr marL="359637" lvl="1" indent="0">
+              <a:buNone/>
+            </a:pPr>
+            <a:r>
+              <a:rPr lang="nl-BE" dirty="0">
+                <a:sym typeface="Wingdings" panose="05000000000000000000" pitchFamily="2" charset="2"/>
+              </a:rPr>
+              <a:t>	 </a:t>
+            </a:r>
+            <a:r>
+              <a:rPr lang="nl-BE" dirty="0" err="1">
+                <a:sym typeface="Wingdings" panose="05000000000000000000" pitchFamily="2" charset="2"/>
+              </a:rPr>
+              <a:t>eliminates</a:t>
+            </a:r>
+            <a:r>
+              <a:rPr lang="nl-BE" dirty="0">
+                <a:sym typeface="Wingdings" panose="05000000000000000000" pitchFamily="2" charset="2"/>
+              </a:rPr>
+              <a:t> </a:t>
+            </a:r>
+            <a:r>
+              <a:rPr lang="nl-BE" dirty="0" err="1">
+                <a:sym typeface="Wingdings" panose="05000000000000000000" pitchFamily="2" charset="2"/>
+              </a:rPr>
+              <a:t>function</a:t>
+            </a:r>
+            <a:r>
+              <a:rPr lang="nl-BE" dirty="0">
+                <a:sym typeface="Wingdings" panose="05000000000000000000" pitchFamily="2" charset="2"/>
+              </a:rPr>
+              <a:t> call</a:t>
+            </a:r>
+          </a:p>
+          <a:p>
             <a:pPr lvl="1"/>
             <a:r>
-              <a:rPr lang="nl-BE" dirty="0" smtClean="0">
-                <a:sym typeface="Wingdings" panose="05000000000000000000" pitchFamily="2" charset="2"/>
-              </a:rPr>
-              <a:t> </a:t>
-            </a:r>
-            <a:r>
-              <a:rPr lang="nl-BE" dirty="0" err="1" smtClean="0">
-                <a:sym typeface="Wingdings" panose="05000000000000000000" pitchFamily="2" charset="2"/>
-              </a:rPr>
-              <a:t>eliminates</a:t>
-            </a:r>
-            <a:r>
-              <a:rPr lang="nl-BE" dirty="0" smtClean="0">
+              <a:rPr lang="nl-BE" dirty="0">
+                <a:sym typeface="Wingdings" panose="05000000000000000000" pitchFamily="2" charset="2"/>
+              </a:rPr>
+              <a:t>Original:</a:t>
+            </a:r>
+          </a:p>
+          <a:p>
+            <a:pPr lvl="2"/>
+            <a:r>
+              <a:rPr lang="nl-BE" dirty="0" err="1">
+                <a:sym typeface="Wingdings" panose="05000000000000000000" pitchFamily="2" charset="2"/>
+              </a:rPr>
+              <a:t>Division</a:t>
+            </a:r>
+            <a:r>
+              <a:rPr lang="nl-BE" dirty="0">
                 <a:sym typeface="Wingdings" panose="05000000000000000000" pitchFamily="2" charset="2"/>
               </a:rPr>
               <a:t> </a:t>
             </a:r>
             <a:r>
-              <a:rPr lang="nl-BE" dirty="0" err="1" smtClean="0">
-                <a:sym typeface="Wingdings" panose="05000000000000000000" pitchFamily="2" charset="2"/>
-              </a:rPr>
-              <a:t>function</a:t>
-            </a:r>
-            <a:r>
-              <a:rPr lang="nl-BE" dirty="0" smtClean="0">
-                <a:sym typeface="Wingdings" panose="05000000000000000000" pitchFamily="2" charset="2"/>
-              </a:rPr>
-              <a:t> call</a:t>
-            </a:r>
-          </a:p>
-          <a:p>
-            <a:pPr lvl="1"/>
-            <a:r>
-              <a:rPr lang="nl-BE" dirty="0" smtClean="0">
-                <a:sym typeface="Wingdings" panose="05000000000000000000" pitchFamily="2" charset="2"/>
-              </a:rPr>
-              <a:t>Original:</a:t>
-            </a:r>
-          </a:p>
-          <a:p>
-            <a:pPr lvl="2"/>
-            <a:r>
-              <a:rPr lang="nl-BE" dirty="0" err="1" smtClean="0">
-                <a:sym typeface="Wingdings" panose="05000000000000000000" pitchFamily="2" charset="2"/>
-              </a:rPr>
-              <a:t>Division</a:t>
-            </a:r>
-            <a:r>
-              <a:rPr lang="nl-BE" dirty="0" smtClean="0">
+              <a:rPr lang="nl-BE" dirty="0" err="1">
+                <a:sym typeface="Wingdings" panose="05000000000000000000" pitchFamily="2" charset="2"/>
+              </a:rPr>
+              <a:t>for</a:t>
+            </a:r>
+            <a:r>
+              <a:rPr lang="nl-BE" dirty="0">
                 <a:sym typeface="Wingdings" panose="05000000000000000000" pitchFamily="2" charset="2"/>
               </a:rPr>
               <a:t> </a:t>
             </a:r>
             <a:r>
-              <a:rPr lang="nl-BE" dirty="0" err="1" smtClean="0">
-                <a:sym typeface="Wingdings" panose="05000000000000000000" pitchFamily="2" charset="2"/>
-              </a:rPr>
-              <a:t>for</a:t>
-            </a:r>
-            <a:r>
-              <a:rPr lang="nl-BE" dirty="0" smtClean="0">
+              <a:rPr lang="nl-BE" dirty="0" err="1">
+                <a:sym typeface="Wingdings" panose="05000000000000000000" pitchFamily="2" charset="2"/>
+              </a:rPr>
+              <a:t>roundig</a:t>
+            </a:r>
+            <a:r>
+              <a:rPr lang="nl-BE" dirty="0">
                 <a:sym typeface="Wingdings" panose="05000000000000000000" pitchFamily="2" charset="2"/>
               </a:rPr>
               <a:t> </a:t>
             </a:r>
             <a:r>
-              <a:rPr lang="nl-BE" dirty="0" err="1" smtClean="0">
-                <a:sym typeface="Wingdings" panose="05000000000000000000" pitchFamily="2" charset="2"/>
-              </a:rPr>
-              <a:t>roundig</a:t>
-            </a:r>
-            <a:r>
-              <a:rPr lang="nl-BE" dirty="0" smtClean="0">
-                <a:sym typeface="Wingdings" panose="05000000000000000000" pitchFamily="2" charset="2"/>
-              </a:rPr>
-              <a:t> </a:t>
-            </a:r>
-            <a:r>
-              <a:rPr lang="nl-BE" dirty="0" err="1" smtClean="0">
+              <a:rPr lang="nl-BE" dirty="0" err="1">
                 <a:sym typeface="Wingdings" panose="05000000000000000000" pitchFamily="2" charset="2"/>
               </a:rPr>
               <a:t>to</a:t>
             </a:r>
             <a:r>
-              <a:rPr lang="nl-BE" dirty="0" smtClean="0">
+              <a:rPr lang="nl-BE" dirty="0">
                 <a:sym typeface="Wingdings" panose="05000000000000000000" pitchFamily="2" charset="2"/>
               </a:rPr>
               <a:t> zero</a:t>
             </a:r>
             <a:br>
-              <a:rPr lang="nl-BE" dirty="0" smtClean="0">
+              <a:rPr lang="nl-BE" dirty="0">
                 <a:sym typeface="Wingdings" panose="05000000000000000000" pitchFamily="2" charset="2"/>
               </a:rPr>
             </a:br>
-            <a:endParaRPr lang="nl-BE" dirty="0" smtClean="0">
+            <a:endParaRPr lang="nl-BE" dirty="0">
               <a:sym typeface="Wingdings" panose="05000000000000000000" pitchFamily="2" charset="2"/>
             </a:endParaRPr>
           </a:p>
           <a:p>
             <a:pPr lvl="1"/>
             <a:r>
-              <a:rPr lang="nl-BE" dirty="0" smtClean="0">
+              <a:rPr lang="nl-BE" dirty="0">
                 <a:sym typeface="Wingdings" panose="05000000000000000000" pitchFamily="2" charset="2"/>
               </a:rPr>
               <a:t>New:</a:t>
@@ -9205,89 +9539,89 @@
           <a:p>
             <a:pPr lvl="2"/>
             <a:r>
-              <a:rPr lang="nl-BE" sz="2400" dirty="0" smtClean="0">
+              <a:rPr lang="nl-BE" sz="2400" dirty="0">
                 <a:sym typeface="Wingdings" panose="05000000000000000000" pitchFamily="2" charset="2"/>
               </a:rPr>
               <a:t>Complex </a:t>
             </a:r>
             <a:r>
-              <a:rPr lang="nl-BE" sz="2400" dirty="0" err="1" smtClean="0">
+              <a:rPr lang="nl-BE" sz="2400" dirty="0" err="1">
                 <a:sym typeface="Wingdings" panose="05000000000000000000" pitchFamily="2" charset="2"/>
               </a:rPr>
               <a:t>division</a:t>
             </a:r>
             <a:r>
-              <a:rPr lang="nl-BE" sz="2400" dirty="0" smtClean="0">
+              <a:rPr lang="nl-BE" sz="2400" dirty="0">
                 <a:sym typeface="Wingdings" panose="05000000000000000000" pitchFamily="2" charset="2"/>
               </a:rPr>
               <a:t> as shift </a:t>
             </a:r>
             <a:r>
-              <a:rPr lang="nl-BE" sz="2400" dirty="0" err="1" smtClean="0">
+              <a:rPr lang="nl-BE" sz="2400" dirty="0" err="1">
                 <a:sym typeface="Wingdings" panose="05000000000000000000" pitchFamily="2" charset="2"/>
               </a:rPr>
               <a:t>for</a:t>
             </a:r>
             <a:r>
-              <a:rPr lang="nl-BE" sz="2400" dirty="0" smtClean="0">
+              <a:rPr lang="nl-BE" sz="2400" dirty="0">
                 <a:sym typeface="Wingdings" panose="05000000000000000000" pitchFamily="2" charset="2"/>
               </a:rPr>
               <a:t> </a:t>
             </a:r>
             <a:r>
-              <a:rPr lang="nl-BE" sz="2400" dirty="0" err="1" smtClean="0">
+              <a:rPr lang="nl-BE" sz="2400" dirty="0" err="1">
                 <a:sym typeface="Wingdings" panose="05000000000000000000" pitchFamily="2" charset="2"/>
               </a:rPr>
               <a:t>rounding</a:t>
             </a:r>
             <a:r>
-              <a:rPr lang="nl-BE" sz="2400" dirty="0" smtClean="0">
+              <a:rPr lang="nl-BE" sz="2400" dirty="0">
                 <a:sym typeface="Wingdings" panose="05000000000000000000" pitchFamily="2" charset="2"/>
               </a:rPr>
               <a:t> </a:t>
             </a:r>
             <a:r>
-              <a:rPr lang="nl-BE" sz="2400" dirty="0" err="1" smtClean="0">
+              <a:rPr lang="nl-BE" sz="2400" dirty="0" err="1">
                 <a:sym typeface="Wingdings" panose="05000000000000000000" pitchFamily="2" charset="2"/>
               </a:rPr>
               <a:t>behaviour+speed</a:t>
             </a:r>
-            <a:endParaRPr lang="nl-BE" sz="2400" dirty="0" smtClean="0">
+            <a:endParaRPr lang="nl-BE" sz="2400" dirty="0">
               <a:sym typeface="Wingdings" panose="05000000000000000000" pitchFamily="2" charset="2"/>
             </a:endParaRPr>
           </a:p>
           <a:p>
             <a:pPr lvl="3"/>
-            <a:endParaRPr lang="nl-BE" sz="2400" dirty="0" smtClean="0">
+            <a:endParaRPr lang="nl-BE" sz="2400" dirty="0">
               <a:sym typeface="Wingdings" panose="05000000000000000000" pitchFamily="2" charset="2"/>
             </a:endParaRPr>
           </a:p>
           <a:p>
             <a:pPr lvl="4"/>
-            <a:endParaRPr lang="nl-BE" sz="2400" dirty="0" smtClean="0">
+            <a:endParaRPr lang="nl-BE" sz="2400" dirty="0">
               <a:sym typeface="Wingdings" panose="05000000000000000000" pitchFamily="2" charset="2"/>
             </a:endParaRPr>
           </a:p>
           <a:p>
             <a:pPr lvl="4"/>
-            <a:endParaRPr lang="en-US" sz="2400" dirty="0" smtClean="0">
+            <a:endParaRPr lang="en-US" sz="2400" dirty="0">
               <a:sym typeface="Wingdings" panose="05000000000000000000" pitchFamily="2" charset="2"/>
             </a:endParaRPr>
           </a:p>
           <a:p>
             <a:pPr lvl="2"/>
-            <a:endParaRPr lang="en-US" dirty="0" smtClean="0">
+            <a:endParaRPr lang="en-US" dirty="0">
               <a:sym typeface="Wingdings" panose="05000000000000000000" pitchFamily="2" charset="2"/>
             </a:endParaRPr>
           </a:p>
           <a:p>
-            <a:endParaRPr lang="en-US" dirty="0" smtClean="0">
+            <a:endParaRPr lang="en-US" dirty="0">
               <a:sym typeface="Wingdings" panose="05000000000000000000" pitchFamily="2" charset="2"/>
             </a:endParaRPr>
           </a:p>
           <a:p>
             <a:pPr lvl="2"/>
-            <a:endParaRPr lang="en-US" sz="2400" dirty="0" smtClean="0">
+            <a:endParaRPr lang="en-US" sz="2400" dirty="0">
               <a:sym typeface="Wingdings" panose="05000000000000000000" pitchFamily="2" charset="2"/>
             </a:endParaRPr>
           </a:p>
@@ -9355,247 +9689,6 @@
   <p:clrMapOvr>
     <a:masterClrMapping/>
   </p:clrMapOvr>
-  <p:timing>
-    <p:tnLst>
-      <p:par>
-        <p:cTn id="1" dur="indefinite" restart="never" nodeType="tmRoot"/>
-      </p:par>
-    </p:tnLst>
-  </p:timing>
-</p:sld>
-</file>
-
-<file path=ppt/slides/slide17.xml><?xml version="1.0" encoding="utf-8"?>
-<p:sld xmlns:a="http://schemas.openxmlformats.org/drawingml/2006/main" xmlns:r="http://schemas.openxmlformats.org/officeDocument/2006/relationships" xmlns:p="http://schemas.openxmlformats.org/presentationml/2006/main">
-  <p:cSld>
-    <p:spTree>
-      <p:nvGrpSpPr>
-        <p:cNvPr id="1" name=""/>
-        <p:cNvGrpSpPr/>
-        <p:nvPr/>
-      </p:nvGrpSpPr>
-      <p:grpSpPr>
-        <a:xfrm>
-          <a:off x="0" y="0"/>
-          <a:ext cx="0" cy="0"/>
-          <a:chOff x="0" y="0"/>
-          <a:chExt cx="0" cy="0"/>
-        </a:xfrm>
-      </p:grpSpPr>
-      <p:sp>
-        <p:nvSpPr>
-          <p:cNvPr id="2" name="Title 1"/>
-          <p:cNvSpPr>
-            <a:spLocks noGrp="1"/>
-          </p:cNvSpPr>
-          <p:nvPr>
-            <p:ph type="title"/>
-          </p:nvPr>
-        </p:nvSpPr>
-        <p:spPr/>
-        <p:txBody>
-          <a:bodyPr/>
-          <a:lstStyle/>
-          <a:p>
-            <a:r>
-              <a:rPr lang="nl-BE" dirty="0" smtClean="0"/>
-              <a:t>DSP-C: </a:t>
-            </a:r>
-            <a:r>
-              <a:rPr lang="nl-BE" dirty="0" err="1" smtClean="0"/>
-              <a:t>helpfull</a:t>
-            </a:r>
-            <a:r>
-              <a:rPr lang="nl-BE" dirty="0" smtClean="0"/>
-              <a:t> changes</a:t>
-            </a:r>
-            <a:endParaRPr lang="en-US" dirty="0"/>
-          </a:p>
-        </p:txBody>
-      </p:sp>
-      <p:sp>
-        <p:nvSpPr>
-          <p:cNvPr id="3" name="Content Placeholder 2"/>
-          <p:cNvSpPr>
-            <a:spLocks noGrp="1"/>
-          </p:cNvSpPr>
-          <p:nvPr>
-            <p:ph idx="1"/>
-          </p:nvPr>
-        </p:nvSpPr>
-        <p:spPr/>
-        <p:txBody>
-          <a:bodyPr/>
-          <a:lstStyle/>
-          <a:p>
-            <a:r>
-              <a:rPr lang="en-US" dirty="0" smtClean="0"/>
-              <a:t>Convolve:</a:t>
-            </a:r>
-          </a:p>
-          <a:p>
-            <a:pPr lvl="2"/>
-            <a:r>
-              <a:rPr lang="nl-BE" sz="2400" strike="sngStrike" dirty="0" smtClean="0">
-                <a:sym typeface="Wingdings" panose="05000000000000000000" pitchFamily="2" charset="2"/>
-              </a:rPr>
-              <a:t>Modulo in output index</a:t>
-            </a:r>
-            <a:r>
-              <a:rPr lang="nl-BE" sz="2400" dirty="0" smtClean="0">
-                <a:sym typeface="Wingdings" panose="05000000000000000000" pitchFamily="2" charset="2"/>
-              </a:rPr>
-              <a:t>:  11% on </a:t>
-            </a:r>
-            <a:r>
-              <a:rPr lang="nl-BE" sz="2400" dirty="0" err="1" smtClean="0">
-                <a:sym typeface="Wingdings" panose="05000000000000000000" pitchFamily="2" charset="2"/>
-              </a:rPr>
-              <a:t>convolve</a:t>
-            </a:r>
-            <a:endParaRPr lang="nl-BE" sz="2400" dirty="0" smtClean="0">
-              <a:sym typeface="Wingdings" panose="05000000000000000000" pitchFamily="2" charset="2"/>
-            </a:endParaRPr>
-          </a:p>
-          <a:p>
-            <a:r>
-              <a:rPr lang="nl-BE" dirty="0" smtClean="0">
-                <a:sym typeface="Wingdings" panose="05000000000000000000" pitchFamily="2" charset="2"/>
-              </a:rPr>
-              <a:t>Combine:</a:t>
-            </a:r>
-          </a:p>
-          <a:p>
-            <a:pPr lvl="1"/>
-            <a:r>
-              <a:rPr lang="nl-BE" dirty="0" smtClean="0">
-                <a:sym typeface="Wingdings" panose="05000000000000000000" pitchFamily="2" charset="2"/>
-              </a:rPr>
-              <a:t>Modulo in indices: 68% on these 2 </a:t>
-            </a:r>
-            <a:r>
-              <a:rPr lang="nl-BE" dirty="0" err="1" smtClean="0">
-                <a:sym typeface="Wingdings" panose="05000000000000000000" pitchFamily="2" charset="2"/>
-              </a:rPr>
-              <a:t>functions</a:t>
-            </a:r>
-            <a:endParaRPr lang="nl-BE" dirty="0" smtClean="0">
-              <a:sym typeface="Wingdings" panose="05000000000000000000" pitchFamily="2" charset="2"/>
-            </a:endParaRPr>
-          </a:p>
-          <a:p>
-            <a:r>
-              <a:rPr lang="nl-BE" dirty="0" err="1" smtClean="0">
-                <a:sym typeface="Wingdings" panose="05000000000000000000" pitchFamily="2" charset="2"/>
-              </a:rPr>
-              <a:t>Rewriting</a:t>
-            </a:r>
-            <a:r>
-              <a:rPr lang="nl-BE" dirty="0" smtClean="0">
-                <a:sym typeface="Wingdings" panose="05000000000000000000" pitchFamily="2" charset="2"/>
-              </a:rPr>
-              <a:t> </a:t>
-            </a:r>
-            <a:r>
-              <a:rPr lang="nl-BE" dirty="0" err="1" smtClean="0">
-                <a:sym typeface="Wingdings" panose="05000000000000000000" pitchFamily="2" charset="2"/>
-              </a:rPr>
-              <a:t>divisions</a:t>
-            </a:r>
-            <a:r>
-              <a:rPr lang="nl-BE" dirty="0">
-                <a:sym typeface="Wingdings" panose="05000000000000000000" pitchFamily="2" charset="2"/>
-              </a:rPr>
-              <a:t> </a:t>
-            </a:r>
-            <a:r>
-              <a:rPr lang="nl-BE" dirty="0" smtClean="0">
-                <a:sym typeface="Wingdings" panose="05000000000000000000" pitchFamily="2" charset="2"/>
-              </a:rPr>
-              <a:t>+ </a:t>
-            </a:r>
-            <a:r>
-              <a:rPr lang="nl-BE" strike="sngStrike" dirty="0" err="1" smtClean="0">
-                <a:sym typeface="Wingdings" panose="05000000000000000000" pitchFamily="2" charset="2"/>
-              </a:rPr>
-              <a:t>modulos</a:t>
-            </a:r>
-            <a:r>
-              <a:rPr lang="nl-BE" dirty="0" smtClean="0">
-                <a:sym typeface="Wingdings" panose="05000000000000000000" pitchFamily="2" charset="2"/>
-              </a:rPr>
-              <a:t>: </a:t>
-            </a:r>
-          </a:p>
-          <a:p>
-            <a:pPr lvl="1"/>
-            <a:r>
-              <a:rPr lang="nl-BE" dirty="0" smtClean="0">
-                <a:sym typeface="Wingdings" panose="05000000000000000000" pitchFamily="2" charset="2"/>
-              </a:rPr>
-              <a:t>Overall gain: 39%</a:t>
-            </a:r>
-          </a:p>
-          <a:p>
-            <a:r>
-              <a:rPr lang="nl-BE" dirty="0" smtClean="0">
-                <a:sym typeface="Wingdings" panose="05000000000000000000" pitchFamily="2" charset="2"/>
-              </a:rPr>
-              <a:t> 3,6M</a:t>
-            </a:r>
-          </a:p>
-          <a:p>
-            <a:pPr lvl="3"/>
-            <a:endParaRPr lang="nl-BE" sz="2400" dirty="0" smtClean="0">
-              <a:sym typeface="Wingdings" panose="05000000000000000000" pitchFamily="2" charset="2"/>
-            </a:endParaRPr>
-          </a:p>
-          <a:p>
-            <a:pPr lvl="4"/>
-            <a:endParaRPr lang="en-US" sz="2400" dirty="0" smtClean="0">
-              <a:sym typeface="Wingdings" panose="05000000000000000000" pitchFamily="2" charset="2"/>
-            </a:endParaRPr>
-          </a:p>
-          <a:p>
-            <a:pPr lvl="2"/>
-            <a:endParaRPr lang="en-US" dirty="0" smtClean="0">
-              <a:sym typeface="Wingdings" panose="05000000000000000000" pitchFamily="2" charset="2"/>
-            </a:endParaRPr>
-          </a:p>
-          <a:p>
-            <a:endParaRPr lang="en-US" dirty="0" smtClean="0">
-              <a:sym typeface="Wingdings" panose="05000000000000000000" pitchFamily="2" charset="2"/>
-            </a:endParaRPr>
-          </a:p>
-          <a:p>
-            <a:pPr lvl="2"/>
-            <a:endParaRPr lang="en-US" sz="2400" dirty="0" smtClean="0">
-              <a:sym typeface="Wingdings" panose="05000000000000000000" pitchFamily="2" charset="2"/>
-            </a:endParaRPr>
-          </a:p>
-          <a:p>
-            <a:pPr lvl="2"/>
-            <a:endParaRPr lang="en-US" dirty="0"/>
-          </a:p>
-        </p:txBody>
-      </p:sp>
-    </p:spTree>
-    <p:extLst>
-      <p:ext uri="{BB962C8B-B14F-4D97-AF65-F5344CB8AC3E}">
-        <p14:creationId xmlns:p14="http://schemas.microsoft.com/office/powerpoint/2010/main" val="2906418879"/>
-      </p:ext>
-    </p:extLst>
-  </p:cSld>
-  <p:clrMapOvr>
-    <a:masterClrMapping/>
-  </p:clrMapOvr>
-  <p:timing>
-    <p:tnLst>
-      <p:par>
-        <p:cTn id="1" dur="indefinite" restart="never" nodeType="tmRoot"/>
-      </p:par>
-    </p:tnLst>
-  </p:timing>
 </p:sld>
 </file>
 
@@ -9632,15 +9725,15 @@
           <a:lstStyle/>
           <a:p>
             <a:r>
-              <a:rPr lang="nl-BE" dirty="0" smtClean="0"/>
+              <a:rPr lang="nl-BE" dirty="0"/>
               <a:t>DSP-C: </a:t>
             </a:r>
             <a:r>
-              <a:rPr lang="nl-BE" dirty="0" err="1" smtClean="0"/>
+              <a:rPr lang="nl-BE" dirty="0" err="1"/>
               <a:t>helpfull</a:t>
             </a:r>
             <a:r>
-              <a:rPr lang="nl-BE" dirty="0" smtClean="0"/>
+              <a:rPr lang="nl-BE" dirty="0"/>
               <a:t> changes</a:t>
             </a:r>
             <a:endParaRPr lang="en-US" dirty="0"/>
@@ -9663,354 +9756,205 @@
           <a:lstStyle/>
           <a:p>
             <a:r>
-              <a:rPr lang="nl-BE" dirty="0" smtClean="0">
-                <a:sym typeface="Wingdings" panose="05000000000000000000" pitchFamily="2" charset="2"/>
-              </a:rPr>
-              <a:t>(de)</a:t>
-            </a:r>
-            <a:r>
-              <a:rPr lang="nl-BE" dirty="0" err="1" smtClean="0">
-                <a:sym typeface="Wingdings" panose="05000000000000000000" pitchFamily="2" charset="2"/>
-              </a:rPr>
-              <a:t>quantize</a:t>
-            </a:r>
-            <a:r>
-              <a:rPr lang="nl-BE" dirty="0" smtClean="0">
-                <a:sym typeface="Wingdings" panose="05000000000000000000" pitchFamily="2" charset="2"/>
-              </a:rPr>
-              <a:t>:</a:t>
+              <a:rPr lang="en-US" dirty="0"/>
+              <a:t>Convolve:</a:t>
             </a:r>
           </a:p>
           <a:p>
             <a:pPr lvl="1"/>
             <a:r>
-              <a:rPr lang="nl-BE" dirty="0" smtClean="0">
-                <a:sym typeface="Wingdings" panose="05000000000000000000" pitchFamily="2" charset="2"/>
-              </a:rPr>
-              <a:t>Combine </a:t>
-            </a:r>
-            <a:r>
-              <a:rPr lang="nl-BE" dirty="0" err="1" smtClean="0">
-                <a:sym typeface="Wingdings" panose="05000000000000000000" pitchFamily="2" charset="2"/>
-              </a:rPr>
-              <a:t>left</a:t>
-            </a:r>
-            <a:r>
-              <a:rPr lang="nl-BE" dirty="0" smtClean="0">
-                <a:sym typeface="Wingdings" panose="05000000000000000000" pitchFamily="2" charset="2"/>
-              </a:rPr>
-              <a:t>/right: 11%</a:t>
-            </a:r>
-          </a:p>
-          <a:p>
-            <a:r>
-              <a:rPr lang="nl-BE" dirty="0" smtClean="0">
-                <a:sym typeface="Wingdings" panose="05000000000000000000" pitchFamily="2" charset="2"/>
-              </a:rPr>
-              <a:t> Total </a:t>
-            </a:r>
-            <a:r>
-              <a:rPr lang="nl-BE" dirty="0" err="1" smtClean="0">
-                <a:sym typeface="Wingdings" panose="05000000000000000000" pitchFamily="2" charset="2"/>
-              </a:rPr>
-              <a:t>results</a:t>
-            </a:r>
-            <a:r>
-              <a:rPr lang="nl-BE" dirty="0" smtClean="0">
-                <a:sym typeface="Wingdings" panose="05000000000000000000" pitchFamily="2" charset="2"/>
-              </a:rPr>
-              <a:t>:</a:t>
-            </a:r>
-          </a:p>
-          <a:p>
-            <a:pPr lvl="1"/>
-            <a:r>
-              <a:rPr lang="nl-BE" dirty="0" smtClean="0">
-                <a:sym typeface="Wingdings" panose="05000000000000000000" pitchFamily="2" charset="2"/>
-              </a:rPr>
-              <a:t>Speed-up: 21,8M  3,2M</a:t>
-            </a:r>
-          </a:p>
-          <a:p>
-            <a:pPr lvl="2"/>
-            <a:r>
-              <a:rPr lang="nl-BE" dirty="0" smtClean="0">
-                <a:sym typeface="Wingdings" panose="05000000000000000000" pitchFamily="2" charset="2"/>
-              </a:rPr>
-              <a:t>=85%   or  speed x 6,8</a:t>
-            </a:r>
-          </a:p>
-          <a:p>
-            <a:pPr lvl="2"/>
-            <a:r>
-              <a:rPr lang="nl-BE" dirty="0" err="1" smtClean="0">
-                <a:sym typeface="Wingdings" panose="05000000000000000000" pitchFamily="2" charset="2"/>
-              </a:rPr>
-              <a:t>Including</a:t>
-            </a:r>
-            <a:r>
-              <a:rPr lang="nl-BE" dirty="0" smtClean="0">
-                <a:sym typeface="Wingdings" panose="05000000000000000000" pitchFamily="2" charset="2"/>
-              </a:rPr>
-              <a:t> </a:t>
-            </a:r>
-            <a:r>
-              <a:rPr lang="nl-BE" dirty="0" err="1" smtClean="0">
-                <a:sym typeface="Wingdings" panose="05000000000000000000" pitchFamily="2" charset="2"/>
-              </a:rPr>
-              <a:t>original</a:t>
-            </a:r>
-            <a:r>
-              <a:rPr lang="nl-BE" dirty="0" smtClean="0">
-                <a:sym typeface="Wingdings" panose="05000000000000000000" pitchFamily="2" charset="2"/>
-              </a:rPr>
-              <a:t> x 2: </a:t>
-            </a:r>
-            <a:r>
-              <a:rPr lang="nl-BE" u="sng" dirty="0" smtClean="0">
-                <a:sym typeface="Wingdings" panose="05000000000000000000" pitchFamily="2" charset="2"/>
-              </a:rPr>
-              <a:t>13,6</a:t>
-            </a:r>
-          </a:p>
-          <a:p>
-            <a:r>
-              <a:rPr lang="nl-BE" dirty="0" err="1" smtClean="0">
-                <a:sym typeface="Wingdings" panose="05000000000000000000" pitchFamily="2" charset="2"/>
-              </a:rPr>
-              <a:t>Cheating</a:t>
-            </a:r>
-            <a:r>
-              <a:rPr lang="nl-BE" dirty="0" smtClean="0">
-                <a:sym typeface="Wingdings" panose="05000000000000000000" pitchFamily="2" charset="2"/>
-              </a:rPr>
-              <a:t> (?):</a:t>
-            </a:r>
-          </a:p>
-          <a:p>
-            <a:pPr lvl="1"/>
-            <a:r>
-              <a:rPr lang="nl-BE" dirty="0" smtClean="0">
-                <a:sym typeface="Wingdings" panose="05000000000000000000" pitchFamily="2" charset="2"/>
-              </a:rPr>
-              <a:t>Mono </a:t>
-            </a:r>
-            <a:r>
-              <a:rPr lang="nl-BE" dirty="0" err="1" smtClean="0">
-                <a:sym typeface="Wingdings" panose="05000000000000000000" pitchFamily="2" charset="2"/>
-              </a:rPr>
-              <a:t>implementation</a:t>
-            </a:r>
-            <a:r>
-              <a:rPr lang="nl-BE" dirty="0" smtClean="0">
-                <a:sym typeface="Wingdings" panose="05000000000000000000" pitchFamily="2" charset="2"/>
-              </a:rPr>
-              <a:t>:</a:t>
-            </a:r>
-          </a:p>
-          <a:p>
-            <a:pPr lvl="2"/>
-            <a:r>
-              <a:rPr lang="nl-BE" dirty="0" smtClean="0">
-                <a:sym typeface="Wingdings" panose="05000000000000000000" pitchFamily="2" charset="2"/>
-              </a:rPr>
-              <a:t>As long as mono input: </a:t>
-            </a:r>
-          </a:p>
-          <a:p>
-            <a:pPr lvl="3"/>
-            <a:r>
-              <a:rPr lang="nl-BE" sz="2000" dirty="0" err="1" smtClean="0">
-                <a:sym typeface="Wingdings" panose="05000000000000000000" pitchFamily="2" charset="2"/>
-              </a:rPr>
-              <a:t>quantize</a:t>
-            </a:r>
-            <a:r>
-              <a:rPr lang="nl-BE" sz="2000" dirty="0" smtClean="0">
-                <a:sym typeface="Wingdings" panose="05000000000000000000" pitchFamily="2" charset="2"/>
-              </a:rPr>
-              <a:t> </a:t>
-            </a:r>
-            <a:r>
-              <a:rPr lang="nl-BE" sz="2000" dirty="0" err="1" smtClean="0">
-                <a:sym typeface="Wingdings" panose="05000000000000000000" pitchFamily="2" charset="2"/>
-              </a:rPr>
-              <a:t>and</a:t>
-            </a:r>
-            <a:r>
-              <a:rPr lang="nl-BE" sz="2000" dirty="0" smtClean="0">
-                <a:sym typeface="Wingdings" panose="05000000000000000000" pitchFamily="2" charset="2"/>
-              </a:rPr>
-              <a:t> </a:t>
-            </a:r>
-            <a:r>
-              <a:rPr lang="nl-BE" sz="2000" dirty="0" err="1" smtClean="0">
-                <a:sym typeface="Wingdings" panose="05000000000000000000" pitchFamily="2" charset="2"/>
-              </a:rPr>
-              <a:t>dequantize</a:t>
-            </a:r>
-            <a:r>
-              <a:rPr lang="nl-BE" sz="2000" dirty="0" smtClean="0">
-                <a:sym typeface="Wingdings" panose="05000000000000000000" pitchFamily="2" charset="2"/>
-              </a:rPr>
-              <a:t> </a:t>
-            </a:r>
-            <a:r>
-              <a:rPr lang="nl-BE" sz="2000" dirty="0" err="1" smtClean="0">
-                <a:sym typeface="Wingdings" panose="05000000000000000000" pitchFamily="2" charset="2"/>
-              </a:rPr>
-              <a:t>done</a:t>
-            </a:r>
-            <a:r>
-              <a:rPr lang="nl-BE" sz="2000" dirty="0" smtClean="0">
-                <a:sym typeface="Wingdings" panose="05000000000000000000" pitchFamily="2" charset="2"/>
-              </a:rPr>
-              <a:t> </a:t>
-            </a:r>
-            <a:r>
-              <a:rPr lang="nl-BE" sz="2000" dirty="0" err="1" smtClean="0">
-                <a:sym typeface="Wingdings" panose="05000000000000000000" pitchFamily="2" charset="2"/>
-              </a:rPr>
-              <a:t>once</a:t>
-            </a:r>
-            <a:r>
-              <a:rPr lang="nl-BE" sz="2000" dirty="0" smtClean="0">
-                <a:sym typeface="Wingdings" panose="05000000000000000000" pitchFamily="2" charset="2"/>
-              </a:rPr>
-              <a:t> </a:t>
-            </a:r>
-            <a:r>
-              <a:rPr lang="nl-BE" sz="2000" dirty="0" err="1" smtClean="0">
-                <a:sym typeface="Wingdings" panose="05000000000000000000" pitchFamily="2" charset="2"/>
-              </a:rPr>
-              <a:t>for</a:t>
-            </a:r>
-            <a:r>
-              <a:rPr lang="nl-BE" sz="2000" dirty="0" smtClean="0">
-                <a:sym typeface="Wingdings" panose="05000000000000000000" pitchFamily="2" charset="2"/>
-              </a:rPr>
-              <a:t> </a:t>
-            </a:r>
-            <a:r>
-              <a:rPr lang="nl-BE" sz="2000" dirty="0" err="1" smtClean="0">
-                <a:sym typeface="Wingdings" panose="05000000000000000000" pitchFamily="2" charset="2"/>
-              </a:rPr>
-              <a:t>both</a:t>
-            </a:r>
-            <a:r>
-              <a:rPr lang="nl-BE" sz="2000" dirty="0" smtClean="0">
-                <a:sym typeface="Wingdings" panose="05000000000000000000" pitchFamily="2" charset="2"/>
-              </a:rPr>
-              <a:t> </a:t>
-            </a:r>
-            <a:r>
-              <a:rPr lang="nl-BE" sz="2000" dirty="0" err="1" smtClean="0">
-                <a:sym typeface="Wingdings" panose="05000000000000000000" pitchFamily="2" charset="2"/>
-              </a:rPr>
-              <a:t>channels</a:t>
-            </a:r>
-            <a:endParaRPr lang="nl-BE" sz="2000" dirty="0" smtClean="0">
+              <a:rPr lang="nl-BE" dirty="0" err="1">
+                <a:sym typeface="Wingdings" panose="05000000000000000000" pitchFamily="2" charset="2"/>
+              </a:rPr>
+              <a:t>Removed</a:t>
+            </a:r>
+            <a:r>
+              <a:rPr lang="nl-BE" dirty="0">
+                <a:sym typeface="Wingdings" panose="05000000000000000000" pitchFamily="2" charset="2"/>
+              </a:rPr>
+              <a:t> modulo in output index:  11% on </a:t>
+            </a:r>
+            <a:r>
+              <a:rPr lang="nl-BE" dirty="0" err="1">
+                <a:sym typeface="Wingdings" panose="05000000000000000000" pitchFamily="2" charset="2"/>
+              </a:rPr>
+              <a:t>convolve</a:t>
+            </a:r>
+            <a:endParaRPr lang="nl-BE" dirty="0">
               <a:sym typeface="Wingdings" panose="05000000000000000000" pitchFamily="2" charset="2"/>
             </a:endParaRPr>
           </a:p>
           <a:p>
-            <a:pPr lvl="3"/>
-            <a:r>
-              <a:rPr lang="nl-BE" sz="2000" dirty="0" smtClean="0">
-                <a:sym typeface="Wingdings" panose="05000000000000000000" pitchFamily="2" charset="2"/>
-              </a:rPr>
-              <a:t> 2,7M (16%)</a:t>
-            </a:r>
-          </a:p>
-          <a:p>
-            <a:pPr lvl="3"/>
-            <a:r>
-              <a:rPr lang="nl-BE" sz="2000" dirty="0" smtClean="0">
-                <a:sym typeface="Wingdings" panose="05000000000000000000" pitchFamily="2" charset="2"/>
-              </a:rPr>
-              <a:t>At </a:t>
-            </a:r>
-            <a:r>
-              <a:rPr lang="nl-BE" sz="2000" dirty="0" err="1" smtClean="0">
-                <a:sym typeface="Wingdings" panose="05000000000000000000" pitchFamily="2" charset="2"/>
-              </a:rPr>
-              <a:t>expense</a:t>
-            </a:r>
-            <a:r>
-              <a:rPr lang="nl-BE" sz="2000" dirty="0" smtClean="0">
-                <a:sym typeface="Wingdings" panose="05000000000000000000" pitchFamily="2" charset="2"/>
-              </a:rPr>
-              <a:t> of </a:t>
-            </a:r>
-            <a:r>
-              <a:rPr lang="nl-BE" sz="2000" dirty="0" err="1" smtClean="0">
-                <a:sym typeface="Wingdings" panose="05000000000000000000" pitchFamily="2" charset="2"/>
-              </a:rPr>
-              <a:t>slightly</a:t>
-            </a:r>
-            <a:r>
-              <a:rPr lang="nl-BE" sz="2000" dirty="0" smtClean="0">
-                <a:sym typeface="Wingdings" panose="05000000000000000000" pitchFamily="2" charset="2"/>
-              </a:rPr>
-              <a:t> more code (2%, </a:t>
-            </a:r>
-            <a:r>
-              <a:rPr lang="nl-BE" sz="2000" dirty="0" err="1" smtClean="0">
-                <a:sym typeface="Wingdings" panose="05000000000000000000" pitchFamily="2" charset="2"/>
-              </a:rPr>
-              <a:t>still</a:t>
-            </a:r>
-            <a:r>
-              <a:rPr lang="nl-BE" sz="2000" dirty="0" smtClean="0">
-                <a:sym typeface="Wingdings" panose="05000000000000000000" pitchFamily="2" charset="2"/>
-              </a:rPr>
-              <a:t> in </a:t>
-            </a:r>
-            <a:r>
-              <a:rPr lang="nl-BE" sz="2000" dirty="0" err="1" smtClean="0">
-                <a:sym typeface="Wingdings" panose="05000000000000000000" pitchFamily="2" charset="2"/>
-              </a:rPr>
-              <a:t>available</a:t>
-            </a:r>
-            <a:r>
-              <a:rPr lang="nl-BE" sz="2000" dirty="0" smtClean="0">
-                <a:sym typeface="Wingdings" panose="05000000000000000000" pitchFamily="2" charset="2"/>
-              </a:rPr>
-              <a:t> </a:t>
-            </a:r>
-            <a:r>
-              <a:rPr lang="nl-BE" sz="2000" dirty="0" err="1" smtClean="0">
-                <a:sym typeface="Wingdings" panose="05000000000000000000" pitchFamily="2" charset="2"/>
-              </a:rPr>
-              <a:t>space</a:t>
-            </a:r>
-            <a:r>
-              <a:rPr lang="nl-BE" sz="2000" dirty="0" smtClean="0">
-                <a:sym typeface="Wingdings" panose="05000000000000000000" pitchFamily="2" charset="2"/>
-              </a:rPr>
-              <a:t>)</a:t>
-            </a:r>
-          </a:p>
-          <a:p>
-            <a:pPr lvl="2"/>
-            <a:endParaRPr lang="en-US" sz="2800" dirty="0" smtClean="0">
+            <a:r>
+              <a:rPr lang="nl-BE" dirty="0">
+                <a:sym typeface="Wingdings" panose="05000000000000000000" pitchFamily="2" charset="2"/>
+              </a:rPr>
+              <a:t>Combine:</a:t>
+            </a:r>
+          </a:p>
+          <a:p>
+            <a:pPr lvl="1"/>
+            <a:r>
+              <a:rPr lang="nl-BE" dirty="0" err="1">
+                <a:sym typeface="Wingdings" panose="05000000000000000000" pitchFamily="2" charset="2"/>
+              </a:rPr>
+              <a:t>Removed</a:t>
+            </a:r>
+            <a:r>
+              <a:rPr lang="nl-BE" dirty="0">
+                <a:sym typeface="Wingdings" panose="05000000000000000000" pitchFamily="2" charset="2"/>
+              </a:rPr>
+              <a:t> modulo in indices: 68% on these 2 </a:t>
+            </a:r>
+            <a:r>
+              <a:rPr lang="nl-BE" dirty="0" err="1">
+                <a:sym typeface="Wingdings" panose="05000000000000000000" pitchFamily="2" charset="2"/>
+              </a:rPr>
+              <a:t>functions</a:t>
+            </a:r>
+            <a:endParaRPr lang="nl-BE" dirty="0">
               <a:sym typeface="Wingdings" panose="05000000000000000000" pitchFamily="2" charset="2"/>
             </a:endParaRPr>
           </a:p>
           <a:p>
-            <a:pPr lvl="2"/>
-            <a:endParaRPr lang="en-US" dirty="0" smtClean="0">
+            <a:r>
+              <a:rPr lang="nl-BE" dirty="0" err="1">
+                <a:sym typeface="Wingdings" panose="05000000000000000000" pitchFamily="2" charset="2"/>
+              </a:rPr>
+              <a:t>Rewriting</a:t>
+            </a:r>
+            <a:r>
+              <a:rPr lang="nl-BE" dirty="0">
+                <a:sym typeface="Wingdings" panose="05000000000000000000" pitchFamily="2" charset="2"/>
+              </a:rPr>
+              <a:t> </a:t>
+            </a:r>
+            <a:r>
+              <a:rPr lang="nl-BE" dirty="0" err="1">
+                <a:sym typeface="Wingdings" panose="05000000000000000000" pitchFamily="2" charset="2"/>
+              </a:rPr>
+              <a:t>divisions</a:t>
+            </a:r>
+            <a:r>
+              <a:rPr lang="nl-BE" dirty="0">
+                <a:sym typeface="Wingdings" panose="05000000000000000000" pitchFamily="2" charset="2"/>
+              </a:rPr>
+              <a:t> + </a:t>
+            </a:r>
+            <a:r>
+              <a:rPr lang="nl-BE" dirty="0" err="1">
+                <a:sym typeface="Wingdings" panose="05000000000000000000" pitchFamily="2" charset="2"/>
+              </a:rPr>
+              <a:t>removing</a:t>
+            </a:r>
+            <a:r>
+              <a:rPr lang="nl-BE" dirty="0">
+                <a:sym typeface="Wingdings" panose="05000000000000000000" pitchFamily="2" charset="2"/>
+              </a:rPr>
+              <a:t> </a:t>
+            </a:r>
+            <a:r>
+              <a:rPr lang="nl-BE" dirty="0" err="1">
+                <a:sym typeface="Wingdings" panose="05000000000000000000" pitchFamily="2" charset="2"/>
+              </a:rPr>
+              <a:t>modulos</a:t>
+            </a:r>
+            <a:r>
+              <a:rPr lang="nl-BE" dirty="0">
+                <a:sym typeface="Wingdings" panose="05000000000000000000" pitchFamily="2" charset="2"/>
+              </a:rPr>
+              <a:t>: </a:t>
+            </a:r>
+          </a:p>
+          <a:p>
+            <a:pPr lvl="1"/>
+            <a:r>
+              <a:rPr lang="nl-BE" dirty="0">
+                <a:sym typeface="Wingdings" panose="05000000000000000000" pitchFamily="2" charset="2"/>
+              </a:rPr>
+              <a:t>Overall gain: 39%</a:t>
+            </a:r>
+          </a:p>
+          <a:p>
+            <a:r>
+              <a:rPr lang="nl-BE" dirty="0">
+                <a:sym typeface="Wingdings" panose="05000000000000000000" pitchFamily="2" charset="2"/>
+              </a:rPr>
+              <a:t>(de)</a:t>
+            </a:r>
+            <a:r>
+              <a:rPr lang="nl-BE" dirty="0" err="1">
+                <a:sym typeface="Wingdings" panose="05000000000000000000" pitchFamily="2" charset="2"/>
+              </a:rPr>
+              <a:t>quantize</a:t>
+            </a:r>
+            <a:r>
+              <a:rPr lang="nl-BE" dirty="0">
+                <a:sym typeface="Wingdings" panose="05000000000000000000" pitchFamily="2" charset="2"/>
+              </a:rPr>
+              <a:t>:</a:t>
+            </a:r>
+          </a:p>
+          <a:p>
+            <a:pPr lvl="1"/>
+            <a:r>
+              <a:rPr lang="nl-BE" dirty="0">
+                <a:sym typeface="Wingdings" panose="05000000000000000000" pitchFamily="2" charset="2"/>
+              </a:rPr>
+              <a:t>Combine </a:t>
+            </a:r>
+            <a:r>
+              <a:rPr lang="nl-BE" dirty="0" err="1">
+                <a:sym typeface="Wingdings" panose="05000000000000000000" pitchFamily="2" charset="2"/>
+              </a:rPr>
+              <a:t>left</a:t>
+            </a:r>
+            <a:r>
+              <a:rPr lang="nl-BE" dirty="0">
+                <a:sym typeface="Wingdings" panose="05000000000000000000" pitchFamily="2" charset="2"/>
+              </a:rPr>
+              <a:t>/right: 11%</a:t>
+            </a:r>
+          </a:p>
+          <a:p>
+            <a:r>
+              <a:rPr lang="nl-BE" dirty="0">
+                <a:sym typeface="Wingdings" panose="05000000000000000000" pitchFamily="2" charset="2"/>
+              </a:rPr>
+              <a:t> 3,2M</a:t>
+            </a:r>
+          </a:p>
+          <a:p>
+            <a:endParaRPr lang="nl-BE" dirty="0">
               <a:sym typeface="Wingdings" panose="05000000000000000000" pitchFamily="2" charset="2"/>
             </a:endParaRPr>
           </a:p>
           <a:p>
-            <a:endParaRPr lang="en-US" dirty="0" smtClean="0">
+            <a:pPr lvl="3"/>
+            <a:endParaRPr lang="nl-BE" sz="2400" dirty="0">
               <a:sym typeface="Wingdings" panose="05000000000000000000" pitchFamily="2" charset="2"/>
             </a:endParaRPr>
           </a:p>
           <a:p>
+            <a:pPr lvl="4"/>
+            <a:endParaRPr lang="en-US" sz="2400" dirty="0">
+              <a:sym typeface="Wingdings" panose="05000000000000000000" pitchFamily="2" charset="2"/>
+            </a:endParaRPr>
+          </a:p>
+          <a:p>
             <a:pPr lvl="2"/>
-            <a:endParaRPr lang="en-US" sz="2400" dirty="0" smtClean="0">
+            <a:endParaRPr lang="en-US" dirty="0">
+              <a:sym typeface="Wingdings" panose="05000000000000000000" pitchFamily="2" charset="2"/>
+            </a:endParaRPr>
+          </a:p>
+          <a:p>
+            <a:endParaRPr lang="en-US" dirty="0">
+              <a:sym typeface="Wingdings" panose="05000000000000000000" pitchFamily="2" charset="2"/>
+            </a:endParaRPr>
+          </a:p>
+          <a:p>
+            <a:pPr lvl="2"/>
+            <a:endParaRPr lang="en-US" sz="2400" dirty="0">
               <a:sym typeface="Wingdings" panose="05000000000000000000" pitchFamily="2" charset="2"/>
             </a:endParaRPr>
           </a:p>
@@ -10023,20 +9967,13 @@
     </p:spTree>
     <p:extLst>
       <p:ext uri="{BB962C8B-B14F-4D97-AF65-F5344CB8AC3E}">
-        <p14:creationId xmlns:p14="http://schemas.microsoft.com/office/powerpoint/2010/main" val="3216168168"/>
+        <p14:creationId xmlns:p14="http://schemas.microsoft.com/office/powerpoint/2010/main" val="2906418879"/>
       </p:ext>
     </p:extLst>
   </p:cSld>
   <p:clrMapOvr>
     <a:masterClrMapping/>
   </p:clrMapOvr>
-  <p:timing>
-    <p:tnLst>
-      <p:par>
-        <p:cTn id="1" dur="indefinite" restart="never" nodeType="tmRoot"/>
-      </p:par>
-    </p:tnLst>
-  </p:timing>
 </p:sld>
 </file>
 
@@ -10073,12 +10010,16 @@
           <a:lstStyle/>
           <a:p>
             <a:r>
-              <a:rPr lang="nl-BE" dirty="0" smtClean="0"/>
+              <a:rPr lang="nl-BE" dirty="0"/>
               <a:t>DSP-C: </a:t>
             </a:r>
             <a:r>
-              <a:rPr lang="nl-BE" dirty="0" err="1" smtClean="0"/>
-              <a:t>tested</a:t>
+              <a:rPr lang="nl-BE" dirty="0" err="1"/>
+              <a:t>helpfull</a:t>
+            </a:r>
+            <a:r>
+              <a:rPr lang="nl-BE" dirty="0"/>
+              <a:t> changes</a:t>
             </a:r>
             <a:endParaRPr lang="en-US" dirty="0"/>
           </a:p>
@@ -10100,276 +10041,257 @@
           <a:lstStyle/>
           <a:p>
             <a:r>
-              <a:rPr lang="nl-BE" dirty="0" err="1" smtClean="0"/>
-              <a:t>Hardcoding</a:t>
-            </a:r>
-            <a:r>
-              <a:rPr lang="nl-BE" dirty="0" smtClean="0"/>
-              <a:t> filter </a:t>
-            </a:r>
-            <a:r>
-              <a:rPr lang="nl-BE" dirty="0" err="1" smtClean="0"/>
-              <a:t>coeffs</a:t>
-            </a:r>
-            <a:r>
-              <a:rPr lang="nl-BE" dirty="0" smtClean="0"/>
-              <a:t> in code</a:t>
-            </a:r>
-          </a:p>
-          <a:p>
-            <a:r>
-              <a:rPr lang="nl-BE" dirty="0" err="1" smtClean="0"/>
-              <a:t>Looked</a:t>
-            </a:r>
-            <a:r>
-              <a:rPr lang="nl-BE" dirty="0" smtClean="0"/>
+              <a:rPr lang="nl-BE" dirty="0">
+                <a:sym typeface="Wingdings" panose="05000000000000000000" pitchFamily="2" charset="2"/>
+              </a:rPr>
+              <a:t> Total </a:t>
+            </a:r>
+            <a:r>
+              <a:rPr lang="nl-BE" dirty="0" err="1">
+                <a:sym typeface="Wingdings" panose="05000000000000000000" pitchFamily="2" charset="2"/>
+              </a:rPr>
+              <a:t>results</a:t>
+            </a:r>
+            <a:r>
+              <a:rPr lang="nl-BE" dirty="0">
+                <a:sym typeface="Wingdings" panose="05000000000000000000" pitchFamily="2" charset="2"/>
+              </a:rPr>
+              <a:t>:</a:t>
+            </a:r>
+          </a:p>
+          <a:p>
+            <a:pPr lvl="1"/>
+            <a:r>
+              <a:rPr lang="nl-BE" dirty="0">
+                <a:sym typeface="Wingdings" panose="05000000000000000000" pitchFamily="2" charset="2"/>
+              </a:rPr>
+              <a:t>Speed-up: 21,8M  3,2M</a:t>
+            </a:r>
+          </a:p>
+          <a:p>
+            <a:pPr lvl="2"/>
+            <a:r>
+              <a:rPr lang="nl-BE" dirty="0">
+                <a:sym typeface="Wingdings" panose="05000000000000000000" pitchFamily="2" charset="2"/>
+              </a:rPr>
+              <a:t>= 85%   or  speed x 6,8</a:t>
+            </a:r>
+          </a:p>
+          <a:p>
+            <a:pPr lvl="2"/>
+            <a:r>
+              <a:rPr lang="nl-BE" dirty="0" err="1">
+                <a:sym typeface="Wingdings" panose="05000000000000000000" pitchFamily="2" charset="2"/>
+              </a:rPr>
+              <a:t>Including</a:t>
+            </a:r>
+            <a:r>
+              <a:rPr lang="nl-BE" dirty="0">
+                <a:sym typeface="Wingdings" panose="05000000000000000000" pitchFamily="2" charset="2"/>
+              </a:rPr>
               <a:t> </a:t>
             </a:r>
             <a:r>
-              <a:rPr lang="nl-BE" dirty="0" err="1" smtClean="0"/>
-              <a:t>for</a:t>
-            </a:r>
-            <a:r>
-              <a:rPr lang="nl-BE" dirty="0" smtClean="0"/>
+              <a:rPr lang="nl-BE" dirty="0" err="1">
+                <a:sym typeface="Wingdings" panose="05000000000000000000" pitchFamily="2" charset="2"/>
+              </a:rPr>
+              <a:t>original</a:t>
+            </a:r>
+            <a:r>
+              <a:rPr lang="nl-BE" dirty="0">
+                <a:sym typeface="Wingdings" panose="05000000000000000000" pitchFamily="2" charset="2"/>
+              </a:rPr>
+              <a:t> x 2: </a:t>
+            </a:r>
+            <a:r>
+              <a:rPr lang="nl-BE" u="sng" dirty="0">
+                <a:sym typeface="Wingdings" panose="05000000000000000000" pitchFamily="2" charset="2"/>
+              </a:rPr>
+              <a:t>13,6</a:t>
+            </a:r>
+          </a:p>
+          <a:p>
+            <a:r>
+              <a:rPr lang="nl-BE" dirty="0" err="1">
+                <a:sym typeface="Wingdings" panose="05000000000000000000" pitchFamily="2" charset="2"/>
+              </a:rPr>
+              <a:t>Cheating</a:t>
+            </a:r>
+            <a:r>
+              <a:rPr lang="nl-BE" dirty="0">
+                <a:sym typeface="Wingdings" panose="05000000000000000000" pitchFamily="2" charset="2"/>
+              </a:rPr>
+              <a:t> mono input(?):</a:t>
+            </a:r>
+          </a:p>
+          <a:p>
+            <a:pPr lvl="1"/>
+            <a:r>
+              <a:rPr lang="nl-BE" dirty="0">
+                <a:sym typeface="Wingdings" panose="05000000000000000000" pitchFamily="2" charset="2"/>
+              </a:rPr>
+              <a:t>Mono </a:t>
+            </a:r>
+            <a:r>
+              <a:rPr lang="nl-BE" dirty="0" err="1">
+                <a:sym typeface="Wingdings" panose="05000000000000000000" pitchFamily="2" charset="2"/>
+              </a:rPr>
+              <a:t>implementation</a:t>
+            </a:r>
+            <a:r>
+              <a:rPr lang="nl-BE" dirty="0">
+                <a:sym typeface="Wingdings" panose="05000000000000000000" pitchFamily="2" charset="2"/>
+              </a:rPr>
+              <a:t>:</a:t>
+            </a:r>
+          </a:p>
+          <a:p>
+            <a:pPr lvl="2"/>
+            <a:r>
+              <a:rPr lang="nl-BE" dirty="0">
+                <a:sym typeface="Wingdings" panose="05000000000000000000" pitchFamily="2" charset="2"/>
+              </a:rPr>
+              <a:t>As long as input is mono: </a:t>
+            </a:r>
+          </a:p>
+          <a:p>
+            <a:pPr lvl="3"/>
+            <a:r>
+              <a:rPr lang="nl-BE" sz="2000" dirty="0">
+                <a:sym typeface="Wingdings" panose="05000000000000000000" pitchFamily="2" charset="2"/>
+              </a:rPr>
+              <a:t>(de)</a:t>
+            </a:r>
+            <a:r>
+              <a:rPr lang="nl-BE" sz="2000" dirty="0" err="1">
+                <a:sym typeface="Wingdings" panose="05000000000000000000" pitchFamily="2" charset="2"/>
+              </a:rPr>
+              <a:t>quantize</a:t>
+            </a:r>
+            <a:r>
+              <a:rPr lang="nl-BE" sz="2000" dirty="0">
+                <a:sym typeface="Wingdings" panose="05000000000000000000" pitchFamily="2" charset="2"/>
+              </a:rPr>
               <a:t> </a:t>
             </a:r>
             <a:r>
-              <a:rPr lang="nl-BE" dirty="0" err="1" smtClean="0"/>
-              <a:t>intrinsics</a:t>
-            </a:r>
-            <a:r>
-              <a:rPr lang="nl-BE" dirty="0" smtClean="0"/>
-              <a:t>: </a:t>
-            </a:r>
-          </a:p>
-          <a:p>
-            <a:pPr lvl="1"/>
-            <a:r>
-              <a:rPr lang="nl-BE" dirty="0" err="1" smtClean="0"/>
-              <a:t>did</a:t>
-            </a:r>
-            <a:r>
-              <a:rPr lang="nl-BE" dirty="0" smtClean="0"/>
+              <a:rPr lang="nl-BE" sz="2000" dirty="0" err="1">
+                <a:sym typeface="Wingdings" panose="05000000000000000000" pitchFamily="2" charset="2"/>
+              </a:rPr>
+              <a:t>only</a:t>
+            </a:r>
+            <a:r>
+              <a:rPr lang="nl-BE" sz="2000" dirty="0">
+                <a:sym typeface="Wingdings" panose="05000000000000000000" pitchFamily="2" charset="2"/>
+              </a:rPr>
               <a:t> </a:t>
             </a:r>
             <a:r>
-              <a:rPr lang="nl-BE" dirty="0" err="1" smtClean="0"/>
-              <a:t>not</a:t>
-            </a:r>
-            <a:r>
-              <a:rPr lang="nl-BE" dirty="0" smtClean="0"/>
-              <a:t> help:</a:t>
+              <a:rPr lang="nl-BE" sz="2000" dirty="0" err="1">
+                <a:sym typeface="Wingdings" panose="05000000000000000000" pitchFamily="2" charset="2"/>
+              </a:rPr>
+              <a:t>one</a:t>
+            </a:r>
+            <a:r>
+              <a:rPr lang="nl-BE" sz="2000" dirty="0">
+                <a:sym typeface="Wingdings" panose="05000000000000000000" pitchFamily="2" charset="2"/>
+              </a:rPr>
+              <a:t> </a:t>
+            </a:r>
+            <a:r>
+              <a:rPr lang="nl-BE" sz="2000" dirty="0" err="1">
+                <a:sym typeface="Wingdings" panose="05000000000000000000" pitchFamily="2" charset="2"/>
+              </a:rPr>
+              <a:t>channel</a:t>
+            </a:r>
+            <a:r>
+              <a:rPr lang="nl-BE" sz="2000" dirty="0">
+                <a:sym typeface="Wingdings" panose="05000000000000000000" pitchFamily="2" charset="2"/>
+              </a:rPr>
+              <a:t> &amp; copy</a:t>
+            </a:r>
+          </a:p>
+          <a:p>
+            <a:pPr marL="988400" lvl="3" indent="0">
+              <a:buNone/>
+            </a:pPr>
+            <a:r>
+              <a:rPr lang="nl-BE" sz="2000" dirty="0">
+                <a:sym typeface="Wingdings" panose="05000000000000000000" pitchFamily="2" charset="2"/>
+              </a:rPr>
+              <a:t>	 2,7M (16%)</a:t>
+            </a:r>
+          </a:p>
+          <a:p>
+            <a:pPr lvl="3"/>
+            <a:r>
+              <a:rPr lang="nl-BE" sz="2000" dirty="0">
+                <a:sym typeface="Wingdings" panose="05000000000000000000" pitchFamily="2" charset="2"/>
+              </a:rPr>
+              <a:t>At </a:t>
+            </a:r>
+            <a:r>
+              <a:rPr lang="nl-BE" sz="2000" dirty="0" err="1">
+                <a:sym typeface="Wingdings" panose="05000000000000000000" pitchFamily="2" charset="2"/>
+              </a:rPr>
+              <a:t>expense</a:t>
+            </a:r>
+            <a:r>
+              <a:rPr lang="nl-BE" sz="2000" dirty="0">
+                <a:sym typeface="Wingdings" panose="05000000000000000000" pitchFamily="2" charset="2"/>
+              </a:rPr>
+              <a:t> of </a:t>
+            </a:r>
+            <a:r>
+              <a:rPr lang="nl-BE" sz="2000" dirty="0" err="1">
+                <a:sym typeface="Wingdings" panose="05000000000000000000" pitchFamily="2" charset="2"/>
+              </a:rPr>
+              <a:t>slightly</a:t>
+            </a:r>
+            <a:r>
+              <a:rPr lang="nl-BE" sz="2000" dirty="0">
+                <a:sym typeface="Wingdings" panose="05000000000000000000" pitchFamily="2" charset="2"/>
+              </a:rPr>
+              <a:t> more code (2% of </a:t>
+            </a:r>
+            <a:r>
+              <a:rPr lang="nl-BE" sz="2000" dirty="0" err="1">
+                <a:sym typeface="Wingdings" panose="05000000000000000000" pitchFamily="2" charset="2"/>
+              </a:rPr>
+              <a:t>space</a:t>
+            </a:r>
+            <a:r>
+              <a:rPr lang="nl-BE" sz="2000" dirty="0">
+                <a:sym typeface="Wingdings" panose="05000000000000000000" pitchFamily="2" charset="2"/>
+              </a:rPr>
+              <a:t>)</a:t>
             </a:r>
           </a:p>
           <a:p>
             <a:pPr lvl="2"/>
-            <a:r>
-              <a:rPr lang="nl-BE" dirty="0" smtClean="0"/>
-              <a:t>Parallel on </a:t>
-            </a:r>
-            <a:r>
-              <a:rPr lang="nl-BE" dirty="0" err="1" smtClean="0"/>
-              <a:t>on</a:t>
-            </a:r>
-            <a:r>
-              <a:rPr lang="nl-BE" dirty="0" smtClean="0"/>
-              <a:t> </a:t>
-            </a:r>
-            <a:r>
-              <a:rPr lang="nl-BE" dirty="0" err="1" smtClean="0"/>
-              <a:t>cord</a:t>
-            </a:r>
-            <a:r>
-              <a:rPr lang="nl-BE" dirty="0" smtClean="0"/>
-              <a:t> (</a:t>
-            </a:r>
-            <a:r>
-              <a:rPr lang="nl-BE" dirty="0" err="1" smtClean="0"/>
-              <a:t>subword</a:t>
-            </a:r>
-            <a:r>
-              <a:rPr lang="nl-BE" dirty="0" smtClean="0"/>
-              <a:t>) </a:t>
-            </a:r>
-            <a:r>
-              <a:rPr lang="nl-BE" dirty="0" err="1" smtClean="0"/>
-              <a:t>instead</a:t>
-            </a:r>
-            <a:r>
-              <a:rPr lang="nl-BE" dirty="0" smtClean="0"/>
-              <a:t> of on </a:t>
-            </a:r>
-            <a:r>
-              <a:rPr lang="nl-BE" dirty="0" err="1" smtClean="0"/>
-              <a:t>two</a:t>
-            </a:r>
-            <a:r>
-              <a:rPr lang="nl-BE" dirty="0" smtClean="0"/>
-              <a:t> </a:t>
-            </a:r>
-            <a:r>
-              <a:rPr lang="nl-BE" dirty="0" err="1" smtClean="0"/>
-              <a:t>cores</a:t>
-            </a:r>
-            <a:endParaRPr lang="nl-BE" dirty="0" smtClean="0"/>
+            <a:endParaRPr lang="en-US" sz="2800" dirty="0">
+              <a:sym typeface="Wingdings" panose="05000000000000000000" pitchFamily="2" charset="2"/>
+            </a:endParaRPr>
           </a:p>
           <a:p>
             <a:pPr lvl="2"/>
-            <a:r>
-              <a:rPr lang="nl-BE" dirty="0" smtClean="0"/>
-              <a:t>(</a:t>
-            </a:r>
-            <a:r>
-              <a:rPr lang="nl-BE" dirty="0" err="1" smtClean="0"/>
-              <a:t>might</a:t>
-            </a:r>
-            <a:r>
-              <a:rPr lang="nl-BE" dirty="0" smtClean="0"/>
-              <a:t> </a:t>
-            </a:r>
-            <a:r>
-              <a:rPr lang="nl-BE" dirty="0" err="1" smtClean="0"/>
-              <a:t>be</a:t>
-            </a:r>
-            <a:r>
-              <a:rPr lang="nl-BE" dirty="0" smtClean="0"/>
-              <a:t> </a:t>
-            </a:r>
-            <a:r>
-              <a:rPr lang="nl-BE" dirty="0" err="1" smtClean="0"/>
-              <a:t>better</a:t>
-            </a:r>
-            <a:r>
-              <a:rPr lang="nl-BE" dirty="0" smtClean="0"/>
-              <a:t> </a:t>
-            </a:r>
-            <a:r>
-              <a:rPr lang="nl-BE" dirty="0" err="1" smtClean="0"/>
-              <a:t>for</a:t>
-            </a:r>
-            <a:r>
-              <a:rPr lang="nl-BE" dirty="0" smtClean="0"/>
-              <a:t> P </a:t>
-            </a:r>
-            <a:r>
-              <a:rPr lang="nl-BE" dirty="0" err="1" smtClean="0"/>
-              <a:t>though</a:t>
-            </a:r>
-            <a:r>
-              <a:rPr lang="nl-BE" dirty="0" smtClean="0"/>
-              <a:t>)</a:t>
-            </a:r>
-          </a:p>
-          <a:p>
-            <a:r>
-              <a:rPr lang="nl-BE" dirty="0" smtClean="0"/>
-              <a:t>‘</a:t>
-            </a:r>
-            <a:r>
-              <a:rPr lang="nl-BE" dirty="0" err="1" smtClean="0"/>
-              <a:t>near</a:t>
-            </a:r>
-            <a:r>
-              <a:rPr lang="nl-BE" dirty="0" smtClean="0"/>
-              <a:t>’/‘</a:t>
-            </a:r>
-            <a:r>
-              <a:rPr lang="nl-BE" dirty="0" err="1" smtClean="0"/>
-              <a:t>const</a:t>
-            </a:r>
-            <a:r>
-              <a:rPr lang="nl-BE" dirty="0" smtClean="0"/>
-              <a:t>’ variables</a:t>
-            </a:r>
-          </a:p>
-          <a:p>
-            <a:r>
-              <a:rPr lang="nl-BE" dirty="0" err="1" smtClean="0"/>
-              <a:t>Inline</a:t>
-            </a:r>
-            <a:r>
-              <a:rPr lang="nl-BE" dirty="0" smtClean="0"/>
-              <a:t>: </a:t>
-            </a:r>
-            <a:r>
-              <a:rPr lang="nl-BE" dirty="0" err="1" smtClean="0"/>
-              <a:t>reverted</a:t>
-            </a:r>
-            <a:r>
-              <a:rPr lang="nl-BE" dirty="0" smtClean="0"/>
-              <a:t>, 300k gain</a:t>
-            </a:r>
-          </a:p>
-          <a:p>
-            <a:pPr lvl="1"/>
-            <a:r>
-              <a:rPr lang="nl-BE" dirty="0" smtClean="0"/>
-              <a:t>Non-</a:t>
-            </a:r>
-            <a:r>
-              <a:rPr lang="nl-BE" dirty="0" err="1" smtClean="0"/>
-              <a:t>negligible</a:t>
-            </a:r>
-            <a:r>
-              <a:rPr lang="nl-BE" dirty="0" smtClean="0"/>
-              <a:t> </a:t>
-            </a:r>
-            <a:r>
-              <a:rPr lang="nl-BE" dirty="0" err="1" smtClean="0"/>
-              <a:t>now</a:t>
-            </a:r>
-            <a:r>
-              <a:rPr lang="nl-BE" dirty="0" smtClean="0"/>
-              <a:t>, but no more </a:t>
-            </a:r>
-            <a:r>
-              <a:rPr lang="nl-BE" dirty="0" err="1" smtClean="0"/>
-              <a:t>space</a:t>
-            </a:r>
-            <a:endParaRPr lang="nl-BE" dirty="0" smtClean="0"/>
-          </a:p>
-          <a:p>
-            <a:r>
-              <a:rPr lang="nl-BE" dirty="0" smtClean="0"/>
-              <a:t>UNROLL: </a:t>
-            </a:r>
-          </a:p>
-          <a:p>
-            <a:pPr lvl="1"/>
-            <a:r>
-              <a:rPr lang="nl-BE" dirty="0" err="1" smtClean="0"/>
-              <a:t>Only</a:t>
-            </a:r>
-            <a:r>
-              <a:rPr lang="nl-BE" dirty="0" smtClean="0"/>
-              <a:t> </a:t>
-            </a:r>
-            <a:r>
-              <a:rPr lang="nl-BE" dirty="0" err="1" smtClean="0"/>
-              <a:t>really</a:t>
-            </a:r>
-            <a:r>
-              <a:rPr lang="nl-BE" dirty="0" smtClean="0"/>
-              <a:t> </a:t>
-            </a:r>
-            <a:r>
-              <a:rPr lang="nl-BE" dirty="0" err="1" smtClean="0"/>
-              <a:t>helped</a:t>
-            </a:r>
-            <a:r>
-              <a:rPr lang="nl-BE" dirty="0" smtClean="0"/>
-              <a:t> in </a:t>
-            </a:r>
-            <a:r>
-              <a:rPr lang="nl-BE" dirty="0" err="1" smtClean="0"/>
-              <a:t>convolve</a:t>
-            </a:r>
-            <a:r>
-              <a:rPr lang="nl-BE" dirty="0" smtClean="0"/>
-              <a:t> (4x best)</a:t>
-            </a:r>
-          </a:p>
-          <a:p>
+            <a:endParaRPr lang="en-US" dirty="0">
+              <a:sym typeface="Wingdings" panose="05000000000000000000" pitchFamily="2" charset="2"/>
+            </a:endParaRPr>
+          </a:p>
+          <a:p>
+            <a:endParaRPr lang="en-US" dirty="0">
+              <a:sym typeface="Wingdings" panose="05000000000000000000" pitchFamily="2" charset="2"/>
+            </a:endParaRPr>
+          </a:p>
+          <a:p>
+            <a:pPr lvl="2"/>
+            <a:endParaRPr lang="en-US" sz="2400" dirty="0">
+              <a:sym typeface="Wingdings" panose="05000000000000000000" pitchFamily="2" charset="2"/>
+            </a:endParaRPr>
+          </a:p>
+          <a:p>
+            <a:pPr lvl="2"/>
             <a:endParaRPr lang="en-US" dirty="0"/>
           </a:p>
         </p:txBody>
@@ -10377,20 +10299,13 @@
     </p:spTree>
     <p:extLst>
       <p:ext uri="{BB962C8B-B14F-4D97-AF65-F5344CB8AC3E}">
-        <p14:creationId xmlns:p14="http://schemas.microsoft.com/office/powerpoint/2010/main" val="1980368106"/>
+        <p14:creationId xmlns:p14="http://schemas.microsoft.com/office/powerpoint/2010/main" val="3216168168"/>
       </p:ext>
     </p:extLst>
   </p:cSld>
   <p:clrMapOvr>
     <a:masterClrMapping/>
   </p:clrMapOvr>
-  <p:timing>
-    <p:tnLst>
-      <p:par>
-        <p:cTn id="1" dur="indefinite" restart="never" nodeType="tmRoot"/>
-      </p:par>
-    </p:tnLst>
-  </p:timing>
 </p:sld>
 </file>
 
@@ -10427,7 +10342,7 @@
           <a:lstStyle/>
           <a:p>
             <a:r>
-              <a:rPr lang="nl-BE" dirty="0" smtClean="0"/>
+              <a:rPr lang="nl-BE" dirty="0"/>
               <a:t>MATLAB</a:t>
             </a:r>
             <a:endParaRPr lang="en-US" dirty="0"/>
@@ -10450,32 +10365,31 @@
           <a:lstStyle/>
           <a:p>
             <a:r>
-              <a:rPr lang="en-US" dirty="0" err="1" smtClean="0"/>
-              <a:t>Flexibel</a:t>
-            </a:r>
-            <a:endParaRPr lang="en-US" dirty="0" smtClean="0"/>
+              <a:rPr lang="en-US" dirty="0"/>
+              <a:t>Flexible</a:t>
+            </a:r>
           </a:p>
           <a:p>
             <a:pPr lvl="1"/>
             <a:r>
-              <a:rPr lang="en-US" dirty="0" smtClean="0"/>
+              <a:rPr lang="en-US" dirty="0"/>
               <a:t>Structure easily changeable</a:t>
             </a:r>
           </a:p>
           <a:p>
             <a:pPr lvl="2"/>
             <a:r>
-              <a:rPr lang="en-US" dirty="0" smtClean="0"/>
+              <a:rPr lang="en-US" dirty="0"/>
               <a:t>but if asymmetrical: account for delay</a:t>
             </a:r>
-            <a:endParaRPr lang="en-US" dirty="0" smtClean="0">
+            <a:endParaRPr lang="en-US" dirty="0">
               <a:sym typeface="Wingdings" panose="05000000000000000000" pitchFamily="2" charset="2"/>
             </a:endParaRPr>
           </a:p>
           <a:p>
             <a:pPr lvl="1"/>
             <a:r>
-              <a:rPr lang="en-US" dirty="0" smtClean="0">
+              <a:rPr lang="en-US" dirty="0">
                 <a:sym typeface="Wingdings" panose="05000000000000000000" pitchFamily="2" charset="2"/>
               </a:rPr>
               <a:t>Parameter definitions grouped in scripts</a:t>
@@ -10484,7 +10398,7 @@
           <a:p>
             <a:pPr lvl="2"/>
             <a:r>
-              <a:rPr lang="en-US" dirty="0" smtClean="0">
+              <a:rPr lang="en-US" dirty="0">
                 <a:sym typeface="Wingdings" panose="05000000000000000000" pitchFamily="2" charset="2"/>
               </a:rPr>
               <a:t>changing and testing new parameters easy</a:t>
@@ -10492,49 +10406,49 @@
           </a:p>
           <a:p>
             <a:r>
-              <a:rPr lang="nl-BE" dirty="0" err="1" smtClean="0">
+              <a:rPr lang="nl-BE" dirty="0" err="1">
                 <a:sym typeface="Wingdings" panose="05000000000000000000" pitchFamily="2" charset="2"/>
               </a:rPr>
               <a:t>Originally</a:t>
             </a:r>
             <a:r>
-              <a:rPr lang="nl-BE" dirty="0" smtClean="0">
+              <a:rPr lang="nl-BE" dirty="0">
                 <a:sym typeface="Wingdings" panose="05000000000000000000" pitchFamily="2" charset="2"/>
               </a:rPr>
               <a:t>: input </a:t>
             </a:r>
             <a:r>
-              <a:rPr lang="nl-BE" dirty="0" err="1" smtClean="0">
+              <a:rPr lang="nl-BE" dirty="0" err="1">
                 <a:sym typeface="Wingdings" panose="05000000000000000000" pitchFamily="2" charset="2"/>
               </a:rPr>
               <a:t>scaled</a:t>
             </a:r>
             <a:r>
-              <a:rPr lang="nl-BE" dirty="0" smtClean="0">
+              <a:rPr lang="nl-BE" dirty="0">
                 <a:sym typeface="Wingdings" panose="05000000000000000000" pitchFamily="2" charset="2"/>
               </a:rPr>
               <a:t> </a:t>
             </a:r>
             <a:r>
-              <a:rPr lang="nl-BE" dirty="0" err="1" smtClean="0">
+              <a:rPr lang="nl-BE" dirty="0" err="1">
                 <a:sym typeface="Wingdings" panose="05000000000000000000" pitchFamily="2" charset="2"/>
               </a:rPr>
               <a:t>to</a:t>
             </a:r>
             <a:r>
-              <a:rPr lang="nl-BE" dirty="0" smtClean="0">
+              <a:rPr lang="nl-BE" dirty="0">
                 <a:sym typeface="Wingdings" panose="05000000000000000000" pitchFamily="2" charset="2"/>
               </a:rPr>
               <a:t> </a:t>
             </a:r>
             <a:r>
-              <a:rPr lang="nl-BE" u="sng" dirty="0" smtClean="0">
+              <a:rPr lang="nl-BE" u="sng" dirty="0">
                 <a:sym typeface="Wingdings" panose="05000000000000000000" pitchFamily="2" charset="2"/>
               </a:rPr>
               <a:t>full</a:t>
             </a:r>
             <a:r>
-              <a:rPr lang="nl-BE" dirty="0" smtClean="0">
+              <a:rPr lang="nl-BE" dirty="0">
                 <a:sym typeface="Wingdings" panose="05000000000000000000" pitchFamily="2" charset="2"/>
               </a:rPr>
               <a:t> 16bit range</a:t>
@@ -10543,67 +10457,67 @@
           <a:p>
             <a:pPr lvl="1"/>
             <a:r>
-              <a:rPr lang="nl-BE" dirty="0" smtClean="0">
+              <a:rPr lang="nl-BE" dirty="0">
                 <a:sym typeface="Wingdings" panose="05000000000000000000" pitchFamily="2" charset="2"/>
               </a:rPr>
               <a:t>↔ </a:t>
             </a:r>
             <a:r>
-              <a:rPr lang="nl-BE" dirty="0" err="1" smtClean="0">
+              <a:rPr lang="nl-BE" dirty="0" err="1">
                 <a:sym typeface="Wingdings" panose="05000000000000000000" pitchFamily="2" charset="2"/>
               </a:rPr>
               <a:t>now</a:t>
             </a:r>
             <a:r>
-              <a:rPr lang="nl-BE" dirty="0" smtClean="0">
+              <a:rPr lang="nl-BE" dirty="0">
                 <a:sym typeface="Wingdings" panose="05000000000000000000" pitchFamily="2" charset="2"/>
               </a:rPr>
               <a:t>: </a:t>
             </a:r>
             <a:r>
-              <a:rPr lang="nl-BE" dirty="0" err="1" smtClean="0">
+              <a:rPr lang="nl-BE" dirty="0" err="1">
                 <a:sym typeface="Wingdings" panose="05000000000000000000" pitchFamily="2" charset="2"/>
               </a:rPr>
               <a:t>not</a:t>
             </a:r>
             <a:r>
-              <a:rPr lang="nl-BE" dirty="0" smtClean="0">
+              <a:rPr lang="nl-BE" dirty="0">
                 <a:sym typeface="Wingdings" panose="05000000000000000000" pitchFamily="2" charset="2"/>
               </a:rPr>
               <a:t> </a:t>
             </a:r>
             <a:r>
-              <a:rPr lang="nl-BE" dirty="0" err="1" smtClean="0">
+              <a:rPr lang="nl-BE" dirty="0" err="1">
                 <a:sym typeface="Wingdings" panose="05000000000000000000" pitchFamily="2" charset="2"/>
               </a:rPr>
               <a:t>for</a:t>
             </a:r>
             <a:r>
-              <a:rPr lang="nl-BE" dirty="0" smtClean="0">
+              <a:rPr lang="nl-BE" dirty="0">
                 <a:sym typeface="Wingdings" panose="05000000000000000000" pitchFamily="2" charset="2"/>
               </a:rPr>
               <a:t> </a:t>
             </a:r>
             <a:r>
-              <a:rPr lang="nl-BE" dirty="0" err="1" smtClean="0">
+              <a:rPr lang="nl-BE" dirty="0" err="1">
                 <a:sym typeface="Wingdings" panose="05000000000000000000" pitchFamily="2" charset="2"/>
               </a:rPr>
               <a:t>consistency</a:t>
             </a:r>
             <a:r>
-              <a:rPr lang="nl-BE" dirty="0" smtClean="0">
+              <a:rPr lang="nl-BE" dirty="0">
                 <a:sym typeface="Wingdings" panose="05000000000000000000" pitchFamily="2" charset="2"/>
               </a:rPr>
               <a:t> </a:t>
             </a:r>
             <a:r>
-              <a:rPr lang="nl-BE" dirty="0" err="1" smtClean="0">
+              <a:rPr lang="nl-BE" dirty="0" err="1">
                 <a:sym typeface="Wingdings" panose="05000000000000000000" pitchFamily="2" charset="2"/>
               </a:rPr>
               <a:t>with</a:t>
             </a:r>
             <a:r>
-              <a:rPr lang="nl-BE" dirty="0" smtClean="0">
+              <a:rPr lang="nl-BE" dirty="0">
                 <a:sym typeface="Wingdings" panose="05000000000000000000" pitchFamily="2" charset="2"/>
               </a:rPr>
               <a:t> C</a:t>
@@ -10611,7 +10525,7 @@
           </a:p>
           <a:p>
             <a:pPr lvl="1"/>
-            <a:endParaRPr lang="en-US" dirty="0" smtClean="0">
+            <a:endParaRPr lang="en-US" dirty="0">
               <a:sym typeface="Wingdings" panose="05000000000000000000" pitchFamily="2" charset="2"/>
             </a:endParaRPr>
           </a:p>
@@ -10630,13 +10544,6 @@
   <p:clrMapOvr>
     <a:masterClrMapping/>
   </p:clrMapOvr>
-  <p:timing>
-    <p:tnLst>
-      <p:par>
-        <p:cTn id="1" dur="indefinite" restart="never" nodeType="tmRoot"/>
-      </p:par>
-    </p:tnLst>
-  </p:timing>
 </p:sld>
 </file>
 
@@ -10673,8 +10580,12 @@
           <a:lstStyle/>
           <a:p>
             <a:r>
-              <a:rPr lang="nl-BE" dirty="0" err="1" smtClean="0"/>
-              <a:t>DSP-C:summary</a:t>
+              <a:rPr lang="nl-BE" dirty="0"/>
+              <a:t>DSP-C: </a:t>
+            </a:r>
+            <a:r>
+              <a:rPr lang="nl-BE" dirty="0" err="1"/>
+              <a:t>tested</a:t>
             </a:r>
             <a:endParaRPr lang="en-US" dirty="0"/>
           </a:p>
@@ -10696,129 +10607,244 @@
           <a:lstStyle/>
           <a:p>
             <a:r>
-              <a:rPr lang="nl-BE" dirty="0" err="1" smtClean="0"/>
-              <a:t>Including</a:t>
-            </a:r>
-            <a:r>
-              <a:rPr lang="nl-BE" dirty="0" smtClean="0"/>
+              <a:rPr lang="nl-BE" dirty="0" err="1"/>
+              <a:t>Hardcoding</a:t>
+            </a:r>
+            <a:r>
+              <a:rPr lang="nl-BE" dirty="0"/>
+              <a:t> filter </a:t>
+            </a:r>
+            <a:r>
+              <a:rPr lang="nl-BE" dirty="0" err="1"/>
+              <a:t>coeffs</a:t>
+            </a:r>
+            <a:r>
+              <a:rPr lang="nl-BE" dirty="0"/>
+              <a:t> in code</a:t>
+            </a:r>
+          </a:p>
+          <a:p>
+            <a:r>
+              <a:rPr lang="nl-BE" dirty="0" err="1"/>
+              <a:t>Looked</a:t>
+            </a:r>
+            <a:r>
+              <a:rPr lang="nl-BE" dirty="0"/>
               <a:t> </a:t>
             </a:r>
             <a:r>
-              <a:rPr lang="nl-BE" dirty="0" err="1" smtClean="0"/>
-              <a:t>initial</a:t>
-            </a:r>
-            <a:r>
-              <a:rPr lang="nl-BE" dirty="0" smtClean="0"/>
-              <a:t> x2:  x13,6 gain</a:t>
+              <a:rPr lang="nl-BE" dirty="0" err="1"/>
+              <a:t>for</a:t>
+            </a:r>
+            <a:r>
+              <a:rPr lang="nl-BE" dirty="0"/>
+              <a:t> </a:t>
+            </a:r>
+            <a:r>
+              <a:rPr lang="nl-BE" dirty="0" err="1"/>
+              <a:t>intrinsics</a:t>
+            </a:r>
+            <a:r>
+              <a:rPr lang="nl-BE" dirty="0"/>
+              <a:t>: </a:t>
             </a:r>
           </a:p>
           <a:p>
             <a:pPr lvl="1"/>
             <a:r>
-              <a:rPr lang="nl-BE" dirty="0" smtClean="0">
-                <a:sym typeface="Wingdings" panose="05000000000000000000" pitchFamily="2" charset="2"/>
-              </a:rPr>
-              <a:t> </a:t>
-            </a:r>
-            <a:r>
-              <a:rPr lang="nl-BE" dirty="0" err="1" smtClean="0">
-                <a:sym typeface="Wingdings" panose="05000000000000000000" pitchFamily="2" charset="2"/>
-              </a:rPr>
-              <a:t>cycles</a:t>
-            </a:r>
-            <a:r>
-              <a:rPr lang="nl-BE" dirty="0" smtClean="0">
-                <a:sym typeface="Wingdings" panose="05000000000000000000" pitchFamily="2" charset="2"/>
-              </a:rPr>
-              <a:t>/sample</a:t>
-            </a:r>
-            <a:endParaRPr lang="nl-BE" dirty="0" smtClean="0"/>
-          </a:p>
-          <a:p>
-            <a:endParaRPr lang="nl-BE" dirty="0" smtClean="0"/>
-          </a:p>
-          <a:p>
-            <a:r>
-              <a:rPr lang="nl-BE" dirty="0" smtClean="0"/>
-              <a:t>Bit/bit correct output</a:t>
+              <a:rPr lang="nl-BE" dirty="0" err="1"/>
+              <a:t>did</a:t>
+            </a:r>
+            <a:r>
+              <a:rPr lang="nl-BE" dirty="0"/>
+              <a:t> </a:t>
+            </a:r>
+            <a:r>
+              <a:rPr lang="nl-BE" dirty="0" err="1"/>
+              <a:t>not</a:t>
+            </a:r>
+            <a:r>
+              <a:rPr lang="nl-BE" dirty="0"/>
+              <a:t> help:</a:t>
+            </a:r>
+          </a:p>
+          <a:p>
+            <a:pPr lvl="2"/>
+            <a:r>
+              <a:rPr lang="nl-BE" dirty="0"/>
+              <a:t>Parallel on </a:t>
+            </a:r>
+            <a:r>
+              <a:rPr lang="nl-BE" dirty="0" err="1"/>
+              <a:t>on</a:t>
+            </a:r>
+            <a:r>
+              <a:rPr lang="nl-BE" dirty="0"/>
+              <a:t> </a:t>
+            </a:r>
+            <a:r>
+              <a:rPr lang="nl-BE" dirty="0" err="1"/>
+              <a:t>cord</a:t>
+            </a:r>
+            <a:r>
+              <a:rPr lang="nl-BE" dirty="0"/>
+              <a:t> (</a:t>
+            </a:r>
+            <a:r>
+              <a:rPr lang="nl-BE" dirty="0" err="1"/>
+              <a:t>subword</a:t>
+            </a:r>
+            <a:r>
+              <a:rPr lang="nl-BE" dirty="0"/>
+              <a:t>) </a:t>
+            </a:r>
+            <a:r>
+              <a:rPr lang="nl-BE" dirty="0" err="1"/>
+              <a:t>instead</a:t>
+            </a:r>
+            <a:r>
+              <a:rPr lang="nl-BE" dirty="0"/>
+              <a:t> of on </a:t>
+            </a:r>
+            <a:r>
+              <a:rPr lang="nl-BE" dirty="0" err="1"/>
+              <a:t>two</a:t>
+            </a:r>
+            <a:r>
+              <a:rPr lang="nl-BE" dirty="0"/>
+              <a:t> </a:t>
+            </a:r>
+            <a:r>
+              <a:rPr lang="nl-BE" dirty="0" err="1"/>
+              <a:t>cores</a:t>
+            </a:r>
+            <a:endParaRPr lang="nl-BE" dirty="0"/>
+          </a:p>
+          <a:p>
+            <a:pPr lvl="2"/>
+            <a:r>
+              <a:rPr lang="nl-BE" dirty="0"/>
+              <a:t>(</a:t>
+            </a:r>
+            <a:r>
+              <a:rPr lang="nl-BE" dirty="0" err="1"/>
+              <a:t>might</a:t>
+            </a:r>
+            <a:r>
+              <a:rPr lang="nl-BE" dirty="0"/>
+              <a:t> </a:t>
+            </a:r>
+            <a:r>
+              <a:rPr lang="nl-BE" dirty="0" err="1"/>
+              <a:t>be</a:t>
+            </a:r>
+            <a:r>
+              <a:rPr lang="nl-BE" dirty="0"/>
+              <a:t> </a:t>
+            </a:r>
+            <a:r>
+              <a:rPr lang="nl-BE" dirty="0" err="1"/>
+              <a:t>better</a:t>
+            </a:r>
+            <a:r>
+              <a:rPr lang="nl-BE" dirty="0"/>
+              <a:t> </a:t>
+            </a:r>
+            <a:r>
+              <a:rPr lang="nl-BE" dirty="0" err="1"/>
+              <a:t>for</a:t>
+            </a:r>
+            <a:r>
+              <a:rPr lang="nl-BE" dirty="0"/>
+              <a:t> P </a:t>
+            </a:r>
+            <a:r>
+              <a:rPr lang="nl-BE" dirty="0" err="1"/>
+              <a:t>though</a:t>
+            </a:r>
+            <a:r>
+              <a:rPr lang="nl-BE" dirty="0"/>
+              <a:t>)</a:t>
+            </a:r>
+          </a:p>
+          <a:p>
+            <a:r>
+              <a:rPr lang="nl-BE" dirty="0"/>
+              <a:t>‘</a:t>
+            </a:r>
+            <a:r>
+              <a:rPr lang="nl-BE" dirty="0" err="1"/>
+              <a:t>near</a:t>
+            </a:r>
+            <a:r>
+              <a:rPr lang="nl-BE" dirty="0"/>
+              <a:t>’/‘</a:t>
+            </a:r>
+            <a:r>
+              <a:rPr lang="nl-BE" dirty="0" err="1"/>
+              <a:t>const</a:t>
+            </a:r>
+            <a:r>
+              <a:rPr lang="nl-BE" dirty="0"/>
+              <a:t>’ variables</a:t>
+            </a:r>
+          </a:p>
+          <a:p>
+            <a:r>
+              <a:rPr lang="nl-BE" dirty="0" err="1"/>
+              <a:t>Inlining</a:t>
+            </a:r>
+            <a:r>
+              <a:rPr lang="nl-BE" dirty="0"/>
+              <a:t> analysis/</a:t>
+            </a:r>
+            <a:r>
+              <a:rPr lang="nl-BE" dirty="0" err="1"/>
+              <a:t>synthesis</a:t>
+            </a:r>
+            <a:r>
+              <a:rPr lang="nl-BE" dirty="0"/>
+              <a:t>: 300k </a:t>
+            </a:r>
+            <a:r>
+              <a:rPr lang="nl-BE" dirty="0" err="1"/>
+              <a:t>gain</a:t>
+            </a:r>
+            <a:r>
+              <a:rPr lang="nl-BE" dirty="0"/>
+              <a:t>, </a:t>
             </a:r>
           </a:p>
           <a:p>
             <a:pPr lvl="1"/>
             <a:r>
-              <a:rPr lang="nl-BE" dirty="0" smtClean="0">
-                <a:sym typeface="Wingdings" panose="05000000000000000000" pitchFamily="2" charset="2"/>
-              </a:rPr>
-              <a:t> </a:t>
-            </a:r>
-            <a:r>
-              <a:rPr lang="nl-BE" dirty="0" err="1" smtClean="0">
-                <a:sym typeface="Wingdings" panose="05000000000000000000" pitchFamily="2" charset="2"/>
-              </a:rPr>
-              <a:t>guaranteed</a:t>
-            </a:r>
-            <a:r>
-              <a:rPr lang="nl-BE" dirty="0" smtClean="0">
-                <a:sym typeface="Wingdings" panose="05000000000000000000" pitchFamily="2" charset="2"/>
-              </a:rPr>
+              <a:rPr lang="nl-BE" dirty="0" err="1"/>
+              <a:t>Reverted</a:t>
+            </a:r>
+            <a:r>
+              <a:rPr lang="nl-BE" dirty="0"/>
               <a:t> </a:t>
             </a:r>
             <a:r>
-              <a:rPr lang="nl-BE" dirty="0" err="1" smtClean="0">
-                <a:sym typeface="Wingdings" panose="05000000000000000000" pitchFamily="2" charset="2"/>
-              </a:rPr>
-              <a:t>same</a:t>
-            </a:r>
-            <a:r>
-              <a:rPr lang="nl-BE" dirty="0" smtClean="0">
-                <a:sym typeface="Wingdings" panose="05000000000000000000" pitchFamily="2" charset="2"/>
-              </a:rPr>
-              <a:t> PESQ scores as in MATLAB:</a:t>
-            </a:r>
-          </a:p>
-          <a:p>
-            <a:pPr lvl="2"/>
-            <a:r>
-              <a:rPr lang="nl-BE" dirty="0" smtClean="0">
-                <a:sym typeface="Wingdings" panose="05000000000000000000" pitchFamily="2" charset="2"/>
-              </a:rPr>
-              <a:t> parameters </a:t>
-            </a:r>
-            <a:r>
-              <a:rPr lang="nl-BE" dirty="0" err="1" smtClean="0">
-                <a:sym typeface="Wingdings" panose="05000000000000000000" pitchFamily="2" charset="2"/>
-              </a:rPr>
-              <a:t>still</a:t>
-            </a:r>
-            <a:r>
-              <a:rPr lang="nl-BE" dirty="0" smtClean="0">
-                <a:sym typeface="Wingdings" panose="05000000000000000000" pitchFamily="2" charset="2"/>
-              </a:rPr>
+              <a:rPr lang="nl-BE" dirty="0" err="1"/>
+              <a:t>for</a:t>
+            </a:r>
+            <a:r>
+              <a:rPr lang="nl-BE" dirty="0"/>
               <a:t> </a:t>
             </a:r>
             <a:r>
-              <a:rPr lang="nl-BE" dirty="0" err="1" smtClean="0">
-                <a:sym typeface="Wingdings" panose="05000000000000000000" pitchFamily="2" charset="2"/>
-              </a:rPr>
-              <a:t>easily</a:t>
-            </a:r>
-            <a:r>
-              <a:rPr lang="nl-BE" dirty="0" smtClean="0">
-                <a:sym typeface="Wingdings" panose="05000000000000000000" pitchFamily="2" charset="2"/>
-              </a:rPr>
-              <a:t> </a:t>
-            </a:r>
-            <a:r>
-              <a:rPr lang="nl-BE" dirty="0" err="1" smtClean="0">
-                <a:sym typeface="Wingdings" panose="05000000000000000000" pitchFamily="2" charset="2"/>
-              </a:rPr>
-              <a:t>testable</a:t>
-            </a:r>
-            <a:endParaRPr lang="nl-BE" dirty="0" smtClean="0">
-              <a:sym typeface="Wingdings" panose="05000000000000000000" pitchFamily="2" charset="2"/>
-            </a:endParaRPr>
-          </a:p>
-          <a:p>
+              <a:rPr lang="nl-BE" dirty="0" err="1"/>
+              <a:t>cleanliness</a:t>
+            </a:r>
+            <a:r>
+              <a:rPr lang="nl-BE" dirty="0"/>
+              <a:t> &amp; </a:t>
+            </a:r>
+            <a:r>
+              <a:rPr lang="nl-BE" dirty="0" err="1"/>
+              <a:t>space</a:t>
+            </a:r>
             <a:endParaRPr lang="en-US" dirty="0"/>
           </a:p>
         </p:txBody>
@@ -10826,20 +10852,13 @@
     </p:spTree>
     <p:extLst>
       <p:ext uri="{BB962C8B-B14F-4D97-AF65-F5344CB8AC3E}">
-        <p14:creationId xmlns:p14="http://schemas.microsoft.com/office/powerpoint/2010/main" val="1142908502"/>
+        <p14:creationId xmlns:p14="http://schemas.microsoft.com/office/powerpoint/2010/main" val="1980368106"/>
       </p:ext>
     </p:extLst>
   </p:cSld>
   <p:clrMapOvr>
     <a:masterClrMapping/>
   </p:clrMapOvr>
-  <p:timing>
-    <p:tnLst>
-      <p:par>
-        <p:cTn id="1" dur="indefinite" restart="never" nodeType="tmRoot"/>
-      </p:par>
-    </p:tnLst>
-  </p:timing>
 </p:sld>
 </file>
 
@@ -10875,6 +10894,204 @@
           <a:bodyPr/>
           <a:lstStyle/>
           <a:p>
+            <a:r>
+              <a:rPr lang="nl-BE" dirty="0"/>
+              <a:t>DSP-C: summary</a:t>
+            </a:r>
+            <a:endParaRPr lang="en-US" dirty="0"/>
+          </a:p>
+        </p:txBody>
+      </p:sp>
+      <p:sp>
+        <p:nvSpPr>
+          <p:cNvPr id="3" name="Content Placeholder 2"/>
+          <p:cNvSpPr>
+            <a:spLocks noGrp="1"/>
+          </p:cNvSpPr>
+          <p:nvPr>
+            <p:ph idx="1"/>
+          </p:nvPr>
+        </p:nvSpPr>
+        <p:spPr/>
+        <p:txBody>
+          <a:bodyPr/>
+          <a:lstStyle/>
+          <a:p>
+            <a:r>
+              <a:rPr lang="nl-BE" dirty="0" err="1"/>
+              <a:t>Including</a:t>
+            </a:r>
+            <a:r>
+              <a:rPr lang="nl-BE" dirty="0"/>
+              <a:t> </a:t>
+            </a:r>
+            <a:r>
+              <a:rPr lang="nl-BE" dirty="0" err="1"/>
+              <a:t>initial</a:t>
+            </a:r>
+            <a:r>
+              <a:rPr lang="nl-BE" dirty="0"/>
+              <a:t> x2:  x13,6 gain</a:t>
+            </a:r>
+          </a:p>
+          <a:p>
+            <a:pPr lvl="1"/>
+            <a:r>
+              <a:rPr lang="nl-BE" dirty="0">
+                <a:sym typeface="Wingdings" panose="05000000000000000000" pitchFamily="2" charset="2"/>
+              </a:rPr>
+              <a:t> 1,071 </a:t>
+            </a:r>
+            <a:r>
+              <a:rPr lang="nl-BE" dirty="0" err="1">
+                <a:sym typeface="Wingdings" panose="05000000000000000000" pitchFamily="2" charset="2"/>
+              </a:rPr>
+              <a:t>cycles</a:t>
+            </a:r>
+            <a:r>
+              <a:rPr lang="nl-BE" dirty="0">
+                <a:sym typeface="Wingdings" panose="05000000000000000000" pitchFamily="2" charset="2"/>
+              </a:rPr>
+              <a:t>/sample</a:t>
+            </a:r>
+            <a:endParaRPr lang="nl-BE" dirty="0"/>
+          </a:p>
+          <a:p>
+            <a:endParaRPr lang="nl-BE" dirty="0"/>
+          </a:p>
+          <a:p>
+            <a:r>
+              <a:rPr lang="nl-BE" dirty="0"/>
+              <a:t>Bit/bit correct output</a:t>
+            </a:r>
+          </a:p>
+          <a:p>
+            <a:pPr lvl="1"/>
+            <a:r>
+              <a:rPr lang="nl-BE" dirty="0">
+                <a:sym typeface="Wingdings" panose="05000000000000000000" pitchFamily="2" charset="2"/>
+              </a:rPr>
+              <a:t> </a:t>
+            </a:r>
+            <a:r>
+              <a:rPr lang="nl-BE" dirty="0" err="1">
+                <a:sym typeface="Wingdings" panose="05000000000000000000" pitchFamily="2" charset="2"/>
+              </a:rPr>
+              <a:t>guaranteed</a:t>
+            </a:r>
+            <a:r>
+              <a:rPr lang="nl-BE" dirty="0">
+                <a:sym typeface="Wingdings" panose="05000000000000000000" pitchFamily="2" charset="2"/>
+              </a:rPr>
+              <a:t> </a:t>
+            </a:r>
+            <a:r>
+              <a:rPr lang="nl-BE" dirty="0" err="1">
+                <a:sym typeface="Wingdings" panose="05000000000000000000" pitchFamily="2" charset="2"/>
+              </a:rPr>
+              <a:t>same</a:t>
+            </a:r>
+            <a:r>
+              <a:rPr lang="nl-BE" dirty="0">
+                <a:sym typeface="Wingdings" panose="05000000000000000000" pitchFamily="2" charset="2"/>
+              </a:rPr>
+              <a:t> PESQ scores as in MATLAB:</a:t>
+            </a:r>
+          </a:p>
+          <a:p>
+            <a:pPr marL="720000" lvl="2" indent="0">
+              <a:buNone/>
+            </a:pPr>
+            <a:r>
+              <a:rPr lang="nl-BE" dirty="0">
+                <a:sym typeface="Wingdings" panose="05000000000000000000" pitchFamily="2" charset="2"/>
+              </a:rPr>
+              <a:t>	 parameters </a:t>
+            </a:r>
+            <a:r>
+              <a:rPr lang="nl-BE" dirty="0" err="1">
+                <a:sym typeface="Wingdings" panose="05000000000000000000" pitchFamily="2" charset="2"/>
+              </a:rPr>
+              <a:t>still</a:t>
+            </a:r>
+            <a:r>
+              <a:rPr lang="nl-BE" dirty="0">
+                <a:sym typeface="Wingdings" panose="05000000000000000000" pitchFamily="2" charset="2"/>
+              </a:rPr>
+              <a:t> </a:t>
+            </a:r>
+            <a:r>
+              <a:rPr lang="nl-BE" dirty="0" err="1">
+                <a:sym typeface="Wingdings" panose="05000000000000000000" pitchFamily="2" charset="2"/>
+              </a:rPr>
+              <a:t>easily</a:t>
+            </a:r>
+            <a:r>
+              <a:rPr lang="nl-BE" dirty="0">
+                <a:sym typeface="Wingdings" panose="05000000000000000000" pitchFamily="2" charset="2"/>
+              </a:rPr>
+              <a:t> </a:t>
+            </a:r>
+            <a:r>
+              <a:rPr lang="nl-BE" dirty="0" err="1">
+                <a:sym typeface="Wingdings" panose="05000000000000000000" pitchFamily="2" charset="2"/>
+              </a:rPr>
+              <a:t>testable</a:t>
+            </a:r>
+            <a:endParaRPr lang="nl-BE" dirty="0">
+              <a:sym typeface="Wingdings" panose="05000000000000000000" pitchFamily="2" charset="2"/>
+            </a:endParaRPr>
+          </a:p>
+          <a:p>
+            <a:endParaRPr lang="en-US" dirty="0"/>
+          </a:p>
+        </p:txBody>
+      </p:sp>
+    </p:spTree>
+    <p:extLst>
+      <p:ext uri="{BB962C8B-B14F-4D97-AF65-F5344CB8AC3E}">
+        <p14:creationId xmlns:p14="http://schemas.microsoft.com/office/powerpoint/2010/main" val="1142908502"/>
+      </p:ext>
+    </p:extLst>
+  </p:cSld>
+  <p:clrMapOvr>
+    <a:masterClrMapping/>
+  </p:clrMapOvr>
+</p:sld>
+</file>
+
+<file path=ppt/slides/slide22.xml><?xml version="1.0" encoding="utf-8"?>
+<p:sld xmlns:a="http://schemas.openxmlformats.org/drawingml/2006/main" xmlns:r="http://schemas.openxmlformats.org/officeDocument/2006/relationships" xmlns:p="http://schemas.openxmlformats.org/presentationml/2006/main">
+  <p:cSld>
+    <p:spTree>
+      <p:nvGrpSpPr>
+        <p:cNvPr id="1" name=""/>
+        <p:cNvGrpSpPr/>
+        <p:nvPr/>
+      </p:nvGrpSpPr>
+      <p:grpSpPr>
+        <a:xfrm>
+          <a:off x="0" y="0"/>
+          <a:ext cx="0" cy="0"/>
+          <a:chOff x="0" y="0"/>
+          <a:chExt cx="0" cy="0"/>
+        </a:xfrm>
+      </p:grpSpPr>
+      <p:sp>
+        <p:nvSpPr>
+          <p:cNvPr id="2" name="Title 1"/>
+          <p:cNvSpPr>
+            <a:spLocks noGrp="1"/>
+          </p:cNvSpPr>
+          <p:nvPr>
+            <p:ph type="title"/>
+          </p:nvPr>
+        </p:nvSpPr>
+        <p:spPr/>
+        <p:txBody>
+          <a:bodyPr/>
+          <a:lstStyle/>
+          <a:p>
             <a:endParaRPr lang="en-US"/>
           </a:p>
         </p:txBody>
@@ -10908,13 +11125,6 @@
   <p:clrMapOvr>
     <a:masterClrMapping/>
   </p:clrMapOvr>
-  <p:timing>
-    <p:tnLst>
-      <p:par>
-        <p:cTn id="1" dur="indefinite" restart="never" nodeType="tmRoot"/>
-      </p:par>
-    </p:tnLst>
-  </p:timing>
 </p:sld>
 </file>
 
@@ -10951,11 +11161,11 @@
           <a:lstStyle/>
           <a:p>
             <a:r>
-              <a:rPr lang="nl-BE" dirty="0" smtClean="0"/>
+              <a:rPr lang="nl-BE" dirty="0"/>
               <a:t>Parameter </a:t>
             </a:r>
             <a:r>
-              <a:rPr lang="nl-BE" dirty="0" err="1" smtClean="0"/>
+              <a:rPr lang="nl-BE" dirty="0" err="1"/>
               <a:t>choices</a:t>
             </a:r>
             <a:endParaRPr lang="en-US" dirty="0"/>
@@ -10978,33 +11188,33 @@
           <a:lstStyle/>
           <a:p>
             <a:r>
-              <a:rPr lang="nl-BE" dirty="0" err="1" smtClean="0"/>
+              <a:rPr lang="nl-BE" dirty="0" err="1"/>
               <a:t>Tuneable</a:t>
             </a:r>
             <a:r>
-              <a:rPr lang="nl-BE" dirty="0" smtClean="0"/>
+              <a:rPr lang="nl-BE" dirty="0"/>
               <a:t> parameters:</a:t>
             </a:r>
           </a:p>
           <a:p>
             <a:pPr lvl="1"/>
             <a:r>
-              <a:rPr lang="nl-BE" dirty="0" err="1" smtClean="0"/>
+              <a:rPr lang="nl-BE" dirty="0" err="1"/>
               <a:t>Scalings</a:t>
             </a:r>
-            <a:endParaRPr lang="nl-BE" dirty="0" smtClean="0"/>
+            <a:endParaRPr lang="nl-BE" dirty="0"/>
           </a:p>
           <a:p>
             <a:pPr lvl="2"/>
             <a:r>
-              <a:rPr lang="nl-BE" dirty="0" smtClean="0"/>
+              <a:rPr lang="nl-BE" dirty="0"/>
               <a:t>Analysis</a:t>
             </a:r>
           </a:p>
           <a:p>
             <a:pPr lvl="2"/>
             <a:r>
-              <a:rPr lang="nl-BE" dirty="0" err="1" smtClean="0"/>
+              <a:rPr lang="nl-BE" dirty="0" err="1"/>
               <a:t>Synthesis</a:t>
             </a:r>
             <a:endParaRPr lang="nl-BE" dirty="0"/>
@@ -11012,85 +11222,81 @@
           <a:p>
             <a:pPr lvl="2"/>
             <a:r>
-              <a:rPr lang="nl-BE" dirty="0" smtClean="0">
+              <a:rPr lang="nl-BE" dirty="0">
                 <a:sym typeface="Wingdings" panose="05000000000000000000" pitchFamily="2" charset="2"/>
               </a:rPr>
               <a:t> </a:t>
             </a:r>
             <a:r>
               <a:rPr lang="nl-BE" dirty="0"/>
-              <a:t>Trade-off clipping </a:t>
-            </a:r>
-            <a:r>
-              <a:rPr lang="nl-BE" dirty="0" smtClean="0"/>
-              <a:t>↔ SNR</a:t>
+              <a:t>Trade-off clipping ↔ SNR</a:t>
             </a:r>
           </a:p>
           <a:p>
             <a:pPr lvl="1"/>
             <a:r>
-              <a:rPr lang="nl-BE" dirty="0" err="1" smtClean="0"/>
+              <a:rPr lang="nl-BE" dirty="0" err="1"/>
               <a:t>Phi</a:t>
             </a:r>
             <a:r>
-              <a:rPr lang="nl-BE" dirty="0" smtClean="0"/>
+              <a:rPr lang="nl-BE" dirty="0"/>
               <a:t> </a:t>
             </a:r>
             <a:r>
-              <a:rPr lang="nl-BE" dirty="0" err="1" smtClean="0"/>
+              <a:rPr lang="nl-BE" dirty="0" err="1"/>
               <a:t>values</a:t>
             </a:r>
-            <a:endParaRPr lang="nl-BE" dirty="0" smtClean="0"/>
+            <a:endParaRPr lang="nl-BE" dirty="0"/>
           </a:p>
           <a:p>
             <a:pPr lvl="1"/>
             <a:r>
-              <a:rPr lang="nl-BE" dirty="0" smtClean="0"/>
+              <a:rPr lang="nl-BE" dirty="0"/>
               <a:t>Mu </a:t>
             </a:r>
             <a:r>
-              <a:rPr lang="nl-BE" dirty="0" err="1" smtClean="0"/>
+              <a:rPr lang="nl-BE" dirty="0" err="1"/>
               <a:t>values</a:t>
             </a:r>
-            <a:endParaRPr lang="nl-BE" dirty="0" smtClean="0"/>
+            <a:endParaRPr lang="nl-BE" dirty="0"/>
           </a:p>
           <a:p>
             <a:pPr lvl="1"/>
             <a:r>
-              <a:rPr lang="nl-BE" dirty="0" smtClean="0"/>
+              <a:rPr lang="nl-BE" dirty="0"/>
               <a:t>Stop band </a:t>
             </a:r>
             <a:r>
-              <a:rPr lang="nl-BE" dirty="0" err="1" smtClean="0"/>
+              <a:rPr lang="nl-BE" dirty="0" err="1"/>
               <a:t>attenuations</a:t>
             </a:r>
-            <a:endParaRPr lang="nl-BE" dirty="0" smtClean="0"/>
+            <a:endParaRPr lang="nl-BE" dirty="0"/>
           </a:p>
           <a:p>
             <a:pPr lvl="1"/>
             <a:r>
-              <a:rPr lang="nl-BE" dirty="0" smtClean="0"/>
+              <a:rPr lang="nl-BE" dirty="0"/>
               <a:t>Filter </a:t>
             </a:r>
             <a:r>
-              <a:rPr lang="nl-BE" dirty="0" err="1" smtClean="0"/>
+              <a:rPr lang="nl-BE" dirty="0" err="1"/>
               <a:t>lengths</a:t>
             </a:r>
-            <a:endParaRPr lang="nl-BE" dirty="0" smtClean="0"/>
+            <a:endParaRPr lang="nl-BE" dirty="0"/>
           </a:p>
           <a:p>
             <a:pPr lvl="1"/>
             <a:r>
-              <a:rPr lang="nl-BE" dirty="0" smtClean="0"/>
+              <a:rPr lang="nl-BE" dirty="0"/>
               <a:t>Maxima </a:t>
             </a:r>
             <a:r>
-              <a:rPr lang="nl-BE" dirty="0" smtClean="0">
+              <a:rPr lang="nl-BE" dirty="0">
                 <a:sym typeface="Wingdings" panose="05000000000000000000" pitchFamily="2" charset="2"/>
               </a:rPr>
               <a:t> #bits</a:t>
             </a:r>
-            <a:endParaRPr lang="nl-BE" dirty="0" smtClean="0"/>
+            <a:endParaRPr lang="nl-BE" dirty="0"/>
           </a:p>
           <a:p>
             <a:endParaRPr lang="en-US" dirty="0"/>
@@ -11107,13 +11313,6 @@
   <p:clrMapOvr>
     <a:masterClrMapping/>
   </p:clrMapOvr>
-  <p:timing>
-    <p:tnLst>
-      <p:par>
-        <p:cTn id="1" dur="indefinite" restart="never" nodeType="tmRoot"/>
-      </p:par>
-    </p:tnLst>
-  </p:timing>
 </p:sld>
 </file>
 
@@ -11150,11 +11349,11 @@
           <a:lstStyle/>
           <a:p>
             <a:r>
-              <a:rPr lang="nl-BE" dirty="0" smtClean="0"/>
+              <a:rPr lang="nl-BE" dirty="0"/>
               <a:t>Parameter </a:t>
             </a:r>
             <a:r>
-              <a:rPr lang="nl-BE" dirty="0" err="1" smtClean="0"/>
+              <a:rPr lang="nl-BE" dirty="0" err="1"/>
               <a:t>tuning</a:t>
             </a:r>
             <a:endParaRPr lang="en-US" dirty="0"/>
@@ -11177,162 +11376,135 @@
           <a:lstStyle/>
           <a:p>
             <a:r>
-              <a:rPr lang="nl-BE" dirty="0" smtClean="0"/>
+              <a:rPr lang="nl-BE" dirty="0"/>
               <a:t>Preprocessing:</a:t>
             </a:r>
           </a:p>
           <a:p>
             <a:pPr lvl="1"/>
             <a:r>
-              <a:rPr lang="nl-BE" dirty="0" smtClean="0"/>
+              <a:rPr lang="nl-BE" dirty="0"/>
               <a:t>Files </a:t>
             </a:r>
             <a:r>
-              <a:rPr lang="nl-BE" dirty="0" err="1" smtClean="0"/>
+              <a:rPr lang="nl-BE" dirty="0" err="1"/>
               <a:t>changed</a:t>
             </a:r>
             <a:r>
-              <a:rPr lang="nl-BE" dirty="0" smtClean="0"/>
+              <a:rPr lang="nl-BE" dirty="0"/>
               <a:t> </a:t>
             </a:r>
             <a:r>
-              <a:rPr lang="nl-BE" dirty="0" err="1" smtClean="0"/>
+              <a:rPr lang="nl-BE" dirty="0" err="1"/>
               <a:t>to</a:t>
             </a:r>
             <a:r>
-              <a:rPr lang="nl-BE" dirty="0" smtClean="0"/>
+              <a:rPr lang="nl-BE" dirty="0"/>
               <a:t> 8kHz</a:t>
             </a:r>
           </a:p>
           <a:p>
             <a:pPr lvl="2"/>
             <a:r>
-              <a:rPr lang="nl-BE" dirty="0" err="1" smtClean="0"/>
+              <a:rPr lang="nl-BE" dirty="0" err="1"/>
               <a:t>Audacity</a:t>
             </a:r>
-            <a:endParaRPr lang="nl-BE" dirty="0" smtClean="0"/>
+            <a:endParaRPr lang="nl-BE" dirty="0"/>
           </a:p>
           <a:p>
             <a:pPr lvl="2"/>
             <a:r>
-              <a:rPr lang="nl-BE" dirty="0" smtClean="0"/>
+              <a:rPr lang="nl-BE" dirty="0"/>
               <a:t>70dB </a:t>
             </a:r>
             <a:r>
-              <a:rPr lang="nl-BE" dirty="0" err="1" smtClean="0"/>
+              <a:rPr lang="nl-BE" dirty="0" err="1"/>
               <a:t>decimation</a:t>
             </a:r>
             <a:r>
-              <a:rPr lang="nl-BE" dirty="0" smtClean="0"/>
+              <a:rPr lang="nl-BE" dirty="0"/>
               <a:t> filter</a:t>
             </a:r>
           </a:p>
           <a:p>
             <a:r>
-              <a:rPr lang="nl-BE" dirty="0" err="1" smtClean="0"/>
+              <a:rPr lang="nl-BE" dirty="0" err="1"/>
               <a:t>Based</a:t>
             </a:r>
             <a:r>
-              <a:rPr lang="nl-BE" dirty="0" smtClean="0"/>
+              <a:rPr lang="nl-BE" dirty="0"/>
               <a:t> on PESQ </a:t>
             </a:r>
             <a:r>
-              <a:rPr lang="nl-BE" dirty="0" err="1" smtClean="0"/>
+              <a:rPr lang="nl-BE" dirty="0" err="1"/>
               <a:t>only</a:t>
             </a:r>
-            <a:endParaRPr lang="nl-BE" dirty="0" smtClean="0"/>
+            <a:endParaRPr lang="nl-BE" dirty="0"/>
           </a:p>
           <a:p>
             <a:pPr lvl="1"/>
             <a:r>
-              <a:rPr lang="nl-BE" dirty="0" smtClean="0"/>
+              <a:rPr lang="nl-BE" dirty="0"/>
               <a:t>More </a:t>
             </a:r>
             <a:r>
-              <a:rPr lang="nl-BE" dirty="0" err="1" smtClean="0"/>
+              <a:rPr lang="nl-BE" dirty="0" err="1"/>
               <a:t>representative</a:t>
             </a:r>
             <a:r>
-              <a:rPr lang="nl-BE" dirty="0" smtClean="0"/>
+              <a:rPr lang="nl-BE" dirty="0"/>
+              <a:t> of human hearing system</a:t>
+            </a:r>
+          </a:p>
+          <a:p>
+            <a:pPr lvl="1"/>
+            <a:r>
+              <a:rPr lang="nl-BE" dirty="0" err="1"/>
+              <a:t>Maximizing</a:t>
+            </a:r>
+            <a:r>
+              <a:rPr lang="nl-BE" dirty="0"/>
               <a:t> </a:t>
             </a:r>
             <a:r>
-              <a:rPr lang="nl-BE" dirty="0" err="1" smtClean="0"/>
-              <a:t>for</a:t>
-            </a:r>
-            <a:r>
-              <a:rPr lang="nl-BE" dirty="0" smtClean="0"/>
-              <a:t> human hearing system</a:t>
-            </a:r>
-          </a:p>
-          <a:p>
-            <a:pPr lvl="1"/>
-            <a:r>
-              <a:rPr lang="nl-BE" dirty="0" err="1" smtClean="0"/>
-              <a:t>Average</a:t>
-            </a:r>
-            <a:r>
-              <a:rPr lang="nl-BE" dirty="0" smtClean="0"/>
-              <a:t> of scores of </a:t>
+              <a:rPr lang="nl-BE" dirty="0" err="1"/>
+              <a:t>equally</a:t>
+            </a:r>
+            <a:r>
+              <a:rPr lang="nl-BE" dirty="0"/>
+              <a:t> </a:t>
+            </a:r>
+            <a:r>
+              <a:rPr lang="nl-BE" dirty="0" err="1"/>
+              <a:t>weighted</a:t>
+            </a:r>
+            <a:r>
+              <a:rPr lang="nl-BE" dirty="0"/>
+              <a:t> score of:</a:t>
             </a:r>
           </a:p>
           <a:p>
             <a:pPr lvl="2"/>
             <a:r>
-              <a:rPr lang="nl-BE" dirty="0" err="1" smtClean="0"/>
+              <a:rPr lang="nl-BE" dirty="0" err="1"/>
               <a:t>Words_f</a:t>
             </a:r>
             <a:r>
-              <a:rPr lang="nl-BE" dirty="0" smtClean="0"/>
+              <a:rPr lang="nl-BE" dirty="0"/>
               <a:t>, </a:t>
             </a:r>
             <a:r>
-              <a:rPr lang="nl-BE" dirty="0" err="1" smtClean="0"/>
+              <a:rPr lang="nl-BE" dirty="0" err="1"/>
               <a:t>words_m</a:t>
             </a:r>
             <a:r>
-              <a:rPr lang="nl-BE" dirty="0" smtClean="0"/>
+              <a:rPr lang="nl-BE" dirty="0"/>
               <a:t>, f116, f216, m116, m216, belasting, </a:t>
             </a:r>
             <a:r>
-              <a:rPr lang="nl-BE" dirty="0" err="1" smtClean="0"/>
+              <a:rPr lang="nl-BE" dirty="0" err="1"/>
               <a:t>bir</a:t>
             </a:r>
-            <a:endParaRPr lang="nl-BE" dirty="0" smtClean="0"/>
-          </a:p>
-          <a:p>
-            <a:pPr lvl="2"/>
-            <a:r>
-              <a:rPr lang="nl-BE" dirty="0" err="1" smtClean="0"/>
-              <a:t>All</a:t>
-            </a:r>
-            <a:r>
-              <a:rPr lang="nl-BE" dirty="0" smtClean="0"/>
-              <a:t> </a:t>
-            </a:r>
-            <a:r>
-              <a:rPr lang="nl-BE" dirty="0" err="1" smtClean="0"/>
-              <a:t>weighted</a:t>
-            </a:r>
-            <a:r>
-              <a:rPr lang="nl-BE" dirty="0" smtClean="0"/>
-              <a:t> </a:t>
-            </a:r>
-            <a:r>
-              <a:rPr lang="nl-BE" dirty="0" err="1" smtClean="0"/>
-              <a:t>equally</a:t>
-            </a:r>
-            <a:r>
-              <a:rPr lang="nl-BE" dirty="0" smtClean="0"/>
-              <a:t> in </a:t>
-            </a:r>
-            <a:r>
-              <a:rPr lang="nl-BE" dirty="0" err="1" smtClean="0"/>
-              <a:t>average</a:t>
-            </a:r>
-            <a:endParaRPr lang="nl-BE" dirty="0" smtClean="0"/>
-          </a:p>
-          <a:p>
             <a:endParaRPr lang="en-US" dirty="0"/>
           </a:p>
         </p:txBody>
@@ -11347,13 +11519,6 @@
   <p:clrMapOvr>
     <a:masterClrMapping/>
   </p:clrMapOvr>
-  <p:timing>
-    <p:tnLst>
-      <p:par>
-        <p:cTn id="1" dur="indefinite" restart="never" nodeType="tmRoot"/>
-      </p:par>
-    </p:tnLst>
-  </p:timing>
 </p:sld>
 </file>
 
@@ -11390,11 +11555,11 @@
           <a:lstStyle/>
           <a:p>
             <a:r>
-              <a:rPr lang="nl-BE" dirty="0" smtClean="0"/>
+              <a:rPr lang="nl-BE" dirty="0"/>
               <a:t>Parameter </a:t>
             </a:r>
             <a:r>
-              <a:rPr lang="nl-BE" dirty="0" err="1" smtClean="0"/>
+              <a:rPr lang="nl-BE" dirty="0" err="1"/>
               <a:t>tuning</a:t>
             </a:r>
             <a:endParaRPr lang="en-US" dirty="0"/>
@@ -11417,237 +11582,232 @@
           <a:lstStyle/>
           <a:p>
             <a:r>
-              <a:rPr lang="nl-BE" dirty="0" smtClean="0"/>
+              <a:rPr lang="nl-BE" dirty="0"/>
               <a:t>Modus operandi:</a:t>
             </a:r>
           </a:p>
           <a:p>
             <a:pPr lvl="1"/>
             <a:r>
-              <a:rPr lang="nl-BE" dirty="0" smtClean="0"/>
+              <a:rPr lang="nl-BE" dirty="0"/>
               <a:t>Per band</a:t>
             </a:r>
           </a:p>
           <a:p>
             <a:pPr lvl="1"/>
             <a:r>
-              <a:rPr lang="nl-BE" dirty="0" err="1" smtClean="0"/>
+              <a:rPr lang="nl-BE" dirty="0" err="1"/>
               <a:t>Manually</a:t>
             </a:r>
             <a:r>
-              <a:rPr lang="nl-BE" dirty="0" smtClean="0"/>
+              <a:rPr lang="nl-BE" dirty="0"/>
               <a:t> </a:t>
             </a:r>
             <a:r>
-              <a:rPr lang="nl-BE" dirty="0" err="1" smtClean="0"/>
+              <a:rPr lang="nl-BE" dirty="0" err="1"/>
               <a:t>greedy</a:t>
             </a:r>
             <a:r>
-              <a:rPr lang="nl-BE" dirty="0" smtClean="0"/>
+              <a:rPr lang="nl-BE" dirty="0"/>
               <a:t> approach:</a:t>
             </a:r>
           </a:p>
           <a:p>
             <a:pPr lvl="2"/>
             <a:r>
-              <a:rPr lang="nl-BE" dirty="0" err="1" smtClean="0"/>
+              <a:rPr lang="nl-BE" dirty="0" err="1"/>
               <a:t>Optimize</a:t>
             </a:r>
             <a:r>
-              <a:rPr lang="nl-BE" dirty="0" smtClean="0"/>
+              <a:rPr lang="nl-BE" dirty="0"/>
               <a:t> parameter 1, </a:t>
             </a:r>
             <a:r>
-              <a:rPr lang="nl-BE" dirty="0" err="1" smtClean="0"/>
+              <a:rPr lang="nl-BE" dirty="0" err="1"/>
               <a:t>then</a:t>
             </a:r>
             <a:r>
-              <a:rPr lang="nl-BE" dirty="0" smtClean="0"/>
+              <a:rPr lang="nl-BE" dirty="0"/>
               <a:t> 2, </a:t>
             </a:r>
             <a:r>
-              <a:rPr lang="nl-BE" dirty="0" err="1" smtClean="0"/>
+              <a:rPr lang="nl-BE" dirty="0" err="1"/>
               <a:t>then</a:t>
             </a:r>
             <a:r>
-              <a:rPr lang="nl-BE" dirty="0" smtClean="0"/>
+              <a:rPr lang="nl-BE" dirty="0"/>
               <a:t> 1 </a:t>
             </a:r>
             <a:r>
-              <a:rPr lang="nl-BE" dirty="0" err="1" smtClean="0"/>
+              <a:rPr lang="nl-BE" dirty="0" err="1"/>
               <a:t>again</a:t>
             </a:r>
             <a:r>
-              <a:rPr lang="nl-BE" dirty="0" smtClean="0"/>
+              <a:rPr lang="nl-BE" dirty="0"/>
               <a:t> …</a:t>
             </a:r>
           </a:p>
           <a:p>
             <a:pPr lvl="1"/>
             <a:r>
-              <a:rPr lang="nl-BE" dirty="0" err="1" smtClean="0"/>
+              <a:rPr lang="nl-BE" dirty="0" err="1"/>
               <a:t>Scaling</a:t>
             </a:r>
             <a:r>
-              <a:rPr lang="nl-BE" dirty="0" smtClean="0"/>
+              <a:rPr lang="nl-BE" dirty="0"/>
               <a:t> </a:t>
             </a:r>
             <a:r>
-              <a:rPr lang="nl-BE" dirty="0" err="1" smtClean="0"/>
+              <a:rPr lang="nl-BE" dirty="0" err="1"/>
               <a:t>massive</a:t>
             </a:r>
             <a:r>
-              <a:rPr lang="nl-BE" dirty="0" smtClean="0"/>
+              <a:rPr lang="nl-BE" dirty="0"/>
               <a:t> impact</a:t>
             </a:r>
           </a:p>
           <a:p>
             <a:pPr lvl="1"/>
             <a:r>
-              <a:rPr lang="nl-BE" dirty="0" err="1" smtClean="0"/>
+              <a:rPr lang="nl-BE" dirty="0" err="1"/>
               <a:t>Bufferlenghts</a:t>
             </a:r>
             <a:r>
-              <a:rPr lang="nl-BE" dirty="0" smtClean="0"/>
+              <a:rPr lang="nl-BE" dirty="0"/>
               <a:t>:</a:t>
             </a:r>
           </a:p>
           <a:p>
             <a:pPr lvl="2"/>
             <a:r>
-              <a:rPr lang="nl-BE" dirty="0" smtClean="0"/>
+              <a:rPr lang="nl-BE" dirty="0"/>
               <a:t>Large impact in </a:t>
             </a:r>
             <a:r>
-              <a:rPr lang="nl-BE" dirty="0" err="1" smtClean="0"/>
+              <a:rPr lang="nl-BE" dirty="0" err="1"/>
               <a:t>lowest</a:t>
             </a:r>
             <a:r>
-              <a:rPr lang="nl-BE" dirty="0" smtClean="0"/>
+              <a:rPr lang="nl-BE" dirty="0"/>
               <a:t> band</a:t>
             </a:r>
           </a:p>
           <a:p>
             <a:pPr lvl="2"/>
             <a:r>
-              <a:rPr lang="nl-BE" dirty="0" smtClean="0"/>
+              <a:rPr lang="nl-BE" dirty="0"/>
               <a:t>Small in </a:t>
             </a:r>
             <a:r>
-              <a:rPr lang="nl-BE" dirty="0" err="1" smtClean="0"/>
+              <a:rPr lang="nl-BE" dirty="0" err="1"/>
               <a:t>others</a:t>
             </a:r>
-            <a:endParaRPr lang="nl-BE" dirty="0" smtClean="0"/>
+            <a:endParaRPr lang="nl-BE" dirty="0"/>
           </a:p>
           <a:p>
             <a:pPr lvl="1"/>
             <a:r>
-              <a:rPr lang="nl-BE" dirty="0" err="1" smtClean="0"/>
+              <a:rPr lang="nl-BE" dirty="0" err="1"/>
               <a:t>Phi</a:t>
             </a:r>
             <a:r>
-              <a:rPr lang="nl-BE" dirty="0" smtClean="0"/>
+              <a:rPr lang="nl-BE" dirty="0"/>
               <a:t> </a:t>
             </a:r>
             <a:r>
-              <a:rPr lang="nl-BE" dirty="0" err="1" smtClean="0"/>
+              <a:rPr lang="nl-BE" dirty="0" err="1"/>
               <a:t>and</a:t>
             </a:r>
             <a:r>
-              <a:rPr lang="nl-BE" dirty="0" smtClean="0"/>
+              <a:rPr lang="nl-BE" dirty="0"/>
               <a:t> mu </a:t>
             </a:r>
             <a:r>
-              <a:rPr lang="nl-BE" dirty="0" err="1" smtClean="0"/>
+              <a:rPr lang="nl-BE" dirty="0" err="1"/>
               <a:t>values</a:t>
             </a:r>
             <a:r>
-              <a:rPr lang="nl-BE" dirty="0" smtClean="0"/>
+              <a:rPr lang="nl-BE" dirty="0"/>
               <a:t> in </a:t>
             </a:r>
             <a:r>
-              <a:rPr lang="nl-BE" dirty="0" err="1" smtClean="0"/>
+              <a:rPr lang="nl-BE" dirty="0" err="1"/>
               <a:t>higher</a:t>
             </a:r>
             <a:r>
-              <a:rPr lang="nl-BE" dirty="0" smtClean="0"/>
+              <a:rPr lang="nl-BE" dirty="0"/>
               <a:t> bands small impact</a:t>
             </a:r>
           </a:p>
           <a:p>
             <a:pPr lvl="1"/>
             <a:r>
-              <a:rPr lang="nl-BE" dirty="0" smtClean="0"/>
+              <a:rPr lang="nl-BE" dirty="0"/>
               <a:t>#bits:</a:t>
             </a:r>
           </a:p>
           <a:p>
             <a:pPr lvl="2"/>
             <a:r>
-              <a:rPr lang="nl-BE" dirty="0" smtClean="0"/>
-              <a:t>5,4,3,0: </a:t>
-            </a:r>
-            <a:r>
-              <a:rPr lang="nl-BE" dirty="0" err="1" smtClean="0"/>
-              <a:t>Losing</a:t>
-            </a:r>
-            <a:r>
-              <a:rPr lang="nl-BE" dirty="0" smtClean="0"/>
+              <a:rPr lang="nl-BE" dirty="0"/>
+              <a:t>5,4,3,0: Using bits in </a:t>
+            </a:r>
+            <a:r>
+              <a:rPr lang="nl-BE" dirty="0" err="1"/>
+              <a:t>the</a:t>
+            </a:r>
+            <a:r>
+              <a:rPr lang="nl-BE" dirty="0"/>
               <a:t> </a:t>
             </a:r>
             <a:r>
-              <a:rPr lang="nl-BE" dirty="0" err="1" smtClean="0"/>
-              <a:t>two</a:t>
-            </a:r>
-            <a:r>
-              <a:rPr lang="nl-BE" dirty="0" smtClean="0"/>
-              <a:t> bits in </a:t>
-            </a:r>
-            <a:r>
-              <a:rPr lang="nl-BE" dirty="0" err="1" smtClean="0"/>
-              <a:t>other</a:t>
-            </a:r>
-            <a:r>
-              <a:rPr lang="nl-BE" dirty="0" smtClean="0"/>
-              <a:t> bands </a:t>
-            </a:r>
-            <a:r>
-              <a:rPr lang="nl-BE" dirty="0" err="1" smtClean="0"/>
-              <a:t>for</a:t>
-            </a:r>
-            <a:r>
-              <a:rPr lang="nl-BE" dirty="0" smtClean="0"/>
+              <a:rPr lang="nl-BE" dirty="0" err="1"/>
+              <a:t>highest</a:t>
+            </a:r>
+            <a:r>
+              <a:rPr lang="nl-BE" dirty="0"/>
+              <a:t> band is </a:t>
+            </a:r>
+            <a:r>
+              <a:rPr lang="nl-BE" dirty="0" err="1"/>
+              <a:t>not</a:t>
+            </a:r>
+            <a:r>
+              <a:rPr lang="nl-BE" dirty="0"/>
               <a:t> </a:t>
             </a:r>
             <a:r>
-              <a:rPr lang="nl-BE" dirty="0" err="1" smtClean="0"/>
-              <a:t>highest</a:t>
-            </a:r>
-            <a:r>
-              <a:rPr lang="nl-BE" dirty="0" smtClean="0"/>
-              <a:t> band </a:t>
-            </a:r>
-            <a:r>
-              <a:rPr lang="nl-BE" dirty="0" err="1" smtClean="0"/>
-              <a:t>not</a:t>
-            </a:r>
-            <a:r>
-              <a:rPr lang="nl-BE" dirty="0" smtClean="0"/>
+              <a:rPr lang="nl-BE" dirty="0" err="1"/>
+              <a:t>worth</a:t>
+            </a:r>
+            <a:r>
+              <a:rPr lang="nl-BE" dirty="0"/>
               <a:t> </a:t>
             </a:r>
             <a:r>
-              <a:rPr lang="nl-BE" dirty="0" err="1" smtClean="0"/>
-              <a:t>worth</a:t>
-            </a:r>
-            <a:r>
-              <a:rPr lang="nl-BE" dirty="0" smtClean="0"/>
+              <a:rPr lang="nl-BE" dirty="0" err="1"/>
+              <a:t>losing</a:t>
+            </a:r>
+            <a:r>
+              <a:rPr lang="nl-BE" dirty="0"/>
               <a:t> </a:t>
             </a:r>
             <a:r>
-              <a:rPr lang="nl-BE" dirty="0" err="1" smtClean="0"/>
-              <a:t>it</a:t>
-            </a:r>
-            <a:endParaRPr lang="nl-BE" dirty="0" smtClean="0"/>
+              <a:rPr lang="nl-BE" dirty="0" err="1"/>
+              <a:t>them</a:t>
+            </a:r>
+            <a:r>
+              <a:rPr lang="nl-BE" dirty="0"/>
+              <a:t> in </a:t>
+            </a:r>
+            <a:r>
+              <a:rPr lang="nl-BE" dirty="0" err="1"/>
+              <a:t>another</a:t>
+            </a:r>
+            <a:r>
+              <a:rPr lang="nl-BE" dirty="0"/>
+              <a:t> band</a:t>
+            </a:r>
           </a:p>
           <a:p>
             <a:endParaRPr lang="en-US" dirty="0"/>
@@ -11664,13 +11824,6 @@
   <p:clrMapOvr>
     <a:masterClrMapping/>
   </p:clrMapOvr>
-  <p:timing>
-    <p:tnLst>
-      <p:par>
-        <p:cTn id="1" dur="indefinite" restart="never" nodeType="tmRoot"/>
-      </p:par>
-    </p:tnLst>
-  </p:timing>
 </p:sld>
 </file>
 
@@ -11707,139 +11860,20 @@
           <a:lstStyle/>
           <a:p>
             <a:r>
-              <a:rPr lang="nl-BE" dirty="0" smtClean="0"/>
+              <a:rPr lang="nl-BE" dirty="0"/>
               <a:t>Parameter </a:t>
             </a:r>
             <a:r>
-              <a:rPr lang="nl-BE" dirty="0" err="1" smtClean="0"/>
+              <a:rPr lang="nl-BE" dirty="0" err="1"/>
               <a:t>tuning</a:t>
             </a:r>
             <a:r>
-              <a:rPr lang="nl-BE" dirty="0" smtClean="0"/>
+              <a:rPr lang="nl-BE" dirty="0"/>
               <a:t>: </a:t>
             </a:r>
             <a:r>
-              <a:rPr lang="nl-BE" dirty="0" err="1" smtClean="0"/>
+              <a:rPr lang="nl-BE" dirty="0" err="1"/>
               <a:t>results</a:t>
-            </a:r>
-            <a:endParaRPr lang="en-US" dirty="0"/>
-          </a:p>
-        </p:txBody>
-      </p:sp>
-      <p:sp>
-        <p:nvSpPr>
-          <p:cNvPr id="3" name="Content Placeholder 2"/>
-          <p:cNvSpPr>
-            <a:spLocks noGrp="1"/>
-          </p:cNvSpPr>
-          <p:nvPr>
-            <p:ph idx="1"/>
-          </p:nvPr>
-        </p:nvSpPr>
-        <p:spPr/>
-        <p:txBody>
-          <a:bodyPr/>
-          <a:lstStyle/>
-          <a:p>
-            <a:r>
-              <a:rPr lang="nl-BE" dirty="0" smtClean="0"/>
-              <a:t> TABEL MET WAARDES HIER</a:t>
-            </a:r>
-            <a:br>
-              <a:rPr lang="nl-BE" dirty="0" smtClean="0"/>
-            </a:br>
-            <a:r>
-              <a:rPr lang="nl-BE" dirty="0" smtClean="0"/>
-              <a:t/>
-            </a:r>
-            <a:br>
-              <a:rPr lang="nl-BE" dirty="0" smtClean="0"/>
-            </a:br>
-            <a:r>
-              <a:rPr lang="nl-BE" dirty="0" smtClean="0"/>
-              <a:t/>
-            </a:r>
-            <a:br>
-              <a:rPr lang="nl-BE" dirty="0" smtClean="0"/>
-            </a:br>
-            <a:r>
-              <a:rPr lang="nl-BE" dirty="0" smtClean="0"/>
-              <a:t/>
-            </a:r>
-            <a:br>
-              <a:rPr lang="nl-BE" dirty="0" smtClean="0"/>
-            </a:br>
-            <a:r>
-              <a:rPr lang="nl-BE" dirty="0" smtClean="0"/>
-              <a:t/>
-            </a:r>
-            <a:br>
-              <a:rPr lang="nl-BE" dirty="0" smtClean="0"/>
-            </a:br>
-            <a:r>
-              <a:rPr lang="nl-BE" dirty="0" smtClean="0"/>
-              <a:t/>
-            </a:r>
-            <a:br>
-              <a:rPr lang="nl-BE" dirty="0" smtClean="0"/>
-            </a:br>
-            <a:endParaRPr lang="nl-BE" dirty="0" smtClean="0"/>
-          </a:p>
-          <a:p>
-            <a:r>
-              <a:rPr lang="nl-BE" dirty="0" smtClean="0">
-                <a:sym typeface="Wingdings" panose="05000000000000000000" pitchFamily="2" charset="2"/>
-              </a:rPr>
-              <a:t></a:t>
-            </a:r>
-            <a:r>
-              <a:rPr lang="nl-BE" dirty="0" err="1" smtClean="0">
-                <a:sym typeface="Wingdings" panose="05000000000000000000" pitchFamily="2" charset="2"/>
-              </a:rPr>
-              <a:t>Average</a:t>
-            </a:r>
-            <a:r>
-              <a:rPr lang="nl-BE" dirty="0" smtClean="0">
-                <a:sym typeface="Wingdings" panose="05000000000000000000" pitchFamily="2" charset="2"/>
-              </a:rPr>
-              <a:t> PESQ:</a:t>
-            </a:r>
-          </a:p>
-          <a:p>
-            <a:r>
-              <a:rPr lang="nl-BE" dirty="0" smtClean="0">
-                <a:sym typeface="Wingdings" panose="05000000000000000000" pitchFamily="2" charset="2"/>
-              </a:rPr>
-              <a:t></a:t>
-            </a:r>
-            <a:r>
-              <a:rPr lang="nl-BE" dirty="0" err="1" smtClean="0">
-                <a:sym typeface="Wingdings" panose="05000000000000000000" pitchFamily="2" charset="2"/>
-              </a:rPr>
-              <a:t>Average</a:t>
-            </a:r>
-            <a:r>
-              <a:rPr lang="nl-BE" dirty="0" smtClean="0">
-                <a:sym typeface="Wingdings" panose="05000000000000000000" pitchFamily="2" charset="2"/>
-              </a:rPr>
-              <a:t> SNR:</a:t>
-            </a:r>
-          </a:p>
-          <a:p>
-            <a:r>
-              <a:rPr lang="nl-BE" dirty="0" smtClean="0">
-                <a:sym typeface="Wingdings" panose="05000000000000000000" pitchFamily="2" charset="2"/>
-              </a:rPr>
-              <a:t>Inherent filterdelay:</a:t>
-            </a:r>
-          </a:p>
-          <a:p>
-            <a:pPr lvl="1"/>
-            <a:r>
-              <a:rPr lang="nl-BE" dirty="0" smtClean="0">
-                <a:sym typeface="Wingdings" panose="05000000000000000000" pitchFamily="2" charset="2"/>
-              </a:rPr>
-              <a:t> 16ms  </a:t>
             </a:r>
             <a:endParaRPr lang="en-US" dirty="0"/>
           </a:p>
@@ -11861,7 +11895,7 @@
         </p:blipFill>
         <p:spPr>
           <a:xfrm>
-            <a:off x="4809123" y="4338476"/>
+            <a:off x="4082522" y="1346954"/>
             <a:ext cx="4443032" cy="2519524"/>
           </a:xfrm>
           <a:prstGeom prst="rect">
@@ -11869,6 +11903,294 @@
           </a:prstGeom>
         </p:spPr>
       </p:pic>
+      <p:pic>
+        <p:nvPicPr>
+          <p:cNvPr id="5" name="Picture 4"/>
+          <p:cNvPicPr>
+            <a:picLocks noChangeAspect="1"/>
+          </p:cNvPicPr>
+          <p:nvPr/>
+        </p:nvPicPr>
+        <p:blipFill>
+          <a:blip r:embed="rId3">
+            <a:extLst>
+              <a:ext uri="{28A0092B-C50C-407E-A947-70E740481C1C}">
+                <a14:useLocalDpi xmlns:a14="http://schemas.microsoft.com/office/drawing/2010/main" val="0"/>
+              </a:ext>
+            </a:extLst>
+          </a:blip>
+          <a:stretch>
+            <a:fillRect/>
+          </a:stretch>
+        </p:blipFill>
+        <p:spPr>
+          <a:xfrm>
+            <a:off x="317509" y="2848510"/>
+            <a:ext cx="3639058" cy="3410426"/>
+          </a:xfrm>
+          <a:prstGeom prst="rect">
+            <a:avLst/>
+          </a:prstGeom>
+        </p:spPr>
+      </p:pic>
+      <p:sp>
+        <p:nvSpPr>
+          <p:cNvPr id="6" name="Content Placeholder 2"/>
+          <p:cNvSpPr txBox="1">
+            <a:spLocks/>
+          </p:cNvSpPr>
+          <p:nvPr/>
+        </p:nvSpPr>
+        <p:spPr>
+          <a:xfrm>
+            <a:off x="4207896" y="4133432"/>
+            <a:ext cx="3639058" cy="1426391"/>
+          </a:xfrm>
+          <a:prstGeom prst="rect">
+            <a:avLst/>
+          </a:prstGeom>
+        </p:spPr>
+        <p:txBody>
+          <a:bodyPr vert="horz" lIns="0" tIns="0" rIns="0" bIns="0" rtlCol="0">
+            <a:noAutofit/>
+          </a:bodyPr>
+          <a:lstStyle>
+            <a:lvl1pPr marL="360000" indent="-360000" algn="l" defTabSz="914400" rtl="0" eaLnBrk="1" latinLnBrk="0" hangingPunct="1">
+              <a:spcBef>
+                <a:spcPts val="580"/>
+              </a:spcBef>
+              <a:buSzPct val="110000"/>
+              <a:buFont typeface="Arial" pitchFamily="34" charset="0"/>
+              <a:buChar char="•"/>
+              <a:defRPr lang="nl-NL" sz="2400" kern="1200" dirty="0" smtClean="0">
+                <a:solidFill>
+                  <a:schemeClr val="tx1"/>
+                </a:solidFill>
+                <a:latin typeface="Arial" pitchFamily="34" charset="0"/>
+                <a:ea typeface="+mn-ea"/>
+                <a:cs typeface="Arial" pitchFamily="34" charset="0"/>
+              </a:defRPr>
+            </a:lvl1pPr>
+            <a:lvl2pPr marL="720000" indent="-360363" algn="l" defTabSz="914400" rtl="0" eaLnBrk="1" latinLnBrk="0" hangingPunct="1">
+              <a:spcBef>
+                <a:spcPts val="580"/>
+              </a:spcBef>
+              <a:buSzPct val="75000"/>
+              <a:buFont typeface="Courier New" pitchFamily="49" charset="0"/>
+              <a:buChar char="o"/>
+              <a:defRPr lang="nl-NL" sz="2400" kern="1200" dirty="0" smtClean="0">
+                <a:solidFill>
+                  <a:schemeClr val="tx1"/>
+                </a:solidFill>
+                <a:latin typeface="Arial" pitchFamily="34" charset="0"/>
+                <a:ea typeface="+mn-ea"/>
+                <a:cs typeface="Arial" pitchFamily="34" charset="0"/>
+              </a:defRPr>
+            </a:lvl2pPr>
+            <a:lvl3pPr marL="990000" indent="-270000" algn="l" defTabSz="914400" rtl="0" eaLnBrk="1" latinLnBrk="0" hangingPunct="1">
+              <a:spcBef>
+                <a:spcPct val="20000"/>
+              </a:spcBef>
+              <a:buFont typeface="Arial" pitchFamily="34" charset="0"/>
+              <a:buChar char="•"/>
+              <a:defRPr lang="nl-NL" sz="2000" kern="1200" dirty="0" smtClean="0">
+                <a:solidFill>
+                  <a:schemeClr val="tx1"/>
+                </a:solidFill>
+                <a:latin typeface="Arial" pitchFamily="34" charset="0"/>
+                <a:ea typeface="+mn-ea"/>
+                <a:cs typeface="Arial" pitchFamily="34" charset="0"/>
+              </a:defRPr>
+            </a:lvl3pPr>
+            <a:lvl4pPr marL="1168400" indent="-180000" algn="l" defTabSz="914400" rtl="0" eaLnBrk="1" latinLnBrk="0" hangingPunct="1">
+              <a:spcBef>
+                <a:spcPts val="380"/>
+              </a:spcBef>
+              <a:buSzPct val="80000"/>
+              <a:buFont typeface="Arial" pitchFamily="34" charset="0"/>
+              <a:buChar char="•"/>
+              <a:defRPr lang="nl-NL" sz="1600" kern="1200" dirty="0" smtClean="0">
+                <a:solidFill>
+                  <a:schemeClr val="tx1"/>
+                </a:solidFill>
+                <a:latin typeface="Arial" pitchFamily="34" charset="0"/>
+                <a:ea typeface="+mn-ea"/>
+                <a:cs typeface="Arial" pitchFamily="34" charset="0"/>
+              </a:defRPr>
+            </a:lvl4pPr>
+            <a:lvl5pPr marL="1338263" indent="-179388" algn="l" defTabSz="914400" rtl="0" eaLnBrk="1" latinLnBrk="0" hangingPunct="1">
+              <a:spcBef>
+                <a:spcPts val="380"/>
+              </a:spcBef>
+              <a:buFont typeface="Arial" pitchFamily="34" charset="0"/>
+              <a:buChar char="-"/>
+              <a:defRPr lang="nl-BE" sz="1600" kern="1200" dirty="0">
+                <a:solidFill>
+                  <a:schemeClr val="tx1"/>
+                </a:solidFill>
+                <a:latin typeface="Arial" pitchFamily="34" charset="0"/>
+                <a:ea typeface="+mn-ea"/>
+                <a:cs typeface="Arial" pitchFamily="34" charset="0"/>
+              </a:defRPr>
+            </a:lvl5pPr>
+            <a:lvl6pPr marL="2514600" indent="-228600" algn="l" defTabSz="914400" rtl="0" eaLnBrk="1" latinLnBrk="0" hangingPunct="1">
+              <a:spcBef>
+                <a:spcPct val="20000"/>
+              </a:spcBef>
+              <a:buFont typeface="Arial" pitchFamily="34" charset="0"/>
+              <a:buChar char="•"/>
+              <a:defRPr sz="2000" kern="1200">
+                <a:solidFill>
+                  <a:schemeClr val="tx1"/>
+                </a:solidFill>
+                <a:latin typeface="+mn-lt"/>
+                <a:ea typeface="+mn-ea"/>
+                <a:cs typeface="+mn-cs"/>
+              </a:defRPr>
+            </a:lvl6pPr>
+            <a:lvl7pPr marL="2971800" indent="-228600" algn="l" defTabSz="914400" rtl="0" eaLnBrk="1" latinLnBrk="0" hangingPunct="1">
+              <a:spcBef>
+                <a:spcPct val="20000"/>
+              </a:spcBef>
+              <a:buFont typeface="Arial" pitchFamily="34" charset="0"/>
+              <a:buChar char="•"/>
+              <a:defRPr sz="2000" kern="1200">
+                <a:solidFill>
+                  <a:schemeClr val="tx1"/>
+                </a:solidFill>
+                <a:latin typeface="+mn-lt"/>
+                <a:ea typeface="+mn-ea"/>
+                <a:cs typeface="+mn-cs"/>
+              </a:defRPr>
+            </a:lvl7pPr>
+            <a:lvl8pPr marL="3429000" indent="-228600" algn="l" defTabSz="914400" rtl="0" eaLnBrk="1" latinLnBrk="0" hangingPunct="1">
+              <a:spcBef>
+                <a:spcPct val="20000"/>
+              </a:spcBef>
+              <a:buFont typeface="Arial" pitchFamily="34" charset="0"/>
+              <a:buChar char="•"/>
+              <a:defRPr sz="2000" kern="1200">
+                <a:solidFill>
+                  <a:schemeClr val="tx1"/>
+                </a:solidFill>
+                <a:latin typeface="+mn-lt"/>
+                <a:ea typeface="+mn-ea"/>
+                <a:cs typeface="+mn-cs"/>
+              </a:defRPr>
+            </a:lvl8pPr>
+            <a:lvl9pPr marL="3886200" indent="-228600" algn="l" defTabSz="914400" rtl="0" eaLnBrk="1" latinLnBrk="0" hangingPunct="1">
+              <a:spcBef>
+                <a:spcPct val="20000"/>
+              </a:spcBef>
+              <a:buFont typeface="Arial" pitchFamily="34" charset="0"/>
+              <a:buChar char="•"/>
+              <a:defRPr sz="2000" kern="1200">
+                <a:solidFill>
+                  <a:schemeClr val="tx1"/>
+                </a:solidFill>
+                <a:latin typeface="+mn-lt"/>
+                <a:ea typeface="+mn-ea"/>
+                <a:cs typeface="+mn-cs"/>
+              </a:defRPr>
+            </a:lvl9pPr>
+          </a:lstStyle>
+          <a:p>
+            <a:r>
+              <a:rPr lang="nl-BE" dirty="0">
+                <a:sym typeface="Wingdings" panose="05000000000000000000" pitchFamily="2" charset="2"/>
+              </a:rPr>
+              <a:t>Inherent filterdelay</a:t>
+            </a:r>
+          </a:p>
+          <a:p>
+            <a:pPr marL="359637" lvl="1" indent="0">
+              <a:buFont typeface="Courier New" pitchFamily="49" charset="0"/>
+              <a:buNone/>
+            </a:pPr>
+            <a:r>
+              <a:rPr lang="nl-BE" dirty="0">
+                <a:sym typeface="Wingdings" panose="05000000000000000000" pitchFamily="2" charset="2"/>
+              </a:rPr>
+              <a:t>= 64/8000 + 32/4000</a:t>
+            </a:r>
+          </a:p>
+          <a:p>
+            <a:pPr marL="359637" lvl="1" indent="0">
+              <a:buFont typeface="Courier New" pitchFamily="49" charset="0"/>
+              <a:buNone/>
+            </a:pPr>
+            <a:r>
+              <a:rPr lang="nl-BE" dirty="0">
+                <a:sym typeface="Wingdings" panose="05000000000000000000" pitchFamily="2" charset="2"/>
+              </a:rPr>
+              <a:t>= 16 ms</a:t>
+            </a:r>
+            <a:endParaRPr lang="en-US" dirty="0"/>
+          </a:p>
+        </p:txBody>
+      </p:sp>
+      <p:sp>
+        <p:nvSpPr>
+          <p:cNvPr id="7" name="Content Placeholder 6"/>
+          <p:cNvSpPr>
+            <a:spLocks noGrp="1"/>
+          </p:cNvSpPr>
+          <p:nvPr>
+            <p:ph idx="1"/>
+          </p:nvPr>
+        </p:nvSpPr>
+        <p:spPr>
+          <a:xfrm>
+            <a:off x="540000" y="1349999"/>
+            <a:ext cx="3542522" cy="1231557"/>
+          </a:xfrm>
+        </p:spPr>
+        <p:txBody>
+          <a:bodyPr/>
+          <a:lstStyle/>
+          <a:p>
+            <a:r>
+              <a:rPr lang="nl-BE" dirty="0">
+                <a:sym typeface="Wingdings" panose="05000000000000000000" pitchFamily="2" charset="2"/>
+              </a:rPr>
+              <a:t>PESQ/SNR:</a:t>
+            </a:r>
+          </a:p>
+          <a:p>
+            <a:pPr marL="0" indent="0">
+              <a:buNone/>
+            </a:pPr>
+            <a:endParaRPr lang="nl-BE" dirty="0">
+              <a:sym typeface="Wingdings" panose="05000000000000000000" pitchFamily="2" charset="2"/>
+            </a:endParaRPr>
+          </a:p>
+          <a:p>
+            <a:r>
+              <a:rPr lang="nl-BE" dirty="0">
+                <a:sym typeface="Wingdings" panose="05000000000000000000" pitchFamily="2" charset="2"/>
+              </a:rPr>
+              <a:t></a:t>
+            </a:r>
+            <a:r>
+              <a:rPr lang="nl-BE" dirty="0" err="1">
+                <a:sym typeface="Wingdings" panose="05000000000000000000" pitchFamily="2" charset="2"/>
+              </a:rPr>
+              <a:t>Final</a:t>
+            </a:r>
+            <a:r>
+              <a:rPr lang="nl-BE" dirty="0">
+                <a:sym typeface="Wingdings" panose="05000000000000000000" pitchFamily="2" charset="2"/>
+              </a:rPr>
+              <a:t> parameters:</a:t>
+            </a:r>
+          </a:p>
+          <a:p>
+            <a:endParaRPr lang="nl-BE" dirty="0">
+              <a:sym typeface="Wingdings" panose="05000000000000000000" pitchFamily="2" charset="2"/>
+            </a:endParaRPr>
+          </a:p>
+        </p:txBody>
+      </p:sp>
     </p:spTree>
     <p:extLst>
       <p:ext uri="{BB962C8B-B14F-4D97-AF65-F5344CB8AC3E}">
@@ -11879,13 +12201,6 @@
   <p:clrMapOvr>
     <a:masterClrMapping/>
   </p:clrMapOvr>
-  <p:timing>
-    <p:tnLst>
-      <p:par>
-        <p:cTn id="1" dur="indefinite" restart="never" nodeType="tmRoot"/>
-      </p:par>
-    </p:tnLst>
-  </p:timing>
 </p:sld>
 </file>
 
@@ -11922,7 +12237,7 @@
           <a:lstStyle/>
           <a:p>
             <a:r>
-              <a:rPr lang="nl-BE" dirty="0" smtClean="0"/>
+              <a:rPr lang="nl-BE" dirty="0"/>
               <a:t>C</a:t>
             </a:r>
             <a:endParaRPr lang="en-US" dirty="0"/>
@@ -11945,270 +12260,225 @@
           <a:lstStyle/>
           <a:p>
             <a:r>
-              <a:rPr lang="nl-BE" dirty="0" smtClean="0"/>
+              <a:rPr lang="nl-BE" dirty="0"/>
               <a:t>↔ MATLAB:</a:t>
             </a:r>
           </a:p>
           <a:p>
             <a:pPr lvl="1"/>
             <a:r>
-              <a:rPr lang="nl-BE" dirty="0" err="1" smtClean="0"/>
+              <a:rPr lang="nl-BE" dirty="0" err="1"/>
               <a:t>Less</a:t>
             </a:r>
             <a:r>
-              <a:rPr lang="nl-BE" dirty="0" smtClean="0"/>
+              <a:rPr lang="nl-BE" dirty="0"/>
               <a:t> </a:t>
             </a:r>
             <a:r>
-              <a:rPr lang="nl-BE" dirty="0" err="1" smtClean="0"/>
+              <a:rPr lang="nl-BE" dirty="0" err="1"/>
               <a:t>flexible</a:t>
             </a:r>
-            <a:endParaRPr lang="nl-BE" dirty="0" smtClean="0"/>
+            <a:endParaRPr lang="nl-BE" dirty="0"/>
           </a:p>
           <a:p>
             <a:pPr lvl="2"/>
             <a:r>
-              <a:rPr lang="nl-BE" dirty="0" err="1" smtClean="0"/>
+              <a:rPr lang="nl-BE" dirty="0" err="1"/>
               <a:t>Structure</a:t>
             </a:r>
             <a:r>
-              <a:rPr lang="nl-BE" dirty="0" smtClean="0"/>
+              <a:rPr lang="nl-BE" dirty="0"/>
               <a:t> </a:t>
             </a:r>
             <a:r>
-              <a:rPr lang="nl-BE" dirty="0" err="1" smtClean="0"/>
+              <a:rPr lang="nl-BE" dirty="0" err="1"/>
               <a:t>hardcoded</a:t>
             </a:r>
-            <a:endParaRPr lang="nl-BE" dirty="0" smtClean="0"/>
+            <a:endParaRPr lang="nl-BE" dirty="0"/>
           </a:p>
           <a:p>
             <a:pPr lvl="2"/>
             <a:r>
-              <a:rPr lang="nl-BE" dirty="0" smtClean="0"/>
+              <a:rPr lang="nl-BE" dirty="0"/>
               <a:t>Parameters </a:t>
             </a:r>
             <a:r>
-              <a:rPr lang="nl-BE" dirty="0" err="1" smtClean="0"/>
+              <a:rPr lang="nl-BE" dirty="0" err="1"/>
               <a:t>not</a:t>
             </a:r>
             <a:r>
-              <a:rPr lang="nl-BE" dirty="0" smtClean="0"/>
+              <a:rPr lang="nl-BE" dirty="0"/>
               <a:t> </a:t>
             </a:r>
             <a:r>
-              <a:rPr lang="nl-BE" dirty="0" err="1" smtClean="0"/>
+              <a:rPr lang="nl-BE" dirty="0" err="1"/>
               <a:t>grouped</a:t>
             </a:r>
             <a:r>
-              <a:rPr lang="nl-BE" dirty="0" smtClean="0"/>
+              <a:rPr lang="nl-BE" dirty="0"/>
               <a:t> </a:t>
             </a:r>
             <a:r>
-              <a:rPr lang="nl-BE" dirty="0" err="1" smtClean="0"/>
+              <a:rPr lang="nl-BE" dirty="0" err="1"/>
               <a:t>together</a:t>
             </a:r>
-            <a:endParaRPr lang="nl-BE" dirty="0" smtClean="0"/>
+            <a:endParaRPr lang="nl-BE" dirty="0"/>
           </a:p>
           <a:p>
             <a:pPr lvl="2"/>
             <a:r>
-              <a:rPr lang="nl-BE" dirty="0" smtClean="0"/>
+              <a:rPr lang="nl-BE" dirty="0"/>
               <a:t>Filters </a:t>
             </a:r>
             <a:r>
-              <a:rPr lang="nl-BE" dirty="0" err="1" smtClean="0"/>
+              <a:rPr lang="nl-BE" dirty="0" err="1"/>
               <a:t>hardcoded</a:t>
             </a:r>
-            <a:r>
-              <a:rPr lang="nl-BE" dirty="0" smtClean="0"/>
+            <a:endParaRPr lang="nl-BE" dirty="0"/>
+          </a:p>
+          <a:p>
+            <a:pPr lvl="1"/>
+            <a:r>
+              <a:rPr lang="nl-BE" dirty="0" err="1">
+                <a:sym typeface="Wingdings" panose="05000000000000000000" pitchFamily="2" charset="2"/>
+              </a:rPr>
+              <a:t>Execution</a:t>
+            </a:r>
+            <a:r>
+              <a:rPr lang="nl-BE" dirty="0">
+                <a:sym typeface="Wingdings" panose="05000000000000000000" pitchFamily="2" charset="2"/>
+              </a:rPr>
+              <a:t> order:</a:t>
+            </a:r>
+          </a:p>
+          <a:p>
+            <a:pPr lvl="2"/>
+            <a:r>
+              <a:rPr lang="nl-BE" dirty="0">
+                <a:sym typeface="Wingdings" panose="05000000000000000000" pitchFamily="2" charset="2"/>
+              </a:rPr>
+              <a:t>Buffer per buffer</a:t>
+            </a:r>
+          </a:p>
+          <a:p>
+            <a:pPr lvl="2"/>
+            <a:r>
+              <a:rPr lang="nl-BE" dirty="0">
+                <a:sym typeface="Wingdings" panose="05000000000000000000" pitchFamily="2" charset="2"/>
+              </a:rPr>
+              <a:t>Keep </a:t>
+            </a:r>
+            <a:r>
+              <a:rPr lang="nl-BE" dirty="0" err="1">
+                <a:sym typeface="Wingdings" panose="05000000000000000000" pitchFamily="2" charset="2"/>
+              </a:rPr>
+              <a:t>history</a:t>
+            </a:r>
+            <a:r>
+              <a:rPr lang="nl-BE" dirty="0">
+                <a:sym typeface="Wingdings" panose="05000000000000000000" pitchFamily="2" charset="2"/>
+              </a:rPr>
               <a:t> </a:t>
             </a:r>
             <a:r>
-              <a:rPr lang="nl-BE" dirty="0" smtClean="0">
-                <a:sym typeface="Wingdings" panose="05000000000000000000" pitchFamily="2" charset="2"/>
-              </a:rPr>
-              <a:t> Filter </a:t>
-            </a:r>
-            <a:r>
-              <a:rPr lang="nl-BE" dirty="0" err="1" smtClean="0">
-                <a:sym typeface="Wingdings" panose="05000000000000000000" pitchFamily="2" charset="2"/>
-              </a:rPr>
-              <a:t>specs</a:t>
-            </a:r>
-            <a:r>
-              <a:rPr lang="nl-BE" dirty="0" smtClean="0">
+              <a:rPr lang="nl-BE" dirty="0" err="1">
+                <a:sym typeface="Wingdings" panose="05000000000000000000" pitchFamily="2" charset="2"/>
+              </a:rPr>
+              <a:t>between</a:t>
+            </a:r>
+            <a:r>
+              <a:rPr lang="nl-BE" dirty="0">
+                <a:sym typeface="Wingdings" panose="05000000000000000000" pitchFamily="2" charset="2"/>
+              </a:rPr>
+              <a:t> calls</a:t>
+            </a:r>
+            <a:endParaRPr lang="nl-BE" dirty="0"/>
+          </a:p>
+          <a:p>
+            <a:pPr lvl="1"/>
+            <a:r>
+              <a:rPr lang="nl-BE" dirty="0" err="1">
+                <a:sym typeface="Wingdings" panose="05000000000000000000" pitchFamily="2" charset="2"/>
+              </a:rPr>
+              <a:t>Not</a:t>
+            </a:r>
+            <a:r>
+              <a:rPr lang="nl-BE" dirty="0">
                 <a:sym typeface="Wingdings" panose="05000000000000000000" pitchFamily="2" charset="2"/>
               </a:rPr>
               <a:t> </a:t>
             </a:r>
             <a:r>
-              <a:rPr lang="nl-BE" dirty="0" err="1" smtClean="0">
-                <a:sym typeface="Wingdings" panose="05000000000000000000" pitchFamily="2" charset="2"/>
-              </a:rPr>
-              <a:t>only</a:t>
-            </a:r>
-            <a:r>
-              <a:rPr lang="nl-BE" dirty="0" smtClean="0">
+              <a:rPr lang="nl-BE" dirty="0" err="1">
+                <a:sym typeface="Wingdings" panose="05000000000000000000" pitchFamily="2" charset="2"/>
+              </a:rPr>
+              <a:t>scaling</a:t>
+            </a:r>
+            <a:r>
+              <a:rPr lang="nl-BE" dirty="0">
+                <a:sym typeface="Wingdings" panose="05000000000000000000" pitchFamily="2" charset="2"/>
+              </a:rPr>
+              <a:t> input  (</a:t>
+            </a:r>
+            <a:r>
+              <a:rPr lang="nl-BE" dirty="0" err="1">
+                <a:sym typeface="Wingdings" panose="05000000000000000000" pitchFamily="2" charset="2"/>
+              </a:rPr>
+              <a:t>don’t</a:t>
+            </a:r>
+            <a:r>
+              <a:rPr lang="nl-BE" dirty="0">
                 <a:sym typeface="Wingdings" panose="05000000000000000000" pitchFamily="2" charset="2"/>
               </a:rPr>
               <a:t> </a:t>
             </a:r>
             <a:r>
-              <a:rPr lang="nl-BE" dirty="0" err="1" smtClean="0">
-                <a:sym typeface="Wingdings" panose="05000000000000000000" pitchFamily="2" charset="2"/>
-              </a:rPr>
-              <a:t>changeable</a:t>
-            </a:r>
-            <a:r>
-              <a:rPr lang="nl-BE" dirty="0" smtClean="0">
-                <a:sym typeface="Wingdings" panose="05000000000000000000" pitchFamily="2" charset="2"/>
-              </a:rPr>
-              <a:t> </a:t>
-            </a:r>
-            <a:r>
-              <a:rPr lang="nl-BE" dirty="0" err="1" smtClean="0">
-                <a:sym typeface="Wingdings" panose="05000000000000000000" pitchFamily="2" charset="2"/>
-              </a:rPr>
-              <a:t>by</a:t>
-            </a:r>
-            <a:r>
-              <a:rPr lang="nl-BE" dirty="0" smtClean="0">
-                <a:sym typeface="Wingdings" panose="05000000000000000000" pitchFamily="2" charset="2"/>
-              </a:rPr>
-              <a:t> </a:t>
-            </a:r>
-            <a:r>
-              <a:rPr lang="nl-BE" dirty="0" err="1" smtClean="0">
-                <a:sym typeface="Wingdings" panose="05000000000000000000" pitchFamily="2" charset="2"/>
-              </a:rPr>
-              <a:t>creating</a:t>
-            </a:r>
-            <a:r>
-              <a:rPr lang="nl-BE" dirty="0" smtClean="0">
-                <a:sym typeface="Wingdings" panose="05000000000000000000" pitchFamily="2" charset="2"/>
-              </a:rPr>
-              <a:t> new filters in MATLAB</a:t>
-            </a:r>
-          </a:p>
-          <a:p>
-            <a:pPr lvl="1"/>
-            <a:r>
-              <a:rPr lang="nl-BE" dirty="0" smtClean="0">
-                <a:sym typeface="Wingdings" panose="05000000000000000000" pitchFamily="2" charset="2"/>
-              </a:rPr>
-              <a:t>Buffer per buffer</a:t>
-            </a:r>
-          </a:p>
-          <a:p>
-            <a:pPr lvl="1"/>
-            <a:r>
-              <a:rPr lang="nl-BE" dirty="0" err="1" smtClean="0">
-                <a:sym typeface="Wingdings" panose="05000000000000000000" pitchFamily="2" charset="2"/>
-              </a:rPr>
-              <a:t>Not</a:t>
-            </a:r>
-            <a:r>
-              <a:rPr lang="nl-BE" dirty="0" smtClean="0">
-                <a:sym typeface="Wingdings" panose="05000000000000000000" pitchFamily="2" charset="2"/>
-              </a:rPr>
-              <a:t> </a:t>
-            </a:r>
-            <a:r>
-              <a:rPr lang="nl-BE" dirty="0" err="1" smtClean="0">
-                <a:sym typeface="Wingdings" panose="05000000000000000000" pitchFamily="2" charset="2"/>
-              </a:rPr>
-              <a:t>scaling</a:t>
-            </a:r>
-            <a:r>
-              <a:rPr lang="nl-BE" dirty="0" smtClean="0">
-                <a:sym typeface="Wingdings" panose="05000000000000000000" pitchFamily="2" charset="2"/>
-              </a:rPr>
-              <a:t> input  (</a:t>
-            </a:r>
-            <a:r>
-              <a:rPr lang="nl-BE" dirty="0" err="1" smtClean="0">
-                <a:sym typeface="Wingdings" panose="05000000000000000000" pitchFamily="2" charset="2"/>
-              </a:rPr>
-              <a:t>impossible</a:t>
-            </a:r>
-            <a:r>
-              <a:rPr lang="nl-BE" dirty="0" smtClean="0">
-                <a:sym typeface="Wingdings" panose="05000000000000000000" pitchFamily="2" charset="2"/>
-              </a:rPr>
-              <a:t> real time)  </a:t>
-            </a:r>
-            <a:r>
-              <a:rPr lang="nl-BE" dirty="0" err="1" smtClean="0">
-                <a:sym typeface="Wingdings" panose="05000000000000000000" pitchFamily="2" charset="2"/>
-              </a:rPr>
-              <a:t>changed</a:t>
-            </a:r>
-            <a:r>
-              <a:rPr lang="nl-BE" dirty="0" smtClean="0">
+              <a:rPr lang="nl-BE" dirty="0" err="1">
+                <a:sym typeface="Wingdings" panose="05000000000000000000" pitchFamily="2" charset="2"/>
+              </a:rPr>
+              <a:t>know</a:t>
+            </a:r>
+            <a:r>
+              <a:rPr lang="nl-BE" dirty="0">
+                <a:sym typeface="Wingdings" panose="05000000000000000000" pitchFamily="2" charset="2"/>
+              </a:rPr>
+              <a:t> max </a:t>
+            </a:r>
+            <a:r>
+              <a:rPr lang="nl-BE" dirty="0" err="1">
+                <a:sym typeface="Wingdings" panose="05000000000000000000" pitchFamily="2" charset="2"/>
+              </a:rPr>
+              <a:t>value</a:t>
+            </a:r>
+            <a:r>
+              <a:rPr lang="nl-BE" dirty="0">
+                <a:sym typeface="Wingdings" panose="05000000000000000000" pitchFamily="2" charset="2"/>
+              </a:rPr>
+              <a:t> a priori) </a:t>
+            </a:r>
+          </a:p>
+          <a:p>
+            <a:pPr marL="720000" lvl="2" indent="0">
+              <a:buNone/>
+            </a:pPr>
+            <a:r>
+              <a:rPr lang="nl-BE" dirty="0">
+                <a:sym typeface="Wingdings" panose="05000000000000000000" pitchFamily="2" charset="2"/>
+              </a:rPr>
+              <a:t> </a:t>
+            </a:r>
+            <a:r>
+              <a:rPr lang="nl-BE" dirty="0" err="1">
+                <a:sym typeface="Wingdings" panose="05000000000000000000" pitchFamily="2" charset="2"/>
+              </a:rPr>
+              <a:t>Removed</a:t>
+            </a:r>
+            <a:r>
+              <a:rPr lang="nl-BE" dirty="0">
                 <a:sym typeface="Wingdings" panose="05000000000000000000" pitchFamily="2" charset="2"/>
               </a:rPr>
               <a:t> in MATLAB</a:t>
             </a:r>
-          </a:p>
-          <a:p>
-            <a:pPr lvl="1"/>
-            <a:r>
-              <a:rPr lang="nl-BE" dirty="0" err="1" smtClean="0">
-                <a:sym typeface="Wingdings" panose="05000000000000000000" pitchFamily="2" charset="2"/>
-              </a:rPr>
-              <a:t>Execution</a:t>
-            </a:r>
-            <a:r>
-              <a:rPr lang="nl-BE" dirty="0" smtClean="0">
-                <a:sym typeface="Wingdings" panose="05000000000000000000" pitchFamily="2" charset="2"/>
-              </a:rPr>
-              <a:t> order:</a:t>
-            </a:r>
-          </a:p>
-          <a:p>
-            <a:pPr lvl="2"/>
-            <a:r>
-              <a:rPr lang="nl-BE" dirty="0" smtClean="0">
-                <a:sym typeface="Wingdings" panose="05000000000000000000" pitchFamily="2" charset="2"/>
-              </a:rPr>
-              <a:t>Buffer per buffer</a:t>
-            </a:r>
-          </a:p>
-          <a:p>
-            <a:pPr lvl="2"/>
-            <a:r>
-              <a:rPr lang="nl-BE" dirty="0" smtClean="0">
-                <a:sym typeface="Wingdings" panose="05000000000000000000" pitchFamily="2" charset="2"/>
-              </a:rPr>
-              <a:t>Keep </a:t>
-            </a:r>
-            <a:r>
-              <a:rPr lang="nl-BE" dirty="0" err="1" smtClean="0">
-                <a:sym typeface="Wingdings" panose="05000000000000000000" pitchFamily="2" charset="2"/>
-              </a:rPr>
-              <a:t>history</a:t>
-            </a:r>
-            <a:r>
-              <a:rPr lang="nl-BE" dirty="0" smtClean="0">
-                <a:sym typeface="Wingdings" panose="05000000000000000000" pitchFamily="2" charset="2"/>
-              </a:rPr>
-              <a:t> </a:t>
-            </a:r>
-            <a:r>
-              <a:rPr lang="nl-BE" dirty="0" err="1" smtClean="0">
-                <a:sym typeface="Wingdings" panose="05000000000000000000" pitchFamily="2" charset="2"/>
-              </a:rPr>
-              <a:t>between</a:t>
-            </a:r>
-            <a:r>
-              <a:rPr lang="nl-BE" dirty="0" smtClean="0">
-                <a:sym typeface="Wingdings" panose="05000000000000000000" pitchFamily="2" charset="2"/>
-              </a:rPr>
-              <a:t> calls</a:t>
-            </a:r>
-          </a:p>
-          <a:p>
-            <a:pPr lvl="1"/>
             <a:endParaRPr lang="en-US" dirty="0"/>
           </a:p>
         </p:txBody>
@@ -12223,13 +12493,6 @@
   <p:clrMapOvr>
     <a:masterClrMapping/>
   </p:clrMapOvr>
-  <p:timing>
-    <p:tnLst>
-      <p:par>
-        <p:cTn id="1" dur="indefinite" restart="never" nodeType="tmRoot"/>
-      </p:par>
-    </p:tnLst>
-  </p:timing>
 </p:sld>
 </file>
 
@@ -12266,7 +12529,7 @@
           <a:lstStyle/>
           <a:p>
             <a:r>
-              <a:rPr lang="nl-BE" dirty="0" smtClean="0"/>
+              <a:rPr lang="nl-BE" dirty="0"/>
               <a:t>C</a:t>
             </a:r>
             <a:endParaRPr lang="en-US" dirty="0"/>
@@ -12316,149 +12579,33 @@
               <a:rPr lang="nl-BE" dirty="0">
                 <a:sym typeface="Wingdings" panose="05000000000000000000" pitchFamily="2" charset="2"/>
               </a:rPr>
-              <a:t> C </a:t>
-            </a:r>
-            <a:r>
-              <a:rPr lang="nl-BE" dirty="0" smtClean="0">
-                <a:sym typeface="Wingdings" panose="05000000000000000000" pitchFamily="2" charset="2"/>
-              </a:rPr>
-              <a:t>– </a:t>
-            </a:r>
-            <a:r>
+              <a:t> C – MATLAB:</a:t>
+            </a:r>
+            <a:br>
               <a:rPr lang="nl-BE" dirty="0">
                 <a:sym typeface="Wingdings" panose="05000000000000000000" pitchFamily="2" charset="2"/>
               </a:rPr>
-              <a:t>MATLAB</a:t>
-            </a:r>
-            <a:r>
-              <a:rPr lang="nl-BE" dirty="0" smtClean="0">
-                <a:sym typeface="Wingdings" panose="05000000000000000000" pitchFamily="2" charset="2"/>
-              </a:rPr>
-              <a:t>:</a:t>
-            </a:r>
+            </a:br>
             <a:br>
-              <a:rPr lang="nl-BE" dirty="0" smtClean="0">
+              <a:rPr lang="nl-BE" dirty="0">
                 <a:sym typeface="Wingdings" panose="05000000000000000000" pitchFamily="2" charset="2"/>
               </a:rPr>
             </a:br>
-            <a:r>
-              <a:rPr lang="nl-BE" dirty="0" smtClean="0">
-                <a:sym typeface="Wingdings" panose="05000000000000000000" pitchFamily="2" charset="2"/>
-              </a:rPr>
-              <a:t/>
-            </a:r>
             <a:br>
-              <a:rPr lang="nl-BE" dirty="0" smtClean="0">
+              <a:rPr lang="nl-BE" dirty="0">
                 <a:sym typeface="Wingdings" panose="05000000000000000000" pitchFamily="2" charset="2"/>
               </a:rPr>
             </a:br>
-            <a:r>
-              <a:rPr lang="nl-BE" dirty="0" smtClean="0">
-                <a:sym typeface="Wingdings" panose="05000000000000000000" pitchFamily="2" charset="2"/>
-              </a:rPr>
-              <a:t/>
-            </a:r>
             <a:br>
-              <a:rPr lang="nl-BE" dirty="0" smtClean="0">
+              <a:rPr lang="nl-BE" dirty="0">
                 <a:sym typeface="Wingdings" panose="05000000000000000000" pitchFamily="2" charset="2"/>
               </a:rPr>
             </a:br>
-            <a:r>
-              <a:rPr lang="nl-BE" dirty="0" smtClean="0">
-                <a:sym typeface="Wingdings" panose="05000000000000000000" pitchFamily="2" charset="2"/>
-              </a:rPr>
-              <a:t/>
-            </a:r>
             <a:br>
-              <a:rPr lang="nl-BE" dirty="0" smtClean="0">
+              <a:rPr lang="nl-BE" dirty="0">
                 <a:sym typeface="Wingdings" panose="05000000000000000000" pitchFamily="2" charset="2"/>
               </a:rPr>
             </a:br>
-            <a:r>
-              <a:rPr lang="nl-BE" dirty="0" smtClean="0">
-                <a:sym typeface="Wingdings" panose="05000000000000000000" pitchFamily="2" charset="2"/>
-              </a:rPr>
-              <a:t/>
-            </a:r>
-            <a:br>
-              <a:rPr lang="nl-BE" dirty="0" smtClean="0">
-                <a:sym typeface="Wingdings" panose="05000000000000000000" pitchFamily="2" charset="2"/>
-              </a:rPr>
-            </a:br>
-            <a:endParaRPr lang="nl-BE" dirty="0" smtClean="0">
-              <a:sym typeface="Wingdings" panose="05000000000000000000" pitchFamily="2" charset="2"/>
-            </a:endParaRPr>
-          </a:p>
-          <a:p>
-            <a:r>
-              <a:rPr lang="nl-BE" dirty="0" err="1" smtClean="0"/>
-              <a:t>Compress</a:t>
-            </a:r>
-            <a:r>
-              <a:rPr lang="nl-BE" dirty="0" smtClean="0"/>
-              <a:t> en </a:t>
-            </a:r>
-            <a:r>
-              <a:rPr lang="nl-BE" dirty="0" err="1" smtClean="0"/>
-              <a:t>decompress</a:t>
-            </a:r>
-            <a:r>
-              <a:rPr lang="nl-BE" dirty="0" smtClean="0"/>
-              <a:t>:</a:t>
-            </a:r>
-          </a:p>
-          <a:p>
-            <a:pPr lvl="1"/>
-            <a:r>
-              <a:rPr lang="nl-BE" dirty="0" smtClean="0"/>
-              <a:t>30 short </a:t>
-            </a:r>
-            <a:r>
-              <a:rPr lang="nl-BE" dirty="0" err="1" smtClean="0"/>
-              <a:t>values</a:t>
-            </a:r>
-            <a:r>
-              <a:rPr lang="nl-BE" dirty="0" smtClean="0"/>
-              <a:t> </a:t>
-            </a:r>
-            <a:r>
-              <a:rPr lang="nl-BE" dirty="0" err="1" smtClean="0"/>
-              <a:t>to</a:t>
-            </a:r>
-            <a:r>
-              <a:rPr lang="nl-BE" dirty="0" smtClean="0"/>
-              <a:t> 15 bytes</a:t>
-            </a:r>
-          </a:p>
-          <a:p>
-            <a:pPr lvl="2"/>
-            <a:r>
-              <a:rPr lang="nl-BE" dirty="0" smtClean="0"/>
-              <a:t>=60 bytes </a:t>
-            </a:r>
-            <a:r>
-              <a:rPr lang="nl-BE" dirty="0" err="1" smtClean="0"/>
-              <a:t>to</a:t>
-            </a:r>
-            <a:r>
-              <a:rPr lang="nl-BE" dirty="0" smtClean="0"/>
-              <a:t> 15 bytes</a:t>
-            </a:r>
-          </a:p>
-          <a:p>
-            <a:pPr lvl="2"/>
-            <a:r>
-              <a:rPr lang="nl-BE" dirty="0" smtClean="0"/>
-              <a:t>No bits </a:t>
-            </a:r>
-            <a:r>
-              <a:rPr lang="nl-BE" dirty="0" err="1" smtClean="0"/>
-              <a:t>wasted</a:t>
-            </a:r>
-            <a:endParaRPr lang="nl-BE" dirty="0" smtClean="0"/>
-          </a:p>
-          <a:p>
-            <a:pPr lvl="2"/>
             <a:endParaRPr lang="en-US" dirty="0"/>
           </a:p>
         </p:txBody>
@@ -12497,13 +12644,6 @@
   <p:clrMapOvr>
     <a:masterClrMapping/>
   </p:clrMapOvr>
-  <p:timing>
-    <p:tnLst>
-      <p:par>
-        <p:cTn id="1" dur="indefinite" restart="never" nodeType="tmRoot"/>
-      </p:par>
-    </p:tnLst>
-  </p:timing>
 </p:sld>
 </file>
 
@@ -12524,30 +12664,6 @@
           <a:chExt cx="0" cy="0"/>
         </a:xfrm>
       </p:grpSpPr>
-      <p:pic>
-        <p:nvPicPr>
-          <p:cNvPr id="4" name="Picture 3"/>
-          <p:cNvPicPr>
-            <a:picLocks noChangeAspect="1"/>
-          </p:cNvPicPr>
-          <p:nvPr/>
-        </p:nvPicPr>
-        <p:blipFill>
-          <a:blip r:embed="rId3"/>
-          <a:stretch>
-            <a:fillRect/>
-          </a:stretch>
-        </p:blipFill>
-        <p:spPr>
-          <a:xfrm>
-            <a:off x="346357" y="3461924"/>
-            <a:ext cx="8721285" cy="3396076"/>
-          </a:xfrm>
-          <a:prstGeom prst="rect">
-            <a:avLst/>
-          </a:prstGeom>
-        </p:spPr>
-      </p:pic>
       <p:sp>
         <p:nvSpPr>
           <p:cNvPr id="2" name="Title 1"/>
@@ -12564,7 +12680,7 @@
           <a:lstStyle/>
           <a:p>
             <a:r>
-              <a:rPr lang="nl-BE" dirty="0" smtClean="0"/>
+              <a:rPr lang="nl-BE" dirty="0"/>
               <a:t>C</a:t>
             </a:r>
             <a:endParaRPr lang="en-US" dirty="0"/>
@@ -12587,143 +12703,72 @@
           <a:lstStyle/>
           <a:p>
             <a:r>
-              <a:rPr lang="nl-BE" dirty="0" smtClean="0"/>
-              <a:t>Performance </a:t>
-            </a:r>
-            <a:r>
-              <a:rPr lang="nl-BE" dirty="0" err="1" smtClean="0"/>
-              <a:t>measures</a:t>
-            </a:r>
-            <a:endParaRPr lang="nl-BE" dirty="0" smtClean="0"/>
+              <a:rPr lang="nl-BE" dirty="0"/>
+              <a:t>Preparing </a:t>
+            </a:r>
+            <a:r>
+              <a:rPr lang="nl-BE" dirty="0" err="1"/>
+              <a:t>for</a:t>
+            </a:r>
+            <a:r>
+              <a:rPr lang="nl-BE" dirty="0"/>
+              <a:t> crypto:</a:t>
+            </a:r>
           </a:p>
           <a:p>
             <a:pPr lvl="1"/>
             <a:r>
-              <a:rPr lang="nl-BE" dirty="0" smtClean="0"/>
-              <a:t>In-</a:t>
-            </a:r>
-            <a:r>
-              <a:rPr lang="nl-BE" dirty="0" err="1" smtClean="0"/>
-              <a:t>place</a:t>
-            </a:r>
-            <a:r>
-              <a:rPr lang="nl-BE" dirty="0" smtClean="0"/>
-              <a:t> </a:t>
-            </a:r>
-            <a:r>
-              <a:rPr lang="nl-BE" dirty="0" err="1" smtClean="0"/>
-              <a:t>functions</a:t>
-            </a:r>
-            <a:endParaRPr lang="nl-BE" dirty="0" smtClean="0"/>
-          </a:p>
-          <a:p>
-            <a:pPr lvl="1"/>
-            <a:r>
-              <a:rPr lang="nl-BE" dirty="0" err="1" smtClean="0"/>
-              <a:t>Profiling</a:t>
-            </a:r>
-            <a:r>
-              <a:rPr lang="nl-BE" dirty="0" smtClean="0"/>
-              <a:t> </a:t>
-            </a:r>
-            <a:r>
-              <a:rPr lang="nl-BE" dirty="0" err="1" smtClean="0"/>
-              <a:t>and</a:t>
-            </a:r>
-            <a:r>
-              <a:rPr lang="nl-BE" dirty="0" smtClean="0"/>
-              <a:t> </a:t>
-            </a:r>
-            <a:r>
-              <a:rPr lang="nl-BE" dirty="0" err="1" smtClean="0"/>
-              <a:t>optimization</a:t>
-            </a:r>
-            <a:r>
-              <a:rPr lang="nl-BE" dirty="0" smtClean="0"/>
-              <a:t> </a:t>
-            </a:r>
-            <a:r>
-              <a:rPr lang="nl-BE" dirty="0" err="1" smtClean="0"/>
-              <a:t>before</a:t>
-            </a:r>
-            <a:r>
-              <a:rPr lang="nl-BE" dirty="0" smtClean="0"/>
-              <a:t> DSP </a:t>
-            </a:r>
-            <a:r>
-              <a:rPr lang="nl-BE" dirty="0" err="1" smtClean="0"/>
-              <a:t>sessions</a:t>
-            </a:r>
-            <a:r>
-              <a:rPr lang="nl-BE" dirty="0" smtClean="0"/>
-              <a:t>!</a:t>
+              <a:rPr lang="nl-BE" dirty="0" err="1"/>
+              <a:t>Compress</a:t>
+            </a:r>
+            <a:r>
+              <a:rPr lang="nl-BE" dirty="0"/>
+              <a:t> en </a:t>
+            </a:r>
+            <a:r>
+              <a:rPr lang="nl-BE" dirty="0" err="1"/>
+              <a:t>decompress</a:t>
+            </a:r>
+            <a:r>
+              <a:rPr lang="nl-BE" dirty="0"/>
+              <a:t>:</a:t>
             </a:r>
           </a:p>
           <a:p>
             <a:pPr lvl="2"/>
             <a:r>
-              <a:rPr lang="nl-BE" dirty="0" smtClean="0"/>
-              <a:t>Speed-up x2 </a:t>
+              <a:rPr lang="nl-BE" dirty="0"/>
+              <a:t>30 shorts </a:t>
+            </a:r>
+            <a:r>
+              <a:rPr lang="nl-BE" dirty="0">
+                <a:sym typeface="Wingdings" panose="05000000000000000000" pitchFamily="2" charset="2"/>
+              </a:rPr>
+              <a:t></a:t>
+            </a:r>
+            <a:r>
+              <a:rPr lang="nl-BE" dirty="0"/>
+              <a:t>15 bytes</a:t>
             </a:r>
           </a:p>
           <a:p>
             <a:pPr lvl="2"/>
             <a:r>
-              <a:rPr lang="nl-BE" dirty="0" smtClean="0"/>
-              <a:t>Visual studio </a:t>
-            </a:r>
-            <a:r>
-              <a:rPr lang="nl-BE" dirty="0" err="1" smtClean="0"/>
-              <a:t>profiler</a:t>
-            </a:r>
-            <a:endParaRPr lang="nl-BE" dirty="0" smtClean="0"/>
-          </a:p>
-          <a:p>
-            <a:pPr lvl="3"/>
-            <a:r>
-              <a:rPr lang="nl-BE" dirty="0" smtClean="0"/>
-              <a:t>Bottleneck: </a:t>
-            </a:r>
-            <a:r>
-              <a:rPr lang="nl-BE" dirty="0" err="1" smtClean="0"/>
-              <a:t>convolve</a:t>
-            </a:r>
-            <a:r>
-              <a:rPr lang="nl-BE" dirty="0" smtClean="0"/>
-              <a:t>:  </a:t>
-            </a:r>
-            <a:r>
-              <a:rPr lang="nl-BE" dirty="0" err="1" smtClean="0"/>
-              <a:t>only</a:t>
-            </a:r>
-            <a:r>
-              <a:rPr lang="nl-BE" dirty="0" smtClean="0"/>
-              <a:t> </a:t>
-            </a:r>
-            <a:r>
-              <a:rPr lang="nl-BE" dirty="0" err="1" smtClean="0"/>
-              <a:t>nested</a:t>
-            </a:r>
-            <a:r>
-              <a:rPr lang="nl-BE" dirty="0" smtClean="0"/>
-              <a:t> loop + most calls + </a:t>
-            </a:r>
-            <a:r>
-              <a:rPr lang="nl-BE" dirty="0" err="1" smtClean="0"/>
-              <a:t>largest</a:t>
-            </a:r>
-            <a:r>
-              <a:rPr lang="nl-BE" dirty="0" smtClean="0"/>
-              <a:t> </a:t>
-            </a:r>
-            <a:r>
-              <a:rPr lang="nl-BE" dirty="0" err="1" smtClean="0"/>
-              <a:t>numbers</a:t>
-            </a:r>
-            <a:endParaRPr lang="nl-BE" dirty="0" smtClean="0"/>
-          </a:p>
-          <a:p>
-            <a:pPr lvl="2"/>
+              <a:rPr lang="nl-BE" dirty="0"/>
+              <a:t>No bits </a:t>
+            </a:r>
+            <a:r>
+              <a:rPr lang="nl-BE" dirty="0" err="1"/>
+              <a:t>wasted</a:t>
+            </a:r>
+            <a:r>
+              <a:rPr lang="nl-BE" dirty="0"/>
+              <a:t> at </a:t>
+            </a:r>
+            <a:r>
+              <a:rPr lang="nl-BE" dirty="0" err="1"/>
+              <a:t>all</a:t>
+            </a:r>
             <a:endParaRPr lang="en-US" dirty="0"/>
           </a:p>
         </p:txBody>
@@ -12731,20 +12776,13 @@
     </p:spTree>
     <p:extLst>
       <p:ext uri="{BB962C8B-B14F-4D97-AF65-F5344CB8AC3E}">
-        <p14:creationId xmlns:p14="http://schemas.microsoft.com/office/powerpoint/2010/main" val="3243533115"/>
+        <p14:creationId xmlns:p14="http://schemas.microsoft.com/office/powerpoint/2010/main" val="2263309869"/>
       </p:ext>
     </p:extLst>
   </p:cSld>
   <p:clrMapOvr>
     <a:masterClrMapping/>
   </p:clrMapOvr>
-  <p:timing>
-    <p:tnLst>
-      <p:par>
-        <p:cTn id="1" dur="indefinite" restart="never" nodeType="tmRoot"/>
-      </p:par>
-    </p:tnLst>
-  </p:timing>
 </p:sld>
 </file>
 

--- a/Presentatie/Presentation2.pptx
+++ b/Presentatie/Presentation2.pptx
@@ -1477,6 +1477,10 @@
             <a:br>
               <a:rPr lang="nl-BE" dirty="0"/>
             </a:br>
+            <a:r>
+              <a:rPr lang="nl-BE" dirty="0"/>
+              <a:t/>
+            </a:r>
             <a:br>
               <a:rPr lang="nl-BE" dirty="0"/>
             </a:br>
@@ -8057,6 +8061,13 @@
   <p:clrMapOvr>
     <a:masterClrMapping/>
   </p:clrMapOvr>
+  <p:timing>
+    <p:tnLst>
+      <p:par>
+        <p:cTn id="1" dur="indefinite" restart="never" nodeType="tmRoot"/>
+      </p:par>
+    </p:tnLst>
+  </p:timing>
 </p:sld>
 </file>
 
@@ -8291,6 +8302,13 @@
   <p:clrMapOvr>
     <a:masterClrMapping/>
   </p:clrMapOvr>
+  <p:timing>
+    <p:tnLst>
+      <p:par>
+        <p:cTn id="1" dur="indefinite" restart="never" nodeType="tmRoot"/>
+      </p:par>
+    </p:tnLst>
+  </p:timing>
 </p:sld>
 </file>
 
@@ -8387,6 +8405,13 @@
   <p:clrMapOvr>
     <a:masterClrMapping/>
   </p:clrMapOvr>
+  <p:timing>
+    <p:tnLst>
+      <p:par>
+        <p:cTn id="1" dur="indefinite" restart="never" nodeType="tmRoot"/>
+      </p:par>
+    </p:tnLst>
+  </p:timing>
 </p:sld>
 </file>
 
@@ -8587,6 +8612,13 @@
   <p:clrMapOvr>
     <a:masterClrMapping/>
   </p:clrMapOvr>
+  <p:timing>
+    <p:tnLst>
+      <p:par>
+        <p:cTn id="1" dur="indefinite" restart="never" nodeType="tmRoot"/>
+      </p:par>
+    </p:tnLst>
+  </p:timing>
 </p:sld>
 </file>
 
@@ -8703,6 +8735,13 @@
   <p:clrMapOvr>
     <a:masterClrMapping/>
   </p:clrMapOvr>
+  <p:timing>
+    <p:tnLst>
+      <p:par>
+        <p:cTn id="1" dur="indefinite" restart="never" nodeType="tmRoot"/>
+      </p:par>
+    </p:tnLst>
+  </p:timing>
 </p:sld>
 </file>
 
@@ -8993,6 +9032,13 @@
   <p:clrMapOvr>
     <a:masterClrMapping/>
   </p:clrMapOvr>
+  <p:timing>
+    <p:tnLst>
+      <p:par>
+        <p:cTn id="1" dur="indefinite" restart="never" nodeType="tmRoot"/>
+      </p:par>
+    </p:tnLst>
+  </p:timing>
 </p:sld>
 </file>
 
@@ -9244,6 +9290,13 @@
   <p:clrMapOvr>
     <a:masterClrMapping/>
   </p:clrMapOvr>
+  <p:timing>
+    <p:tnLst>
+      <p:par>
+        <p:cTn id="1" dur="indefinite" restart="never" nodeType="tmRoot"/>
+      </p:par>
+    </p:tnLst>
+  </p:timing>
 </p:sld>
 </file>
 
@@ -9329,6 +9382,13 @@
   <p:clrMapOvr>
     <a:masterClrMapping/>
   </p:clrMapOvr>
+  <p:timing>
+    <p:tnLst>
+      <p:par>
+        <p:cTn id="1" dur="indefinite" restart="never" nodeType="tmRoot"/>
+      </p:par>
+    </p:tnLst>
+  </p:timing>
 </p:sld>
 </file>
 
@@ -9689,6 +9749,13 @@
   <p:clrMapOvr>
     <a:masterClrMapping/>
   </p:clrMapOvr>
+  <p:timing>
+    <p:tnLst>
+      <p:par>
+        <p:cTn id="1" dur="indefinite" restart="never" nodeType="tmRoot"/>
+      </p:par>
+    </p:tnLst>
+  </p:timing>
 </p:sld>
 </file>
 
@@ -9974,6 +10041,13 @@
   <p:clrMapOvr>
     <a:masterClrMapping/>
   </p:clrMapOvr>
+  <p:timing>
+    <p:tnLst>
+      <p:par>
+        <p:cTn id="1" dur="indefinite" restart="never" nodeType="tmRoot"/>
+      </p:par>
+    </p:tnLst>
+  </p:timing>
 </p:sld>
 </file>
 
@@ -10306,6 +10380,13 @@
   <p:clrMapOvr>
     <a:masterClrMapping/>
   </p:clrMapOvr>
+  <p:timing>
+    <p:tnLst>
+      <p:par>
+        <p:cTn id="1" dur="indefinite" restart="never" nodeType="tmRoot"/>
+      </p:par>
+    </p:tnLst>
+  </p:timing>
 </p:sld>
 </file>
 
@@ -10544,6 +10625,13 @@
   <p:clrMapOvr>
     <a:masterClrMapping/>
   </p:clrMapOvr>
+  <p:timing>
+    <p:tnLst>
+      <p:par>
+        <p:cTn id="1" dur="indefinite" restart="never" nodeType="tmRoot"/>
+      </p:par>
+    </p:tnLst>
+  </p:timing>
 </p:sld>
 </file>
 
@@ -10859,6 +10947,13 @@
   <p:clrMapOvr>
     <a:masterClrMapping/>
   </p:clrMapOvr>
+  <p:timing>
+    <p:tnLst>
+      <p:par>
+        <p:cTn id="1" dur="indefinite" restart="never" nodeType="tmRoot"/>
+      </p:par>
+    </p:tnLst>
+  </p:timing>
 </p:sld>
 </file>
 
@@ -11057,6 +11152,13 @@
   <p:clrMapOvr>
     <a:masterClrMapping/>
   </p:clrMapOvr>
+  <p:timing>
+    <p:tnLst>
+      <p:par>
+        <p:cTn id="1" dur="indefinite" restart="never" nodeType="tmRoot"/>
+      </p:par>
+    </p:tnLst>
+  </p:timing>
 </p:sld>
 </file>
 
@@ -11313,6 +11415,13 @@
   <p:clrMapOvr>
     <a:masterClrMapping/>
   </p:clrMapOvr>
+  <p:timing>
+    <p:tnLst>
+      <p:par>
+        <p:cTn id="1" dur="indefinite" restart="never" nodeType="tmRoot"/>
+      </p:par>
+    </p:tnLst>
+  </p:timing>
 </p:sld>
 </file>
 
@@ -11519,6 +11628,13 @@
   <p:clrMapOvr>
     <a:masterClrMapping/>
   </p:clrMapOvr>
+  <p:timing>
+    <p:tnLst>
+      <p:par>
+        <p:cTn id="1" dur="indefinite" restart="never" nodeType="tmRoot"/>
+      </p:par>
+    </p:tnLst>
+  </p:timing>
 </p:sld>
 </file>
 
@@ -11824,6 +11940,13 @@
   <p:clrMapOvr>
     <a:masterClrMapping/>
   </p:clrMapOvr>
+  <p:timing>
+    <p:tnLst>
+      <p:par>
+        <p:cTn id="1" dur="indefinite" restart="never" nodeType="tmRoot"/>
+      </p:par>
+    </p:tnLst>
+  </p:timing>
 </p:sld>
 </file>
 
@@ -12201,6 +12324,13 @@
   <p:clrMapOvr>
     <a:masterClrMapping/>
   </p:clrMapOvr>
+  <p:timing>
+    <p:tnLst>
+      <p:par>
+        <p:cTn id="1" dur="indefinite" restart="never" nodeType="tmRoot"/>
+      </p:par>
+    </p:tnLst>
+  </p:timing>
 </p:sld>
 </file>
 
@@ -12493,6 +12623,13 @@
   <p:clrMapOvr>
     <a:masterClrMapping/>
   </p:clrMapOvr>
+  <p:timing>
+    <p:tnLst>
+      <p:par>
+        <p:cTn id="1" dur="indefinite" restart="never" nodeType="tmRoot"/>
+      </p:par>
+    </p:tnLst>
+  </p:timing>
 </p:sld>
 </file>
 
@@ -12586,21 +12723,45 @@
                 <a:sym typeface="Wingdings" panose="05000000000000000000" pitchFamily="2" charset="2"/>
               </a:rPr>
             </a:br>
+            <a:r>
+              <a:rPr lang="nl-BE" dirty="0">
+                <a:sym typeface="Wingdings" panose="05000000000000000000" pitchFamily="2" charset="2"/>
+              </a:rPr>
+              <a:t/>
+            </a:r>
             <a:br>
               <a:rPr lang="nl-BE" dirty="0">
                 <a:sym typeface="Wingdings" panose="05000000000000000000" pitchFamily="2" charset="2"/>
               </a:rPr>
             </a:br>
+            <a:r>
+              <a:rPr lang="nl-BE" dirty="0">
+                <a:sym typeface="Wingdings" panose="05000000000000000000" pitchFamily="2" charset="2"/>
+              </a:rPr>
+              <a:t/>
+            </a:r>
             <a:br>
               <a:rPr lang="nl-BE" dirty="0">
                 <a:sym typeface="Wingdings" panose="05000000000000000000" pitchFamily="2" charset="2"/>
               </a:rPr>
             </a:br>
+            <a:r>
+              <a:rPr lang="nl-BE" dirty="0">
+                <a:sym typeface="Wingdings" panose="05000000000000000000" pitchFamily="2" charset="2"/>
+              </a:rPr>
+              <a:t/>
+            </a:r>
             <a:br>
               <a:rPr lang="nl-BE" dirty="0">
                 <a:sym typeface="Wingdings" panose="05000000000000000000" pitchFamily="2" charset="2"/>
               </a:rPr>
             </a:br>
+            <a:r>
+              <a:rPr lang="nl-BE" dirty="0">
+                <a:sym typeface="Wingdings" panose="05000000000000000000" pitchFamily="2" charset="2"/>
+              </a:rPr>
+              <a:t/>
+            </a:r>
             <a:br>
               <a:rPr lang="nl-BE" dirty="0">
                 <a:sym typeface="Wingdings" panose="05000000000000000000" pitchFamily="2" charset="2"/>
@@ -12644,6 +12805,13 @@
   <p:clrMapOvr>
     <a:masterClrMapping/>
   </p:clrMapOvr>
+  <p:timing>
+    <p:tnLst>
+      <p:par>
+        <p:cTn id="1" dur="indefinite" restart="never" nodeType="tmRoot"/>
+      </p:par>
+    </p:tnLst>
+  </p:timing>
 </p:sld>
 </file>
 
@@ -12783,6 +12951,13 @@
   <p:clrMapOvr>
     <a:masterClrMapping/>
   </p:clrMapOvr>
+  <p:timing>
+    <p:tnLst>
+      <p:par>
+        <p:cTn id="1" dur="indefinite" restart="never" nodeType="tmRoot"/>
+      </p:par>
+    </p:tnLst>
+  </p:timing>
 </p:sld>
 </file>
 
